--- a/presentations/example5.pptx
+++ b/presentations/example5.pptx
@@ -105,6 +105,11 @@
       </a:defRPr>
     </a:lvl9pPr>
   </p:defaultTextStyle>
+  <p:extLst>
+    <p:ext uri="{EFAFB233-063F-42B5-8137-9DF3F51BA10A}">
+      <p15:sldGuideLst xmlns:p15="http://schemas.microsoft.com/office/powerpoint/2012/main"/>
+    </p:ext>
+  </p:extLst>
 </p:presentation>
 </file>
 
@@ -150,10 +155,9 @@
           </a:lstStyle>
           <a:p>
             <a:r>
-              <a:rPr lang="en-US" smtClean="0"/>
+              <a:rPr lang="en-US"/>
               <a:t>Click to edit Master title style</a:t>
             </a:r>
-            <a:endParaRPr lang="en-US"/>
           </a:p>
         </p:txBody>
       </p:sp>
@@ -215,10 +219,9 @@
           </a:lstStyle>
           <a:p>
             <a:r>
-              <a:rPr lang="en-US" smtClean="0"/>
+              <a:rPr lang="en-US"/>
               <a:t>Click to edit Master subtitle style</a:t>
             </a:r>
-            <a:endParaRPr lang="en-US"/>
           </a:p>
         </p:txBody>
       </p:sp>
@@ -239,7 +242,7 @@
           <a:p>
             <a:fld id="{B7EDD163-DA35-4C14-A217-D02D7B4FBA42}" type="datetimeFigureOut">
               <a:rPr lang="en-US" smtClean="0"/>
-              <a:t>5/6/2021</a:t>
+              <a:t>5/8/2021</a:t>
             </a:fld>
             <a:endParaRPr lang="en-US"/>
           </a:p>
@@ -333,10 +336,9 @@
           <a:lstStyle/>
           <a:p>
             <a:r>
-              <a:rPr lang="en-US" smtClean="0"/>
+              <a:rPr lang="en-US"/>
               <a:t>Click to edit Master title style</a:t>
             </a:r>
-            <a:endParaRPr lang="en-US"/>
           </a:p>
         </p:txBody>
       </p:sp>
@@ -357,38 +359,37 @@
           <a:p>
             <a:pPr lvl="0"/>
             <a:r>
-              <a:rPr lang="en-US" smtClean="0"/>
+              <a:rPr lang="en-US"/>
               <a:t>Edit Master text styles</a:t>
             </a:r>
           </a:p>
           <a:p>
             <a:pPr lvl="1"/>
             <a:r>
-              <a:rPr lang="en-US" smtClean="0"/>
+              <a:rPr lang="en-US"/>
               <a:t>Second level</a:t>
             </a:r>
           </a:p>
           <a:p>
             <a:pPr lvl="2"/>
             <a:r>
-              <a:rPr lang="en-US" smtClean="0"/>
+              <a:rPr lang="en-US"/>
               <a:t>Third level</a:t>
             </a:r>
           </a:p>
           <a:p>
             <a:pPr lvl="3"/>
             <a:r>
-              <a:rPr lang="en-US" smtClean="0"/>
+              <a:rPr lang="en-US"/>
               <a:t>Fourth level</a:t>
             </a:r>
           </a:p>
           <a:p>
             <a:pPr lvl="4"/>
             <a:r>
-              <a:rPr lang="en-US" smtClean="0"/>
+              <a:rPr lang="en-US"/>
               <a:t>Fifth level</a:t>
             </a:r>
-            <a:endParaRPr lang="en-US"/>
           </a:p>
         </p:txBody>
       </p:sp>
@@ -409,7 +410,7 @@
           <a:p>
             <a:fld id="{B7EDD163-DA35-4C14-A217-D02D7B4FBA42}" type="datetimeFigureOut">
               <a:rPr lang="en-US" smtClean="0"/>
-              <a:t>5/6/2021</a:t>
+              <a:t>5/8/2021</a:t>
             </a:fld>
             <a:endParaRPr lang="en-US"/>
           </a:p>
@@ -508,10 +509,9 @@
           <a:lstStyle/>
           <a:p>
             <a:r>
-              <a:rPr lang="en-US" smtClean="0"/>
+              <a:rPr lang="en-US"/>
               <a:t>Click to edit Master title style</a:t>
             </a:r>
-            <a:endParaRPr lang="en-US"/>
           </a:p>
         </p:txBody>
       </p:sp>
@@ -537,38 +537,37 @@
           <a:p>
             <a:pPr lvl="0"/>
             <a:r>
-              <a:rPr lang="en-US" smtClean="0"/>
+              <a:rPr lang="en-US"/>
               <a:t>Edit Master text styles</a:t>
             </a:r>
           </a:p>
           <a:p>
             <a:pPr lvl="1"/>
             <a:r>
-              <a:rPr lang="en-US" smtClean="0"/>
+              <a:rPr lang="en-US"/>
               <a:t>Second level</a:t>
             </a:r>
           </a:p>
           <a:p>
             <a:pPr lvl="2"/>
             <a:r>
-              <a:rPr lang="en-US" smtClean="0"/>
+              <a:rPr lang="en-US"/>
               <a:t>Third level</a:t>
             </a:r>
           </a:p>
           <a:p>
             <a:pPr lvl="3"/>
             <a:r>
-              <a:rPr lang="en-US" smtClean="0"/>
+              <a:rPr lang="en-US"/>
               <a:t>Fourth level</a:t>
             </a:r>
           </a:p>
           <a:p>
             <a:pPr lvl="4"/>
             <a:r>
-              <a:rPr lang="en-US" smtClean="0"/>
+              <a:rPr lang="en-US"/>
               <a:t>Fifth level</a:t>
             </a:r>
-            <a:endParaRPr lang="en-US"/>
           </a:p>
         </p:txBody>
       </p:sp>
@@ -589,7 +588,7 @@
           <a:p>
             <a:fld id="{B7EDD163-DA35-4C14-A217-D02D7B4FBA42}" type="datetimeFigureOut">
               <a:rPr lang="en-US" smtClean="0"/>
-              <a:t>5/6/2021</a:t>
+              <a:t>5/8/2021</a:t>
             </a:fld>
             <a:endParaRPr lang="en-US"/>
           </a:p>
@@ -683,10 +682,9 @@
           <a:lstStyle/>
           <a:p>
             <a:r>
-              <a:rPr lang="en-US" smtClean="0"/>
+              <a:rPr lang="en-US"/>
               <a:t>Click to edit Master title style</a:t>
             </a:r>
-            <a:endParaRPr lang="en-US"/>
           </a:p>
         </p:txBody>
       </p:sp>
@@ -707,38 +705,37 @@
           <a:p>
             <a:pPr lvl="0"/>
             <a:r>
-              <a:rPr lang="en-US" smtClean="0"/>
+              <a:rPr lang="en-US"/>
               <a:t>Edit Master text styles</a:t>
             </a:r>
           </a:p>
           <a:p>
             <a:pPr lvl="1"/>
             <a:r>
-              <a:rPr lang="en-US" smtClean="0"/>
+              <a:rPr lang="en-US"/>
               <a:t>Second level</a:t>
             </a:r>
           </a:p>
           <a:p>
             <a:pPr lvl="2"/>
             <a:r>
-              <a:rPr lang="en-US" smtClean="0"/>
+              <a:rPr lang="en-US"/>
               <a:t>Third level</a:t>
             </a:r>
           </a:p>
           <a:p>
             <a:pPr lvl="3"/>
             <a:r>
-              <a:rPr lang="en-US" smtClean="0"/>
+              <a:rPr lang="en-US"/>
               <a:t>Fourth level</a:t>
             </a:r>
           </a:p>
           <a:p>
             <a:pPr lvl="4"/>
             <a:r>
-              <a:rPr lang="en-US" smtClean="0"/>
+              <a:rPr lang="en-US"/>
               <a:t>Fifth level</a:t>
             </a:r>
-            <a:endParaRPr lang="en-US"/>
           </a:p>
         </p:txBody>
       </p:sp>
@@ -759,7 +756,7 @@
           <a:p>
             <a:fld id="{B7EDD163-DA35-4C14-A217-D02D7B4FBA42}" type="datetimeFigureOut">
               <a:rPr lang="en-US" smtClean="0"/>
-              <a:t>5/6/2021</a:t>
+              <a:t>5/8/2021</a:t>
             </a:fld>
             <a:endParaRPr lang="en-US"/>
           </a:p>
@@ -862,10 +859,9 @@
           </a:lstStyle>
           <a:p>
             <a:r>
-              <a:rPr lang="en-US" smtClean="0"/>
+              <a:rPr lang="en-US"/>
               <a:t>Click to edit Master title style</a:t>
             </a:r>
-            <a:endParaRPr lang="en-US"/>
           </a:p>
         </p:txBody>
       </p:sp>
@@ -982,7 +978,7 @@
           <a:p>
             <a:pPr lvl="0"/>
             <a:r>
-              <a:rPr lang="en-US" smtClean="0"/>
+              <a:rPr lang="en-US"/>
               <a:t>Edit Master text styles</a:t>
             </a:r>
           </a:p>
@@ -1005,7 +1001,7 @@
           <a:p>
             <a:fld id="{B7EDD163-DA35-4C14-A217-D02D7B4FBA42}" type="datetimeFigureOut">
               <a:rPr lang="en-US" smtClean="0"/>
-              <a:t>5/6/2021</a:t>
+              <a:t>5/8/2021</a:t>
             </a:fld>
             <a:endParaRPr lang="en-US"/>
           </a:p>
@@ -1099,10 +1095,9 @@
           <a:lstStyle/>
           <a:p>
             <a:r>
-              <a:rPr lang="en-US" smtClean="0"/>
+              <a:rPr lang="en-US"/>
               <a:t>Click to edit Master title style</a:t>
             </a:r>
-            <a:endParaRPr lang="en-US"/>
           </a:p>
         </p:txBody>
       </p:sp>
@@ -1128,38 +1123,37 @@
           <a:p>
             <a:pPr lvl="0"/>
             <a:r>
-              <a:rPr lang="en-US" smtClean="0"/>
+              <a:rPr lang="en-US"/>
               <a:t>Edit Master text styles</a:t>
             </a:r>
           </a:p>
           <a:p>
             <a:pPr lvl="1"/>
             <a:r>
-              <a:rPr lang="en-US" smtClean="0"/>
+              <a:rPr lang="en-US"/>
               <a:t>Second level</a:t>
             </a:r>
           </a:p>
           <a:p>
             <a:pPr lvl="2"/>
             <a:r>
-              <a:rPr lang="en-US" smtClean="0"/>
+              <a:rPr lang="en-US"/>
               <a:t>Third level</a:t>
             </a:r>
           </a:p>
           <a:p>
             <a:pPr lvl="3"/>
             <a:r>
-              <a:rPr lang="en-US" smtClean="0"/>
+              <a:rPr lang="en-US"/>
               <a:t>Fourth level</a:t>
             </a:r>
           </a:p>
           <a:p>
             <a:pPr lvl="4"/>
             <a:r>
-              <a:rPr lang="en-US" smtClean="0"/>
+              <a:rPr lang="en-US"/>
               <a:t>Fifth level</a:t>
             </a:r>
-            <a:endParaRPr lang="en-US"/>
           </a:p>
         </p:txBody>
       </p:sp>
@@ -1185,38 +1179,37 @@
           <a:p>
             <a:pPr lvl="0"/>
             <a:r>
-              <a:rPr lang="en-US" smtClean="0"/>
+              <a:rPr lang="en-US"/>
               <a:t>Edit Master text styles</a:t>
             </a:r>
           </a:p>
           <a:p>
             <a:pPr lvl="1"/>
             <a:r>
-              <a:rPr lang="en-US" smtClean="0"/>
+              <a:rPr lang="en-US"/>
               <a:t>Second level</a:t>
             </a:r>
           </a:p>
           <a:p>
             <a:pPr lvl="2"/>
             <a:r>
-              <a:rPr lang="en-US" smtClean="0"/>
+              <a:rPr lang="en-US"/>
               <a:t>Third level</a:t>
             </a:r>
           </a:p>
           <a:p>
             <a:pPr lvl="3"/>
             <a:r>
-              <a:rPr lang="en-US" smtClean="0"/>
+              <a:rPr lang="en-US"/>
               <a:t>Fourth level</a:t>
             </a:r>
           </a:p>
           <a:p>
             <a:pPr lvl="4"/>
             <a:r>
-              <a:rPr lang="en-US" smtClean="0"/>
+              <a:rPr lang="en-US"/>
               <a:t>Fifth level</a:t>
             </a:r>
-            <a:endParaRPr lang="en-US"/>
           </a:p>
         </p:txBody>
       </p:sp>
@@ -1237,7 +1230,7 @@
           <a:p>
             <a:fld id="{B7EDD163-DA35-4C14-A217-D02D7B4FBA42}" type="datetimeFigureOut">
               <a:rPr lang="en-US" smtClean="0"/>
-              <a:t>5/6/2021</a:t>
+              <a:t>5/8/2021</a:t>
             </a:fld>
             <a:endParaRPr lang="en-US"/>
           </a:p>
@@ -1336,10 +1329,9 @@
           <a:lstStyle/>
           <a:p>
             <a:r>
-              <a:rPr lang="en-US" smtClean="0"/>
+              <a:rPr lang="en-US"/>
               <a:t>Click to edit Master title style</a:t>
             </a:r>
-            <a:endParaRPr lang="en-US"/>
           </a:p>
         </p:txBody>
       </p:sp>
@@ -1402,7 +1394,7 @@
           <a:p>
             <a:pPr lvl="0"/>
             <a:r>
-              <a:rPr lang="en-US" smtClean="0"/>
+              <a:rPr lang="en-US"/>
               <a:t>Edit Master text styles</a:t>
             </a:r>
           </a:p>
@@ -1430,38 +1422,37 @@
           <a:p>
             <a:pPr lvl="0"/>
             <a:r>
-              <a:rPr lang="en-US" smtClean="0"/>
+              <a:rPr lang="en-US"/>
               <a:t>Edit Master text styles</a:t>
             </a:r>
           </a:p>
           <a:p>
             <a:pPr lvl="1"/>
             <a:r>
-              <a:rPr lang="en-US" smtClean="0"/>
+              <a:rPr lang="en-US"/>
               <a:t>Second level</a:t>
             </a:r>
           </a:p>
           <a:p>
             <a:pPr lvl="2"/>
             <a:r>
-              <a:rPr lang="en-US" smtClean="0"/>
+              <a:rPr lang="en-US"/>
               <a:t>Third level</a:t>
             </a:r>
           </a:p>
           <a:p>
             <a:pPr lvl="3"/>
             <a:r>
-              <a:rPr lang="en-US" smtClean="0"/>
+              <a:rPr lang="en-US"/>
               <a:t>Fourth level</a:t>
             </a:r>
           </a:p>
           <a:p>
             <a:pPr lvl="4"/>
             <a:r>
-              <a:rPr lang="en-US" smtClean="0"/>
+              <a:rPr lang="en-US"/>
               <a:t>Fifth level</a:t>
             </a:r>
-            <a:endParaRPr lang="en-US"/>
           </a:p>
         </p:txBody>
       </p:sp>
@@ -1524,7 +1515,7 @@
           <a:p>
             <a:pPr lvl="0"/>
             <a:r>
-              <a:rPr lang="en-US" smtClean="0"/>
+              <a:rPr lang="en-US"/>
               <a:t>Edit Master text styles</a:t>
             </a:r>
           </a:p>
@@ -1552,38 +1543,37 @@
           <a:p>
             <a:pPr lvl="0"/>
             <a:r>
-              <a:rPr lang="en-US" smtClean="0"/>
+              <a:rPr lang="en-US"/>
               <a:t>Edit Master text styles</a:t>
             </a:r>
           </a:p>
           <a:p>
             <a:pPr lvl="1"/>
             <a:r>
-              <a:rPr lang="en-US" smtClean="0"/>
+              <a:rPr lang="en-US"/>
               <a:t>Second level</a:t>
             </a:r>
           </a:p>
           <a:p>
             <a:pPr lvl="2"/>
             <a:r>
-              <a:rPr lang="en-US" smtClean="0"/>
+              <a:rPr lang="en-US"/>
               <a:t>Third level</a:t>
             </a:r>
           </a:p>
           <a:p>
             <a:pPr lvl="3"/>
             <a:r>
-              <a:rPr lang="en-US" smtClean="0"/>
+              <a:rPr lang="en-US"/>
               <a:t>Fourth level</a:t>
             </a:r>
           </a:p>
           <a:p>
             <a:pPr lvl="4"/>
             <a:r>
-              <a:rPr lang="en-US" smtClean="0"/>
+              <a:rPr lang="en-US"/>
               <a:t>Fifth level</a:t>
             </a:r>
-            <a:endParaRPr lang="en-US"/>
           </a:p>
         </p:txBody>
       </p:sp>
@@ -1604,7 +1594,7 @@
           <a:p>
             <a:fld id="{B7EDD163-DA35-4C14-A217-D02D7B4FBA42}" type="datetimeFigureOut">
               <a:rPr lang="en-US" smtClean="0"/>
-              <a:t>5/6/2021</a:t>
+              <a:t>5/8/2021</a:t>
             </a:fld>
             <a:endParaRPr lang="en-US"/>
           </a:p>
@@ -1698,10 +1688,9 @@
           <a:lstStyle/>
           <a:p>
             <a:r>
-              <a:rPr lang="en-US" smtClean="0"/>
+              <a:rPr lang="en-US"/>
               <a:t>Click to edit Master title style</a:t>
             </a:r>
-            <a:endParaRPr lang="en-US"/>
           </a:p>
         </p:txBody>
       </p:sp>
@@ -1722,7 +1711,7 @@
           <a:p>
             <a:fld id="{B7EDD163-DA35-4C14-A217-D02D7B4FBA42}" type="datetimeFigureOut">
               <a:rPr lang="en-US" smtClean="0"/>
-              <a:t>5/6/2021</a:t>
+              <a:t>5/8/2021</a:t>
             </a:fld>
             <a:endParaRPr lang="en-US"/>
           </a:p>
@@ -1817,7 +1806,7 @@
           <a:p>
             <a:fld id="{B7EDD163-DA35-4C14-A217-D02D7B4FBA42}" type="datetimeFigureOut">
               <a:rPr lang="en-US" smtClean="0"/>
-              <a:t>5/6/2021</a:t>
+              <a:t>5/8/2021</a:t>
             </a:fld>
             <a:endParaRPr lang="en-US"/>
           </a:p>
@@ -1920,10 +1909,9 @@
           </a:lstStyle>
           <a:p>
             <a:r>
-              <a:rPr lang="en-US" smtClean="0"/>
+              <a:rPr lang="en-US"/>
               <a:t>Click to edit Master title style</a:t>
             </a:r>
-            <a:endParaRPr lang="en-US"/>
           </a:p>
         </p:txBody>
       </p:sp>
@@ -1977,38 +1965,37 @@
           <a:p>
             <a:pPr lvl="0"/>
             <a:r>
-              <a:rPr lang="en-US" smtClean="0"/>
+              <a:rPr lang="en-US"/>
               <a:t>Edit Master text styles</a:t>
             </a:r>
           </a:p>
           <a:p>
             <a:pPr lvl="1"/>
             <a:r>
-              <a:rPr lang="en-US" smtClean="0"/>
+              <a:rPr lang="en-US"/>
               <a:t>Second level</a:t>
             </a:r>
           </a:p>
           <a:p>
             <a:pPr lvl="2"/>
             <a:r>
-              <a:rPr lang="en-US" smtClean="0"/>
+              <a:rPr lang="en-US"/>
               <a:t>Third level</a:t>
             </a:r>
           </a:p>
           <a:p>
             <a:pPr lvl="3"/>
             <a:r>
-              <a:rPr lang="en-US" smtClean="0"/>
+              <a:rPr lang="en-US"/>
               <a:t>Fourth level</a:t>
             </a:r>
           </a:p>
           <a:p>
             <a:pPr lvl="4"/>
             <a:r>
-              <a:rPr lang="en-US" smtClean="0"/>
+              <a:rPr lang="en-US"/>
               <a:t>Fifth level</a:t>
             </a:r>
-            <a:endParaRPr lang="en-US"/>
           </a:p>
         </p:txBody>
       </p:sp>
@@ -2071,7 +2058,7 @@
           <a:p>
             <a:pPr lvl="0"/>
             <a:r>
-              <a:rPr lang="en-US" smtClean="0"/>
+              <a:rPr lang="en-US"/>
               <a:t>Edit Master text styles</a:t>
             </a:r>
           </a:p>
@@ -2094,7 +2081,7 @@
           <a:p>
             <a:fld id="{B7EDD163-DA35-4C14-A217-D02D7B4FBA42}" type="datetimeFigureOut">
               <a:rPr lang="en-US" smtClean="0"/>
-              <a:t>5/6/2021</a:t>
+              <a:t>5/8/2021</a:t>
             </a:fld>
             <a:endParaRPr lang="en-US"/>
           </a:p>
@@ -2197,10 +2184,9 @@
           </a:lstStyle>
           <a:p>
             <a:r>
-              <a:rPr lang="en-US" smtClean="0"/>
+              <a:rPr lang="en-US"/>
               <a:t>Click to edit Master title style</a:t>
             </a:r>
-            <a:endParaRPr lang="en-US"/>
           </a:p>
         </p:txBody>
       </p:sp>
@@ -2324,7 +2310,7 @@
           <a:p>
             <a:pPr lvl="0"/>
             <a:r>
-              <a:rPr lang="en-US" smtClean="0"/>
+              <a:rPr lang="en-US"/>
               <a:t>Edit Master text styles</a:t>
             </a:r>
           </a:p>
@@ -2347,7 +2333,7 @@
           <a:p>
             <a:fld id="{B7EDD163-DA35-4C14-A217-D02D7B4FBA42}" type="datetimeFigureOut">
               <a:rPr lang="en-US" smtClean="0"/>
-              <a:t>5/6/2021</a:t>
+              <a:t>5/8/2021</a:t>
             </a:fld>
             <a:endParaRPr lang="en-US"/>
           </a:p>
@@ -2456,10 +2442,9 @@
           <a:lstStyle/>
           <a:p>
             <a:r>
-              <a:rPr lang="en-US" smtClean="0"/>
+              <a:rPr lang="en-US"/>
               <a:t>Click to edit Master title style</a:t>
             </a:r>
-            <a:endParaRPr lang="en-US"/>
           </a:p>
         </p:txBody>
       </p:sp>
@@ -2490,38 +2475,37 @@
           <a:p>
             <a:pPr lvl="0"/>
             <a:r>
-              <a:rPr lang="en-US" smtClean="0"/>
+              <a:rPr lang="en-US"/>
               <a:t>Edit Master text styles</a:t>
             </a:r>
           </a:p>
           <a:p>
             <a:pPr lvl="1"/>
             <a:r>
-              <a:rPr lang="en-US" smtClean="0"/>
+              <a:rPr lang="en-US"/>
               <a:t>Second level</a:t>
             </a:r>
           </a:p>
           <a:p>
             <a:pPr lvl="2"/>
             <a:r>
-              <a:rPr lang="en-US" smtClean="0"/>
+              <a:rPr lang="en-US"/>
               <a:t>Third level</a:t>
             </a:r>
           </a:p>
           <a:p>
             <a:pPr lvl="3"/>
             <a:r>
-              <a:rPr lang="en-US" smtClean="0"/>
+              <a:rPr lang="en-US"/>
               <a:t>Fourth level</a:t>
             </a:r>
           </a:p>
           <a:p>
             <a:pPr lvl="4"/>
             <a:r>
-              <a:rPr lang="en-US" smtClean="0"/>
+              <a:rPr lang="en-US"/>
               <a:t>Fifth level</a:t>
             </a:r>
-            <a:endParaRPr lang="en-US"/>
           </a:p>
         </p:txBody>
       </p:sp>
@@ -2560,7 +2544,7 @@
           <a:p>
             <a:fld id="{B7EDD163-DA35-4C14-A217-D02D7B4FBA42}" type="datetimeFigureOut">
               <a:rPr lang="en-US" smtClean="0"/>
-              <a:t>5/6/2021</a:t>
+              <a:t>5/8/2021</a:t>
             </a:fld>
             <a:endParaRPr lang="en-US"/>
           </a:p>
@@ -2981,38 +2965,29 @@
           <a:lstStyle/>
           <a:p>
             <a:r>
-              <a:rPr lang="ru-RU" dirty="0" smtClean="0"/>
+              <a:rPr lang="ru-RU" dirty="0"/>
               <a:t>Создание </a:t>
             </a:r>
             <a:r>
-              <a:rPr lang="ru-RU" dirty="0" err="1" smtClean="0"/>
+              <a:rPr lang="ru-RU" dirty="0" err="1"/>
               <a:t>бина</a:t>
             </a:r>
             <a:r>
-              <a:rPr lang="ru-RU" dirty="0" smtClean="0"/>
-              <a:t> через </a:t>
-            </a:r>
-            <a:r>
-              <a:rPr lang="ru-RU" dirty="0" smtClean="0"/>
-              <a:t>не</a:t>
-            </a:r>
-            <a:r>
-              <a:rPr lang="ru-RU" dirty="0" smtClean="0"/>
-              <a:t>статический фабричный метод(</a:t>
-            </a:r>
-            <a:r>
-              <a:rPr lang="en-US" dirty="0" smtClean="0"/>
+              <a:rPr lang="ru-RU" dirty="0"/>
+              <a:t> через нестатический фабричный метод(</a:t>
+            </a:r>
+            <a:r>
+              <a:rPr lang="en-US" dirty="0"/>
               <a:t>factory method</a:t>
             </a:r>
             <a:r>
-              <a:rPr lang="ru-RU" dirty="0" smtClean="0"/>
+              <a:rPr lang="ru-RU" dirty="0"/>
               <a:t>)</a:t>
             </a:r>
             <a:r>
-              <a:rPr lang="en-US" dirty="0" smtClean="0"/>
+              <a:rPr lang="en-US" dirty="0"/>
               <a:t>.</a:t>
             </a:r>
-            <a:endParaRPr lang="en-US" dirty="0"/>
           </a:p>
         </p:txBody>
       </p:sp>
@@ -3035,26 +3010,22 @@
               <a:buNone/>
             </a:pPr>
             <a:r>
-              <a:rPr lang="ru-RU" dirty="0" smtClean="0"/>
+              <a:rPr lang="ru-RU" dirty="0"/>
               <a:t>Для использования нестатического </a:t>
             </a:r>
             <a:r>
-              <a:rPr lang="en-US" dirty="0" smtClean="0"/>
+              <a:rPr lang="en-US" dirty="0"/>
               <a:t>factory </a:t>
             </a:r>
             <a:r>
-              <a:rPr lang="en-US" dirty="0" err="1" smtClean="0"/>
-              <a:t>method</a:t>
-            </a:r>
-            <a:r>
-              <a:rPr lang="en-US" dirty="0" err="1" smtClean="0"/>
-              <a:t>’a</a:t>
-            </a:r>
-            <a:endParaRPr lang="ru-RU" dirty="0" smtClean="0"/>
-          </a:p>
-          <a:p>
-            <a:r>
-              <a:rPr lang="ru-RU" dirty="0" smtClean="0"/>
+              <a:rPr lang="en-US" dirty="0" err="1"/>
+              <a:t>method’a</a:t>
+            </a:r>
+            <a:endParaRPr lang="ru-RU" dirty="0"/>
+          </a:p>
+          <a:p>
+            <a:r>
+              <a:rPr lang="ru-RU" dirty="0"/>
               <a:t>Создаём отдельный класс с этим методом</a:t>
             </a:r>
           </a:p>
@@ -3134,7 +3105,7 @@
               <a:tabLst/>
             </a:pPr>
             <a:r>
-              <a:rPr kumimoji="0" lang="en-US" altLang="en-US" sz="2000" b="0" i="0" u="none" strike="noStrike" cap="none" normalizeH="0" baseline="0" dirty="0" smtClean="0">
+              <a:rPr kumimoji="0" lang="en-US" altLang="en-US" sz="2000" b="0" i="0" u="none" strike="noStrike" cap="none" normalizeH="0" baseline="0" dirty="0">
                 <a:ln>
                   <a:noFill/>
                 </a:ln>
@@ -3147,7 +3118,7 @@
               <a:t>public class </a:t>
             </a:r>
             <a:r>
-              <a:rPr kumimoji="0" lang="en-US" altLang="en-US" sz="2000" b="0" i="0" u="none" strike="noStrike" cap="none" normalizeH="0" baseline="0" dirty="0" err="1" smtClean="0">
+              <a:rPr kumimoji="0" lang="en-US" altLang="en-US" sz="2000" b="0" i="0" u="none" strike="noStrike" cap="none" normalizeH="0" baseline="0" dirty="0" err="1">
                 <a:ln>
                   <a:noFill/>
                 </a:ln>
@@ -3160,7 +3131,7 @@
               <a:t>PersonFactory</a:t>
             </a:r>
             <a:r>
-              <a:rPr kumimoji="0" lang="en-US" altLang="en-US" sz="2000" b="0" i="0" u="none" strike="noStrike" cap="none" normalizeH="0" baseline="0" dirty="0" smtClean="0">
+              <a:rPr kumimoji="0" lang="en-US" altLang="en-US" sz="2000" b="0" i="0" u="none" strike="noStrike" cap="none" normalizeH="0" baseline="0" dirty="0">
                 <a:ln>
                   <a:noFill/>
                 </a:ln>
@@ -3173,7 +3144,7 @@
               <a:t> {</a:t>
             </a:r>
             <a:br>
-              <a:rPr kumimoji="0" lang="en-US" altLang="en-US" sz="2000" b="0" i="0" u="none" strike="noStrike" cap="none" normalizeH="0" baseline="0" dirty="0" smtClean="0">
+              <a:rPr kumimoji="0" lang="en-US" altLang="en-US" sz="2000" b="0" i="0" u="none" strike="noStrike" cap="none" normalizeH="0" baseline="0" dirty="0">
                 <a:ln>
                   <a:noFill/>
                 </a:ln>
@@ -3184,8 +3155,8 @@
                 <a:latin typeface="JetBrains Mono"/>
               </a:rPr>
             </a:br>
-            <a:r>
-              <a:rPr kumimoji="0" lang="en-US" altLang="en-US" sz="2000" b="0" i="0" u="none" strike="noStrike" cap="none" normalizeH="0" baseline="0" dirty="0" smtClean="0">
+            <a:br>
+              <a:rPr kumimoji="0" lang="en-US" altLang="en-US" sz="2000" b="0" i="0" u="none" strike="noStrike" cap="none" normalizeH="0" baseline="0" dirty="0">
                 <a:ln>
                   <a:noFill/>
                 </a:ln>
@@ -3195,10 +3166,126 @@
                 <a:effectLst/>
                 <a:latin typeface="JetBrains Mono"/>
               </a:rPr>
-              <a:t/>
+            </a:br>
+            <a:r>
+              <a:rPr kumimoji="0" lang="en-US" altLang="en-US" sz="2000" b="0" i="0" u="none" strike="noStrike" cap="none" normalizeH="0" baseline="0" dirty="0">
+                <a:ln>
+                  <a:noFill/>
+                </a:ln>
+                <a:solidFill>
+                  <a:srgbClr val="A9B7C6"/>
+                </a:solidFill>
+                <a:effectLst/>
+                <a:latin typeface="JetBrains Mono"/>
+              </a:rPr>
+              <a:t>    </a:t>
+            </a:r>
+            <a:r>
+              <a:rPr kumimoji="0" lang="en-US" altLang="en-US" sz="2000" b="0" i="0" u="none" strike="noStrike" cap="none" normalizeH="0" baseline="0" dirty="0">
+                <a:ln>
+                  <a:noFill/>
+                </a:ln>
+                <a:solidFill>
+                  <a:srgbClr val="CC7832"/>
+                </a:solidFill>
+                <a:effectLst/>
+                <a:latin typeface="JetBrains Mono"/>
+              </a:rPr>
+              <a:t>public </a:t>
+            </a:r>
+            <a:r>
+              <a:rPr kumimoji="0" lang="en-US" altLang="en-US" sz="2000" b="0" i="0" u="none" strike="noStrike" cap="none" normalizeH="0" baseline="0" dirty="0">
+                <a:ln>
+                  <a:noFill/>
+                </a:ln>
+                <a:solidFill>
+                  <a:srgbClr val="A9B7C6"/>
+                </a:solidFill>
+                <a:effectLst/>
+                <a:latin typeface="JetBrains Mono"/>
+              </a:rPr>
+              <a:t>Person </a:t>
+            </a:r>
+            <a:r>
+              <a:rPr kumimoji="0" lang="en-US" altLang="en-US" sz="2000" b="0" i="0" u="none" strike="noStrike" cap="none" normalizeH="0" baseline="0" dirty="0" err="1">
+                <a:ln>
+                  <a:noFill/>
+                </a:ln>
+                <a:solidFill>
+                  <a:srgbClr val="FFC66D"/>
+                </a:solidFill>
+                <a:effectLst/>
+                <a:latin typeface="JetBrains Mono"/>
+              </a:rPr>
+              <a:t>createInstance</a:t>
+            </a:r>
+            <a:r>
+              <a:rPr kumimoji="0" lang="en-US" altLang="en-US" sz="2000" b="0" i="0" u="none" strike="noStrike" cap="none" normalizeH="0" baseline="0" dirty="0">
+                <a:ln>
+                  <a:noFill/>
+                </a:ln>
+                <a:solidFill>
+                  <a:srgbClr val="A9B7C6"/>
+                </a:solidFill>
+                <a:effectLst/>
+                <a:latin typeface="JetBrains Mono"/>
+              </a:rPr>
+              <a:t>(String name</a:t>
+            </a:r>
+            <a:r>
+              <a:rPr kumimoji="0" lang="en-US" altLang="en-US" sz="2000" b="0" i="0" u="none" strike="noStrike" cap="none" normalizeH="0" baseline="0" dirty="0">
+                <a:ln>
+                  <a:noFill/>
+                </a:ln>
+                <a:solidFill>
+                  <a:srgbClr val="CC7832"/>
+                </a:solidFill>
+                <a:effectLst/>
+                <a:latin typeface="JetBrains Mono"/>
+              </a:rPr>
+              <a:t>, </a:t>
+            </a:r>
+            <a:r>
+              <a:rPr kumimoji="0" lang="en-US" altLang="en-US" sz="2000" b="0" i="0" u="none" strike="noStrike" cap="none" normalizeH="0" baseline="0" dirty="0" err="1">
+                <a:ln>
+                  <a:noFill/>
+                </a:ln>
+                <a:solidFill>
+                  <a:srgbClr val="CC7832"/>
+                </a:solidFill>
+                <a:effectLst/>
+                <a:latin typeface="JetBrains Mono"/>
+              </a:rPr>
+              <a:t>int</a:t>
+            </a:r>
+            <a:r>
+              <a:rPr kumimoji="0" lang="en-US" altLang="en-US" sz="2000" b="0" i="0" u="none" strike="noStrike" cap="none" normalizeH="0" baseline="0" dirty="0">
+                <a:ln>
+                  <a:noFill/>
+                </a:ln>
+                <a:solidFill>
+                  <a:srgbClr val="CC7832"/>
+                </a:solidFill>
+                <a:effectLst/>
+                <a:latin typeface="JetBrains Mono"/>
+              </a:rPr>
+              <a:t> </a:t>
+            </a:r>
+            <a:r>
+              <a:rPr kumimoji="0" lang="en-US" altLang="en-US" sz="2000" b="0" i="0" u="none" strike="noStrike" cap="none" normalizeH="0" baseline="0" dirty="0">
+                <a:ln>
+                  <a:noFill/>
+                </a:ln>
+                <a:solidFill>
+                  <a:srgbClr val="A9B7C6"/>
+                </a:solidFill>
+                <a:effectLst/>
+                <a:latin typeface="JetBrains Mono"/>
+              </a:rPr>
+              <a:t>age){</a:t>
             </a:r>
             <a:br>
-              <a:rPr kumimoji="0" lang="en-US" altLang="en-US" sz="2000" b="0" i="0" u="none" strike="noStrike" cap="none" normalizeH="0" baseline="0" dirty="0" smtClean="0">
+              <a:rPr kumimoji="0" lang="en-US" altLang="en-US" sz="2000" b="0" i="0" u="none" strike="noStrike" cap="none" normalizeH="0" baseline="0" dirty="0">
                 <a:ln>
                   <a:noFill/>
                 </a:ln>
@@ -3210,7 +3297,7 @@
               </a:rPr>
             </a:br>
             <a:r>
-              <a:rPr kumimoji="0" lang="en-US" altLang="en-US" sz="2000" b="0" i="0" u="none" strike="noStrike" cap="none" normalizeH="0" baseline="0" dirty="0" smtClean="0">
+              <a:rPr kumimoji="0" lang="en-US" altLang="en-US" sz="2000" b="0" i="0" u="none" strike="noStrike" cap="none" normalizeH="0" baseline="0" dirty="0">
                 <a:ln>
                   <a:noFill/>
                 </a:ln>
@@ -3220,23 +3307,627 @@
                 <a:effectLst/>
                 <a:latin typeface="JetBrains Mono"/>
               </a:rPr>
+              <a:t>        Person </a:t>
+            </a:r>
+            <a:r>
+              <a:rPr kumimoji="0" lang="en-US" altLang="en-US" sz="2000" b="0" i="0" u="none" strike="noStrike" cap="none" normalizeH="0" baseline="0" dirty="0" err="1">
+                <a:ln>
+                  <a:noFill/>
+                </a:ln>
+                <a:solidFill>
+                  <a:srgbClr val="A9B7C6"/>
+                </a:solidFill>
+                <a:effectLst/>
+                <a:latin typeface="JetBrains Mono"/>
+              </a:rPr>
+              <a:t>person</a:t>
+            </a:r>
+            <a:r>
+              <a:rPr kumimoji="0" lang="en-US" altLang="en-US" sz="2000" b="0" i="0" u="none" strike="noStrike" cap="none" normalizeH="0" baseline="0" dirty="0">
+                <a:ln>
+                  <a:noFill/>
+                </a:ln>
+                <a:solidFill>
+                  <a:srgbClr val="A9B7C6"/>
+                </a:solidFill>
+                <a:effectLst/>
+                <a:latin typeface="JetBrains Mono"/>
+              </a:rPr>
+              <a:t> = </a:t>
+            </a:r>
+            <a:r>
+              <a:rPr kumimoji="0" lang="en-US" altLang="en-US" sz="2000" b="0" i="0" u="none" strike="noStrike" cap="none" normalizeH="0" baseline="0" dirty="0">
+                <a:ln>
+                  <a:noFill/>
+                </a:ln>
+                <a:solidFill>
+                  <a:srgbClr val="CC7832"/>
+                </a:solidFill>
+                <a:effectLst/>
+                <a:latin typeface="JetBrains Mono"/>
+              </a:rPr>
+              <a:t>new </a:t>
+            </a:r>
+            <a:r>
+              <a:rPr kumimoji="0" lang="en-US" altLang="en-US" sz="2000" b="0" i="0" u="none" strike="noStrike" cap="none" normalizeH="0" baseline="0" dirty="0">
+                <a:ln>
+                  <a:noFill/>
+                </a:ln>
+                <a:solidFill>
+                  <a:srgbClr val="A9B7C6"/>
+                </a:solidFill>
+                <a:effectLst/>
+                <a:latin typeface="JetBrains Mono"/>
+              </a:rPr>
+              <a:t>Person(name</a:t>
+            </a:r>
+            <a:r>
+              <a:rPr kumimoji="0" lang="en-US" altLang="en-US" sz="2000" b="0" i="0" u="none" strike="noStrike" cap="none" normalizeH="0" baseline="0" dirty="0">
+                <a:ln>
+                  <a:noFill/>
+                </a:ln>
+                <a:solidFill>
+                  <a:srgbClr val="CC7832"/>
+                </a:solidFill>
+                <a:effectLst/>
+                <a:latin typeface="JetBrains Mono"/>
+              </a:rPr>
+              <a:t>, </a:t>
+            </a:r>
+            <a:r>
+              <a:rPr kumimoji="0" lang="en-US" altLang="en-US" sz="2000" b="0" i="0" u="none" strike="noStrike" cap="none" normalizeH="0" baseline="0" dirty="0">
+                <a:ln>
+                  <a:noFill/>
+                </a:ln>
+                <a:solidFill>
+                  <a:srgbClr val="A9B7C6"/>
+                </a:solidFill>
+                <a:effectLst/>
+                <a:latin typeface="JetBrains Mono"/>
+              </a:rPr>
+              <a:t>age)</a:t>
+            </a:r>
+            <a:r>
+              <a:rPr kumimoji="0" lang="en-US" altLang="en-US" sz="2000" b="0" i="0" u="none" strike="noStrike" cap="none" normalizeH="0" baseline="0" dirty="0">
+                <a:ln>
+                  <a:noFill/>
+                </a:ln>
+                <a:solidFill>
+                  <a:srgbClr val="CC7832"/>
+                </a:solidFill>
+                <a:effectLst/>
+                <a:latin typeface="JetBrains Mono"/>
+              </a:rPr>
+              <a:t>;</a:t>
+            </a:r>
+            <a:br>
+              <a:rPr kumimoji="0" lang="en-US" altLang="en-US" sz="2000" b="0" i="0" u="none" strike="noStrike" cap="none" normalizeH="0" baseline="0" dirty="0">
+                <a:ln>
+                  <a:noFill/>
+                </a:ln>
+                <a:solidFill>
+                  <a:srgbClr val="CC7832"/>
+                </a:solidFill>
+                <a:effectLst/>
+                <a:latin typeface="JetBrains Mono"/>
+              </a:rPr>
+            </a:br>
+            <a:r>
+              <a:rPr kumimoji="0" lang="en-US" altLang="en-US" sz="2000" b="0" i="0" u="none" strike="noStrike" cap="none" normalizeH="0" baseline="0" dirty="0">
+                <a:ln>
+                  <a:noFill/>
+                </a:ln>
+                <a:solidFill>
+                  <a:srgbClr val="CC7832"/>
+                </a:solidFill>
+                <a:effectLst/>
+                <a:latin typeface="JetBrains Mono"/>
+              </a:rPr>
+              <a:t>        if</a:t>
+            </a:r>
+            <a:r>
+              <a:rPr kumimoji="0" lang="en-US" altLang="en-US" sz="2000" b="0" i="0" u="none" strike="noStrike" cap="none" normalizeH="0" baseline="0" dirty="0">
+                <a:ln>
+                  <a:noFill/>
+                </a:ln>
+                <a:solidFill>
+                  <a:srgbClr val="A9B7C6"/>
+                </a:solidFill>
+                <a:effectLst/>
+                <a:latin typeface="JetBrains Mono"/>
+              </a:rPr>
+              <a:t>(</a:t>
+            </a:r>
+            <a:r>
+              <a:rPr kumimoji="0" lang="en-US" altLang="en-US" sz="2000" b="0" i="0" u="none" strike="noStrike" cap="none" normalizeH="0" baseline="0" dirty="0" err="1">
+                <a:ln>
+                  <a:noFill/>
+                </a:ln>
+                <a:solidFill>
+                  <a:srgbClr val="A9B7C6"/>
+                </a:solidFill>
+                <a:effectLst/>
+                <a:latin typeface="JetBrains Mono"/>
+              </a:rPr>
+              <a:t>person.getAge</a:t>
+            </a:r>
+            <a:r>
+              <a:rPr kumimoji="0" lang="en-US" altLang="en-US" sz="2000" b="0" i="0" u="none" strike="noStrike" cap="none" normalizeH="0" baseline="0" dirty="0">
+                <a:ln>
+                  <a:noFill/>
+                </a:ln>
+                <a:solidFill>
+                  <a:srgbClr val="A9B7C6"/>
+                </a:solidFill>
+                <a:effectLst/>
+                <a:latin typeface="JetBrains Mono"/>
+              </a:rPr>
+              <a:t>() &gt;= </a:t>
+            </a:r>
+            <a:r>
+              <a:rPr kumimoji="0" lang="en-US" altLang="en-US" sz="2000" b="0" i="0" u="none" strike="noStrike" cap="none" normalizeH="0" baseline="0" dirty="0">
+                <a:ln>
+                  <a:noFill/>
+                </a:ln>
+                <a:solidFill>
+                  <a:srgbClr val="6897BB"/>
+                </a:solidFill>
+                <a:effectLst/>
+                <a:latin typeface="JetBrains Mono"/>
+              </a:rPr>
+              <a:t>18</a:t>
+            </a:r>
+            <a:r>
+              <a:rPr kumimoji="0" lang="en-US" altLang="en-US" sz="2000" b="0" i="0" u="none" strike="noStrike" cap="none" normalizeH="0" baseline="0" dirty="0">
+                <a:ln>
+                  <a:noFill/>
+                </a:ln>
+                <a:solidFill>
+                  <a:srgbClr val="A9B7C6"/>
+                </a:solidFill>
+                <a:effectLst/>
+                <a:latin typeface="JetBrains Mono"/>
+              </a:rPr>
+              <a:t>){</a:t>
+            </a:r>
+            <a:br>
+              <a:rPr kumimoji="0" lang="en-US" altLang="en-US" sz="2000" b="0" i="0" u="none" strike="noStrike" cap="none" normalizeH="0" baseline="0" dirty="0">
+                <a:ln>
+                  <a:noFill/>
+                </a:ln>
+                <a:solidFill>
+                  <a:srgbClr val="A9B7C6"/>
+                </a:solidFill>
+                <a:effectLst/>
+                <a:latin typeface="JetBrains Mono"/>
+              </a:rPr>
+            </a:br>
+            <a:r>
+              <a:rPr kumimoji="0" lang="en-US" altLang="en-US" sz="2000" b="0" i="0" u="none" strike="noStrike" cap="none" normalizeH="0" baseline="0" dirty="0">
+                <a:ln>
+                  <a:noFill/>
+                </a:ln>
+                <a:solidFill>
+                  <a:srgbClr val="A9B7C6"/>
+                </a:solidFill>
+                <a:effectLst/>
+                <a:latin typeface="JetBrains Mono"/>
+              </a:rPr>
+              <a:t>            </a:t>
+            </a:r>
+            <a:r>
+              <a:rPr kumimoji="0" lang="en-US" altLang="en-US" sz="2000" b="0" i="0" u="none" strike="noStrike" cap="none" normalizeH="0" baseline="0" dirty="0" err="1">
+                <a:ln>
+                  <a:noFill/>
+                </a:ln>
+                <a:solidFill>
+                  <a:srgbClr val="A9B7C6"/>
+                </a:solidFill>
+                <a:effectLst/>
+                <a:latin typeface="JetBrains Mono"/>
+              </a:rPr>
+              <a:t>person.setAdult</a:t>
+            </a:r>
+            <a:r>
+              <a:rPr kumimoji="0" lang="en-US" altLang="en-US" sz="2000" b="0" i="0" u="none" strike="noStrike" cap="none" normalizeH="0" baseline="0" dirty="0">
+                <a:ln>
+                  <a:noFill/>
+                </a:ln>
+                <a:solidFill>
+                  <a:srgbClr val="A9B7C6"/>
+                </a:solidFill>
+                <a:effectLst/>
+                <a:latin typeface="JetBrains Mono"/>
+              </a:rPr>
+              <a:t>(</a:t>
+            </a:r>
+            <a:r>
+              <a:rPr kumimoji="0" lang="en-US" altLang="en-US" sz="2000" b="0" i="0" u="none" strike="noStrike" cap="none" normalizeH="0" baseline="0" dirty="0">
+                <a:ln>
+                  <a:noFill/>
+                </a:ln>
+                <a:solidFill>
+                  <a:srgbClr val="CC7832"/>
+                </a:solidFill>
+                <a:effectLst/>
+                <a:latin typeface="JetBrains Mono"/>
+              </a:rPr>
+              <a:t>true</a:t>
+            </a:r>
+            <a:r>
+              <a:rPr kumimoji="0" lang="en-US" altLang="en-US" sz="2000" b="0" i="0" u="none" strike="noStrike" cap="none" normalizeH="0" baseline="0" dirty="0">
+                <a:ln>
+                  <a:noFill/>
+                </a:ln>
+                <a:solidFill>
+                  <a:srgbClr val="A9B7C6"/>
+                </a:solidFill>
+                <a:effectLst/>
+                <a:latin typeface="JetBrains Mono"/>
+              </a:rPr>
+              <a:t>)</a:t>
+            </a:r>
+            <a:r>
+              <a:rPr kumimoji="0" lang="en-US" altLang="en-US" sz="2000" b="0" i="0" u="none" strike="noStrike" cap="none" normalizeH="0" baseline="0" dirty="0">
+                <a:ln>
+                  <a:noFill/>
+                </a:ln>
+                <a:solidFill>
+                  <a:srgbClr val="CC7832"/>
+                </a:solidFill>
+                <a:effectLst/>
+                <a:latin typeface="JetBrains Mono"/>
+              </a:rPr>
+              <a:t>;</a:t>
+            </a:r>
+            <a:br>
+              <a:rPr kumimoji="0" lang="en-US" altLang="en-US" sz="2000" b="0" i="0" u="none" strike="noStrike" cap="none" normalizeH="0" baseline="0" dirty="0">
+                <a:ln>
+                  <a:noFill/>
+                </a:ln>
+                <a:solidFill>
+                  <a:srgbClr val="CC7832"/>
+                </a:solidFill>
+                <a:effectLst/>
+                <a:latin typeface="JetBrains Mono"/>
+              </a:rPr>
+            </a:br>
+            <a:r>
+              <a:rPr kumimoji="0" lang="en-US" altLang="en-US" sz="2000" b="0" i="0" u="none" strike="noStrike" cap="none" normalizeH="0" baseline="0" dirty="0">
+                <a:ln>
+                  <a:noFill/>
+                </a:ln>
+                <a:solidFill>
+                  <a:srgbClr val="CC7832"/>
+                </a:solidFill>
+                <a:effectLst/>
+                <a:latin typeface="JetBrains Mono"/>
+              </a:rPr>
+              <a:t>        </a:t>
+            </a:r>
+            <a:r>
+              <a:rPr kumimoji="0" lang="en-US" altLang="en-US" sz="2000" b="0" i="0" u="none" strike="noStrike" cap="none" normalizeH="0" baseline="0" dirty="0">
+                <a:ln>
+                  <a:noFill/>
+                </a:ln>
+                <a:solidFill>
+                  <a:srgbClr val="A9B7C6"/>
+                </a:solidFill>
+                <a:effectLst/>
+                <a:latin typeface="JetBrains Mono"/>
+              </a:rPr>
+              <a:t>}</a:t>
+            </a:r>
+            <a:br>
+              <a:rPr kumimoji="0" lang="en-US" altLang="en-US" sz="2000" b="0" i="0" u="none" strike="noStrike" cap="none" normalizeH="0" baseline="0" dirty="0">
+                <a:ln>
+                  <a:noFill/>
+                </a:ln>
+                <a:solidFill>
+                  <a:srgbClr val="A9B7C6"/>
+                </a:solidFill>
+                <a:effectLst/>
+                <a:latin typeface="JetBrains Mono"/>
+              </a:rPr>
+            </a:br>
+            <a:r>
+              <a:rPr kumimoji="0" lang="en-US" altLang="en-US" sz="2000" b="0" i="0" u="none" strike="noStrike" cap="none" normalizeH="0" baseline="0" dirty="0">
+                <a:ln>
+                  <a:noFill/>
+                </a:ln>
+                <a:solidFill>
+                  <a:srgbClr val="A9B7C6"/>
+                </a:solidFill>
+                <a:effectLst/>
+                <a:latin typeface="JetBrains Mono"/>
+              </a:rPr>
+              <a:t>        </a:t>
+            </a:r>
+            <a:r>
+              <a:rPr kumimoji="0" lang="en-US" altLang="en-US" sz="2000" b="0" i="0" u="none" strike="noStrike" cap="none" normalizeH="0" baseline="0" dirty="0">
+                <a:ln>
+                  <a:noFill/>
+                </a:ln>
+                <a:solidFill>
+                  <a:srgbClr val="808080"/>
+                </a:solidFill>
+                <a:effectLst/>
+                <a:latin typeface="JetBrains Mono"/>
+              </a:rPr>
+              <a:t>//or some other operations with the instance</a:t>
+            </a:r>
+            <a:br>
+              <a:rPr kumimoji="0" lang="en-US" altLang="en-US" sz="2000" b="0" i="0" u="none" strike="noStrike" cap="none" normalizeH="0" baseline="0" dirty="0">
+                <a:ln>
+                  <a:noFill/>
+                </a:ln>
+                <a:solidFill>
+                  <a:srgbClr val="808080"/>
+                </a:solidFill>
+                <a:effectLst/>
+                <a:latin typeface="JetBrains Mono"/>
+              </a:rPr>
+            </a:br>
+            <a:r>
+              <a:rPr kumimoji="0" lang="en-US" altLang="en-US" sz="2000" b="0" i="0" u="none" strike="noStrike" cap="none" normalizeH="0" baseline="0" dirty="0">
+                <a:ln>
+                  <a:noFill/>
+                </a:ln>
+                <a:solidFill>
+                  <a:srgbClr val="808080"/>
+                </a:solidFill>
+                <a:effectLst/>
+                <a:latin typeface="JetBrains Mono"/>
+              </a:rPr>
+              <a:t>        //</a:t>
+            </a:r>
+            <a:r>
+              <a:rPr kumimoji="0" lang="en-US" altLang="en-US" sz="2000" b="0" i="0" u="none" strike="noStrike" cap="none" normalizeH="0" baseline="0" dirty="0" err="1">
+                <a:ln>
+                  <a:noFill/>
+                </a:ln>
+                <a:solidFill>
+                  <a:srgbClr val="808080"/>
+                </a:solidFill>
+                <a:effectLst/>
+                <a:latin typeface="JetBrains Mono"/>
+              </a:rPr>
+              <a:t>можно</a:t>
+            </a:r>
+            <a:r>
+              <a:rPr kumimoji="0" lang="en-US" altLang="en-US" sz="2000" b="0" i="0" u="none" strike="noStrike" cap="none" normalizeH="0" baseline="0" dirty="0">
+                <a:ln>
+                  <a:noFill/>
+                </a:ln>
+                <a:solidFill>
+                  <a:srgbClr val="808080"/>
+                </a:solidFill>
+                <a:effectLst/>
+                <a:latin typeface="JetBrains Mono"/>
+              </a:rPr>
+              <a:t> </a:t>
+            </a:r>
+            <a:r>
+              <a:rPr kumimoji="0" lang="en-US" altLang="en-US" sz="2000" b="0" i="0" u="none" strike="noStrike" cap="none" normalizeH="0" baseline="0" dirty="0" err="1">
+                <a:ln>
+                  <a:noFill/>
+                </a:ln>
+                <a:solidFill>
+                  <a:srgbClr val="808080"/>
+                </a:solidFill>
+                <a:effectLst/>
+                <a:latin typeface="JetBrains Mono"/>
+              </a:rPr>
+              <a:t>добавить</a:t>
+            </a:r>
+            <a:r>
+              <a:rPr kumimoji="0" lang="en-US" altLang="en-US" sz="2000" b="0" i="0" u="none" strike="noStrike" cap="none" normalizeH="0" baseline="0" dirty="0">
+                <a:ln>
+                  <a:noFill/>
+                </a:ln>
+                <a:solidFill>
+                  <a:srgbClr val="808080"/>
+                </a:solidFill>
+                <a:effectLst/>
+                <a:latin typeface="JetBrains Mono"/>
+              </a:rPr>
+              <a:t> </a:t>
+            </a:r>
+            <a:r>
+              <a:rPr kumimoji="0" lang="en-US" altLang="en-US" sz="2000" b="0" i="0" u="none" strike="noStrike" cap="none" normalizeH="0" baseline="0" dirty="0" err="1">
+                <a:ln>
+                  <a:noFill/>
+                </a:ln>
+                <a:solidFill>
+                  <a:srgbClr val="808080"/>
+                </a:solidFill>
+                <a:effectLst/>
+                <a:latin typeface="JetBrains Mono"/>
+              </a:rPr>
+              <a:t>другие</a:t>
+            </a:r>
+            <a:r>
+              <a:rPr kumimoji="0" lang="en-US" altLang="en-US" sz="2000" b="0" i="0" u="none" strike="noStrike" cap="none" normalizeH="0" baseline="0" dirty="0">
+                <a:ln>
+                  <a:noFill/>
+                </a:ln>
+                <a:solidFill>
+                  <a:srgbClr val="808080"/>
+                </a:solidFill>
+                <a:effectLst/>
+                <a:latin typeface="JetBrains Mono"/>
+              </a:rPr>
+              <a:t> </a:t>
+            </a:r>
+            <a:r>
+              <a:rPr kumimoji="0" lang="en-US" altLang="en-US" sz="2000" b="0" i="0" u="none" strike="noStrike" cap="none" normalizeH="0" baseline="0" dirty="0" err="1">
+                <a:ln>
+                  <a:noFill/>
+                </a:ln>
+                <a:solidFill>
+                  <a:srgbClr val="808080"/>
+                </a:solidFill>
+                <a:effectLst/>
+                <a:latin typeface="JetBrains Mono"/>
+              </a:rPr>
+              <a:t>операции</a:t>
+            </a:r>
+            <a:r>
+              <a:rPr kumimoji="0" lang="en-US" altLang="en-US" sz="2000" b="0" i="0" u="none" strike="noStrike" cap="none" normalizeH="0" baseline="0" dirty="0">
+                <a:ln>
+                  <a:noFill/>
+                </a:ln>
+                <a:solidFill>
+                  <a:srgbClr val="808080"/>
+                </a:solidFill>
+                <a:effectLst/>
+                <a:latin typeface="JetBrains Mono"/>
+              </a:rPr>
+              <a:t> </a:t>
+            </a:r>
+            <a:r>
+              <a:rPr kumimoji="0" lang="en-US" altLang="en-US" sz="2000" b="0" i="0" u="none" strike="noStrike" cap="none" normalizeH="0" baseline="0" dirty="0" err="1">
+                <a:ln>
+                  <a:noFill/>
+                </a:ln>
+                <a:solidFill>
+                  <a:srgbClr val="808080"/>
+                </a:solidFill>
+                <a:effectLst/>
+                <a:latin typeface="JetBrains Mono"/>
+              </a:rPr>
+              <a:t>над</a:t>
+            </a:r>
+            <a:r>
+              <a:rPr kumimoji="0" lang="en-US" altLang="en-US" sz="2000" b="0" i="0" u="none" strike="noStrike" cap="none" normalizeH="0" baseline="0" dirty="0">
+                <a:ln>
+                  <a:noFill/>
+                </a:ln>
+                <a:solidFill>
+                  <a:srgbClr val="808080"/>
+                </a:solidFill>
+                <a:effectLst/>
+                <a:latin typeface="JetBrains Mono"/>
+              </a:rPr>
+              <a:t> </a:t>
+            </a:r>
+            <a:r>
+              <a:rPr kumimoji="0" lang="en-US" altLang="en-US" sz="2000" b="0" i="0" u="none" strike="noStrike" cap="none" normalizeH="0" baseline="0" dirty="0" err="1">
+                <a:ln>
+                  <a:noFill/>
+                </a:ln>
+                <a:solidFill>
+                  <a:srgbClr val="808080"/>
+                </a:solidFill>
+                <a:effectLst/>
+                <a:latin typeface="JetBrains Mono"/>
+              </a:rPr>
+              <a:t>объектом</a:t>
+            </a:r>
+            <a:r>
+              <a:rPr kumimoji="0" lang="en-US" altLang="en-US" sz="2000" b="0" i="0" u="none" strike="noStrike" cap="none" normalizeH="0" baseline="0" dirty="0">
+                <a:ln>
+                  <a:noFill/>
+                </a:ln>
+                <a:solidFill>
+                  <a:srgbClr val="808080"/>
+                </a:solidFill>
+                <a:effectLst/>
+                <a:latin typeface="JetBrains Mono"/>
+              </a:rPr>
+              <a:t>.</a:t>
+            </a:r>
+            <a:br>
+              <a:rPr kumimoji="0" lang="en-US" altLang="en-US" sz="2000" b="0" i="0" u="none" strike="noStrike" cap="none" normalizeH="0" baseline="0" dirty="0">
+                <a:ln>
+                  <a:noFill/>
+                </a:ln>
+                <a:solidFill>
+                  <a:srgbClr val="808080"/>
+                </a:solidFill>
+                <a:effectLst/>
+                <a:latin typeface="JetBrains Mono"/>
+              </a:rPr>
+            </a:br>
+            <a:r>
+              <a:rPr kumimoji="0" lang="en-US" altLang="en-US" sz="2000" b="0" i="0" u="none" strike="noStrike" cap="none" normalizeH="0" baseline="0" dirty="0">
+                <a:ln>
+                  <a:noFill/>
+                </a:ln>
+                <a:solidFill>
+                  <a:srgbClr val="808080"/>
+                </a:solidFill>
+                <a:effectLst/>
+                <a:latin typeface="JetBrains Mono"/>
+              </a:rPr>
+              <a:t>        </a:t>
+            </a:r>
+            <a:r>
+              <a:rPr kumimoji="0" lang="en-US" altLang="en-US" sz="2000" b="0" i="0" u="none" strike="noStrike" cap="none" normalizeH="0" baseline="0" dirty="0">
+                <a:ln>
+                  <a:noFill/>
+                </a:ln>
+                <a:solidFill>
+                  <a:srgbClr val="CC7832"/>
+                </a:solidFill>
+                <a:effectLst/>
+                <a:latin typeface="JetBrains Mono"/>
+              </a:rPr>
+              <a:t>return </a:t>
+            </a:r>
+            <a:r>
+              <a:rPr kumimoji="0" lang="en-US" altLang="en-US" sz="2000" b="0" i="0" u="none" strike="noStrike" cap="none" normalizeH="0" baseline="0" dirty="0">
+                <a:ln>
+                  <a:noFill/>
+                </a:ln>
+                <a:solidFill>
+                  <a:srgbClr val="A9B7C6"/>
+                </a:solidFill>
+                <a:effectLst/>
+                <a:latin typeface="JetBrains Mono"/>
+              </a:rPr>
+              <a:t>person</a:t>
+            </a:r>
+            <a:r>
+              <a:rPr kumimoji="0" lang="en-US" altLang="en-US" sz="2000" b="0" i="0" u="none" strike="noStrike" cap="none" normalizeH="0" baseline="0" dirty="0">
+                <a:ln>
+                  <a:noFill/>
+                </a:ln>
+                <a:solidFill>
+                  <a:srgbClr val="CC7832"/>
+                </a:solidFill>
+                <a:effectLst/>
+                <a:latin typeface="JetBrains Mono"/>
+              </a:rPr>
+              <a:t>;</a:t>
+            </a:r>
+            <a:br>
+              <a:rPr kumimoji="0" lang="en-US" altLang="en-US" sz="2000" b="0" i="0" u="none" strike="noStrike" cap="none" normalizeH="0" baseline="0" dirty="0">
+                <a:ln>
+                  <a:noFill/>
+                </a:ln>
+                <a:solidFill>
+                  <a:srgbClr val="CC7832"/>
+                </a:solidFill>
+                <a:effectLst/>
+                <a:latin typeface="JetBrains Mono"/>
+              </a:rPr>
+            </a:br>
+            <a:r>
+              <a:rPr kumimoji="0" lang="en-US" altLang="en-US" sz="2000" b="0" i="0" u="none" strike="noStrike" cap="none" normalizeH="0" baseline="0" dirty="0">
+                <a:ln>
+                  <a:noFill/>
+                </a:ln>
+                <a:solidFill>
+                  <a:srgbClr val="CC7832"/>
+                </a:solidFill>
+                <a:effectLst/>
+                <a:latin typeface="JetBrains Mono"/>
+              </a:rPr>
               <a:t>    </a:t>
             </a:r>
             <a:r>
-              <a:rPr kumimoji="0" lang="en-US" altLang="en-US" sz="2000" b="0" i="0" u="none" strike="noStrike" cap="none" normalizeH="0" baseline="0" dirty="0" smtClean="0">
-                <a:ln>
-                  <a:noFill/>
-                </a:ln>
-                <a:solidFill>
-                  <a:srgbClr val="CC7832"/>
-                </a:solidFill>
-                <a:effectLst/>
-                <a:latin typeface="JetBrains Mono"/>
-              </a:rPr>
-              <a:t>public </a:t>
-            </a:r>
-            <a:r>
-              <a:rPr kumimoji="0" lang="en-US" altLang="en-US" sz="2000" b="0" i="0" u="none" strike="noStrike" cap="none" normalizeH="0" baseline="0" dirty="0" smtClean="0">
+              <a:rPr kumimoji="0" lang="en-US" altLang="en-US" sz="2000" b="0" i="0" u="none" strike="noStrike" cap="none" normalizeH="0" baseline="0" dirty="0">
                 <a:ln>
                   <a:noFill/>
                 </a:ln>
@@ -3246,23 +3937,10 @@
                 <a:effectLst/>
                 <a:latin typeface="JetBrains Mono"/>
               </a:rPr>
-              <a:t>Person </a:t>
-            </a:r>
-            <a:r>
-              <a:rPr kumimoji="0" lang="en-US" altLang="en-US" sz="2000" b="0" i="0" u="none" strike="noStrike" cap="none" normalizeH="0" baseline="0" dirty="0" err="1" smtClean="0">
-                <a:ln>
-                  <a:noFill/>
-                </a:ln>
-                <a:solidFill>
-                  <a:srgbClr val="FFC66D"/>
-                </a:solidFill>
-                <a:effectLst/>
-                <a:latin typeface="JetBrains Mono"/>
-              </a:rPr>
-              <a:t>createInstance</a:t>
-            </a:r>
-            <a:r>
-              <a:rPr kumimoji="0" lang="en-US" altLang="en-US" sz="2000" b="0" i="0" u="none" strike="noStrike" cap="none" normalizeH="0" baseline="0" dirty="0" smtClean="0">
+              <a:t>}</a:t>
+            </a:r>
+            <a:br>
+              <a:rPr kumimoji="0" lang="en-US" altLang="en-US" sz="2000" b="0" i="0" u="none" strike="noStrike" cap="none" normalizeH="0" baseline="0" dirty="0">
                 <a:ln>
                   <a:noFill/>
                 </a:ln>
@@ -3272,49 +3950,9 @@
                 <a:effectLst/>
                 <a:latin typeface="JetBrains Mono"/>
               </a:rPr>
-              <a:t>(String name</a:t>
-            </a:r>
-            <a:r>
-              <a:rPr kumimoji="0" lang="en-US" altLang="en-US" sz="2000" b="0" i="0" u="none" strike="noStrike" cap="none" normalizeH="0" baseline="0" dirty="0" smtClean="0">
-                <a:ln>
-                  <a:noFill/>
-                </a:ln>
-                <a:solidFill>
-                  <a:srgbClr val="CC7832"/>
-                </a:solidFill>
-                <a:effectLst/>
-                <a:latin typeface="JetBrains Mono"/>
-              </a:rPr>
-              <a:t>, </a:t>
-            </a:r>
-            <a:r>
-              <a:rPr kumimoji="0" lang="en-US" altLang="en-US" sz="2000" b="0" i="0" u="none" strike="noStrike" cap="none" normalizeH="0" baseline="0" dirty="0" err="1" smtClean="0">
-                <a:ln>
-                  <a:noFill/>
-                </a:ln>
-                <a:solidFill>
-                  <a:srgbClr val="CC7832"/>
-                </a:solidFill>
-                <a:effectLst/>
-                <a:latin typeface="JetBrains Mono"/>
-              </a:rPr>
-              <a:t>int</a:t>
-            </a:r>
-            <a:r>
-              <a:rPr kumimoji="0" lang="en-US" altLang="en-US" sz="2000" b="0" i="0" u="none" strike="noStrike" cap="none" normalizeH="0" baseline="0" dirty="0" smtClean="0">
-                <a:ln>
-                  <a:noFill/>
-                </a:ln>
-                <a:solidFill>
-                  <a:srgbClr val="CC7832"/>
-                </a:solidFill>
-                <a:effectLst/>
-                <a:latin typeface="JetBrains Mono"/>
-              </a:rPr>
-              <a:t> </a:t>
-            </a:r>
-            <a:r>
-              <a:rPr kumimoji="0" lang="en-US" altLang="en-US" sz="2000" b="0" i="0" u="none" strike="noStrike" cap="none" normalizeH="0" baseline="0" dirty="0" smtClean="0">
+            </a:br>
+            <a:r>
+              <a:rPr kumimoji="0" lang="en-US" altLang="en-US" sz="2000" b="0" i="0" u="none" strike="noStrike" cap="none" normalizeH="0" baseline="0" dirty="0">
                 <a:ln>
                   <a:noFill/>
                 </a:ln>
@@ -3324,689 +3962,9 @@
                 <a:effectLst/>
                 <a:latin typeface="JetBrains Mono"/>
               </a:rPr>
-              <a:t>age){</a:t>
-            </a:r>
-            <a:br>
-              <a:rPr kumimoji="0" lang="en-US" altLang="en-US" sz="2000" b="0" i="0" u="none" strike="noStrike" cap="none" normalizeH="0" baseline="0" dirty="0" smtClean="0">
-                <a:ln>
-                  <a:noFill/>
-                </a:ln>
-                <a:solidFill>
-                  <a:srgbClr val="A9B7C6"/>
-                </a:solidFill>
-                <a:effectLst/>
-                <a:latin typeface="JetBrains Mono"/>
-              </a:rPr>
-            </a:br>
-            <a:r>
-              <a:rPr kumimoji="0" lang="en-US" altLang="en-US" sz="2000" b="0" i="0" u="none" strike="noStrike" cap="none" normalizeH="0" baseline="0" dirty="0" smtClean="0">
-                <a:ln>
-                  <a:noFill/>
-                </a:ln>
-                <a:solidFill>
-                  <a:srgbClr val="A9B7C6"/>
-                </a:solidFill>
-                <a:effectLst/>
-                <a:latin typeface="JetBrains Mono"/>
-              </a:rPr>
-              <a:t>        Person </a:t>
-            </a:r>
-            <a:r>
-              <a:rPr kumimoji="0" lang="en-US" altLang="en-US" sz="2000" b="0" i="0" u="none" strike="noStrike" cap="none" normalizeH="0" baseline="0" dirty="0" err="1" smtClean="0">
-                <a:ln>
-                  <a:noFill/>
-                </a:ln>
-                <a:solidFill>
-                  <a:srgbClr val="A9B7C6"/>
-                </a:solidFill>
-                <a:effectLst/>
-                <a:latin typeface="JetBrains Mono"/>
-              </a:rPr>
-              <a:t>person</a:t>
-            </a:r>
-            <a:r>
-              <a:rPr kumimoji="0" lang="en-US" altLang="en-US" sz="2000" b="0" i="0" u="none" strike="noStrike" cap="none" normalizeH="0" baseline="0" dirty="0" smtClean="0">
-                <a:ln>
-                  <a:noFill/>
-                </a:ln>
-                <a:solidFill>
-                  <a:srgbClr val="A9B7C6"/>
-                </a:solidFill>
-                <a:effectLst/>
-                <a:latin typeface="JetBrains Mono"/>
-              </a:rPr>
-              <a:t> = </a:t>
-            </a:r>
-            <a:r>
-              <a:rPr kumimoji="0" lang="en-US" altLang="en-US" sz="2000" b="0" i="0" u="none" strike="noStrike" cap="none" normalizeH="0" baseline="0" dirty="0" smtClean="0">
-                <a:ln>
-                  <a:noFill/>
-                </a:ln>
-                <a:solidFill>
-                  <a:srgbClr val="CC7832"/>
-                </a:solidFill>
-                <a:effectLst/>
-                <a:latin typeface="JetBrains Mono"/>
-              </a:rPr>
-              <a:t>new </a:t>
-            </a:r>
-            <a:r>
-              <a:rPr kumimoji="0" lang="en-US" altLang="en-US" sz="2000" b="0" i="0" u="none" strike="noStrike" cap="none" normalizeH="0" baseline="0" dirty="0" smtClean="0">
-                <a:ln>
-                  <a:noFill/>
-                </a:ln>
-                <a:solidFill>
-                  <a:srgbClr val="A9B7C6"/>
-                </a:solidFill>
-                <a:effectLst/>
-                <a:latin typeface="JetBrains Mono"/>
-              </a:rPr>
-              <a:t>Person(name</a:t>
-            </a:r>
-            <a:r>
-              <a:rPr kumimoji="0" lang="en-US" altLang="en-US" sz="2000" b="0" i="0" u="none" strike="noStrike" cap="none" normalizeH="0" baseline="0" dirty="0" smtClean="0">
-                <a:ln>
-                  <a:noFill/>
-                </a:ln>
-                <a:solidFill>
-                  <a:srgbClr val="CC7832"/>
-                </a:solidFill>
-                <a:effectLst/>
-                <a:latin typeface="JetBrains Mono"/>
-              </a:rPr>
-              <a:t>, </a:t>
-            </a:r>
-            <a:r>
-              <a:rPr kumimoji="0" lang="en-US" altLang="en-US" sz="2000" b="0" i="0" u="none" strike="noStrike" cap="none" normalizeH="0" baseline="0" dirty="0" smtClean="0">
-                <a:ln>
-                  <a:noFill/>
-                </a:ln>
-                <a:solidFill>
-                  <a:srgbClr val="A9B7C6"/>
-                </a:solidFill>
-                <a:effectLst/>
-                <a:latin typeface="JetBrains Mono"/>
-              </a:rPr>
-              <a:t>age)</a:t>
-            </a:r>
-            <a:r>
-              <a:rPr kumimoji="0" lang="en-US" altLang="en-US" sz="2000" b="0" i="0" u="none" strike="noStrike" cap="none" normalizeH="0" baseline="0" dirty="0" smtClean="0">
-                <a:ln>
-                  <a:noFill/>
-                </a:ln>
-                <a:solidFill>
-                  <a:srgbClr val="CC7832"/>
-                </a:solidFill>
-                <a:effectLst/>
-                <a:latin typeface="JetBrains Mono"/>
-              </a:rPr>
-              <a:t>;</a:t>
-            </a:r>
-            <a:br>
-              <a:rPr kumimoji="0" lang="en-US" altLang="en-US" sz="2000" b="0" i="0" u="none" strike="noStrike" cap="none" normalizeH="0" baseline="0" dirty="0" smtClean="0">
-                <a:ln>
-                  <a:noFill/>
-                </a:ln>
-                <a:solidFill>
-                  <a:srgbClr val="CC7832"/>
-                </a:solidFill>
-                <a:effectLst/>
-                <a:latin typeface="JetBrains Mono"/>
-              </a:rPr>
-            </a:br>
-            <a:r>
-              <a:rPr kumimoji="0" lang="en-US" altLang="en-US" sz="2000" b="0" i="0" u="none" strike="noStrike" cap="none" normalizeH="0" baseline="0" dirty="0" smtClean="0">
-                <a:ln>
-                  <a:noFill/>
-                </a:ln>
-                <a:solidFill>
-                  <a:srgbClr val="CC7832"/>
-                </a:solidFill>
-                <a:effectLst/>
-                <a:latin typeface="JetBrains Mono"/>
-              </a:rPr>
-              <a:t>        if</a:t>
-            </a:r>
-            <a:r>
-              <a:rPr kumimoji="0" lang="en-US" altLang="en-US" sz="2000" b="0" i="0" u="none" strike="noStrike" cap="none" normalizeH="0" baseline="0" dirty="0" smtClean="0">
-                <a:ln>
-                  <a:noFill/>
-                </a:ln>
-                <a:solidFill>
-                  <a:srgbClr val="A9B7C6"/>
-                </a:solidFill>
-                <a:effectLst/>
-                <a:latin typeface="JetBrains Mono"/>
-              </a:rPr>
-              <a:t>(</a:t>
-            </a:r>
-            <a:r>
-              <a:rPr kumimoji="0" lang="en-US" altLang="en-US" sz="2000" b="0" i="0" u="none" strike="noStrike" cap="none" normalizeH="0" baseline="0" dirty="0" err="1" smtClean="0">
-                <a:ln>
-                  <a:noFill/>
-                </a:ln>
-                <a:solidFill>
-                  <a:srgbClr val="A9B7C6"/>
-                </a:solidFill>
-                <a:effectLst/>
-                <a:latin typeface="JetBrains Mono"/>
-              </a:rPr>
-              <a:t>person.getAge</a:t>
-            </a:r>
-            <a:r>
-              <a:rPr kumimoji="0" lang="en-US" altLang="en-US" sz="2000" b="0" i="0" u="none" strike="noStrike" cap="none" normalizeH="0" baseline="0" dirty="0" smtClean="0">
-                <a:ln>
-                  <a:noFill/>
-                </a:ln>
-                <a:solidFill>
-                  <a:srgbClr val="A9B7C6"/>
-                </a:solidFill>
-                <a:effectLst/>
-                <a:latin typeface="JetBrains Mono"/>
-              </a:rPr>
-              <a:t>() &gt;= </a:t>
-            </a:r>
-            <a:r>
-              <a:rPr kumimoji="0" lang="en-US" altLang="en-US" sz="2000" b="0" i="0" u="none" strike="noStrike" cap="none" normalizeH="0" baseline="0" dirty="0" smtClean="0">
-                <a:ln>
-                  <a:noFill/>
-                </a:ln>
-                <a:solidFill>
-                  <a:srgbClr val="6897BB"/>
-                </a:solidFill>
-                <a:effectLst/>
-                <a:latin typeface="JetBrains Mono"/>
-              </a:rPr>
-              <a:t>18</a:t>
-            </a:r>
-            <a:r>
-              <a:rPr kumimoji="0" lang="en-US" altLang="en-US" sz="2000" b="0" i="0" u="none" strike="noStrike" cap="none" normalizeH="0" baseline="0" dirty="0" smtClean="0">
-                <a:ln>
-                  <a:noFill/>
-                </a:ln>
-                <a:solidFill>
-                  <a:srgbClr val="A9B7C6"/>
-                </a:solidFill>
-                <a:effectLst/>
-                <a:latin typeface="JetBrains Mono"/>
-              </a:rPr>
-              <a:t>){</a:t>
-            </a:r>
-            <a:br>
-              <a:rPr kumimoji="0" lang="en-US" altLang="en-US" sz="2000" b="0" i="0" u="none" strike="noStrike" cap="none" normalizeH="0" baseline="0" dirty="0" smtClean="0">
-                <a:ln>
-                  <a:noFill/>
-                </a:ln>
-                <a:solidFill>
-                  <a:srgbClr val="A9B7C6"/>
-                </a:solidFill>
-                <a:effectLst/>
-                <a:latin typeface="JetBrains Mono"/>
-              </a:rPr>
-            </a:br>
-            <a:r>
-              <a:rPr kumimoji="0" lang="en-US" altLang="en-US" sz="2000" b="0" i="0" u="none" strike="noStrike" cap="none" normalizeH="0" baseline="0" dirty="0" smtClean="0">
-                <a:ln>
-                  <a:noFill/>
-                </a:ln>
-                <a:solidFill>
-                  <a:srgbClr val="A9B7C6"/>
-                </a:solidFill>
-                <a:effectLst/>
-                <a:latin typeface="JetBrains Mono"/>
-              </a:rPr>
-              <a:t>            </a:t>
-            </a:r>
-            <a:r>
-              <a:rPr kumimoji="0" lang="en-US" altLang="en-US" sz="2000" b="0" i="0" u="none" strike="noStrike" cap="none" normalizeH="0" baseline="0" dirty="0" err="1" smtClean="0">
-                <a:ln>
-                  <a:noFill/>
-                </a:ln>
-                <a:solidFill>
-                  <a:srgbClr val="A9B7C6"/>
-                </a:solidFill>
-                <a:effectLst/>
-                <a:latin typeface="JetBrains Mono"/>
-              </a:rPr>
-              <a:t>person.setAdult</a:t>
-            </a:r>
-            <a:r>
-              <a:rPr kumimoji="0" lang="en-US" altLang="en-US" sz="2000" b="0" i="0" u="none" strike="noStrike" cap="none" normalizeH="0" baseline="0" dirty="0" smtClean="0">
-                <a:ln>
-                  <a:noFill/>
-                </a:ln>
-                <a:solidFill>
-                  <a:srgbClr val="A9B7C6"/>
-                </a:solidFill>
-                <a:effectLst/>
-                <a:latin typeface="JetBrains Mono"/>
-              </a:rPr>
-              <a:t>(</a:t>
-            </a:r>
-            <a:r>
-              <a:rPr kumimoji="0" lang="en-US" altLang="en-US" sz="2000" b="0" i="0" u="none" strike="noStrike" cap="none" normalizeH="0" baseline="0" dirty="0" smtClean="0">
-                <a:ln>
-                  <a:noFill/>
-                </a:ln>
-                <a:solidFill>
-                  <a:srgbClr val="CC7832"/>
-                </a:solidFill>
-                <a:effectLst/>
-                <a:latin typeface="JetBrains Mono"/>
-              </a:rPr>
-              <a:t>true</a:t>
-            </a:r>
-            <a:r>
-              <a:rPr kumimoji="0" lang="en-US" altLang="en-US" sz="2000" b="0" i="0" u="none" strike="noStrike" cap="none" normalizeH="0" baseline="0" dirty="0" smtClean="0">
-                <a:ln>
-                  <a:noFill/>
-                </a:ln>
-                <a:solidFill>
-                  <a:srgbClr val="A9B7C6"/>
-                </a:solidFill>
-                <a:effectLst/>
-                <a:latin typeface="JetBrains Mono"/>
-              </a:rPr>
-              <a:t>)</a:t>
-            </a:r>
-            <a:r>
-              <a:rPr kumimoji="0" lang="en-US" altLang="en-US" sz="2000" b="0" i="0" u="none" strike="noStrike" cap="none" normalizeH="0" baseline="0" dirty="0" smtClean="0">
-                <a:ln>
-                  <a:noFill/>
-                </a:ln>
-                <a:solidFill>
-                  <a:srgbClr val="CC7832"/>
-                </a:solidFill>
-                <a:effectLst/>
-                <a:latin typeface="JetBrains Mono"/>
-              </a:rPr>
-              <a:t>;</a:t>
-            </a:r>
-            <a:br>
-              <a:rPr kumimoji="0" lang="en-US" altLang="en-US" sz="2000" b="0" i="0" u="none" strike="noStrike" cap="none" normalizeH="0" baseline="0" dirty="0" smtClean="0">
-                <a:ln>
-                  <a:noFill/>
-                </a:ln>
-                <a:solidFill>
-                  <a:srgbClr val="CC7832"/>
-                </a:solidFill>
-                <a:effectLst/>
-                <a:latin typeface="JetBrains Mono"/>
-              </a:rPr>
-            </a:br>
-            <a:r>
-              <a:rPr kumimoji="0" lang="en-US" altLang="en-US" sz="2000" b="0" i="0" u="none" strike="noStrike" cap="none" normalizeH="0" baseline="0" dirty="0" smtClean="0">
-                <a:ln>
-                  <a:noFill/>
-                </a:ln>
-                <a:solidFill>
-                  <a:srgbClr val="CC7832"/>
-                </a:solidFill>
-                <a:effectLst/>
-                <a:latin typeface="JetBrains Mono"/>
-              </a:rPr>
-              <a:t>        </a:t>
-            </a:r>
-            <a:r>
-              <a:rPr kumimoji="0" lang="en-US" altLang="en-US" sz="2000" b="0" i="0" u="none" strike="noStrike" cap="none" normalizeH="0" baseline="0" dirty="0" smtClean="0">
-                <a:ln>
-                  <a:noFill/>
-                </a:ln>
-                <a:solidFill>
-                  <a:srgbClr val="A9B7C6"/>
-                </a:solidFill>
-                <a:effectLst/>
-                <a:latin typeface="JetBrains Mono"/>
-              </a:rPr>
               <a:t>}</a:t>
             </a:r>
-            <a:br>
-              <a:rPr kumimoji="0" lang="en-US" altLang="en-US" sz="2000" b="0" i="0" u="none" strike="noStrike" cap="none" normalizeH="0" baseline="0" dirty="0" smtClean="0">
-                <a:ln>
-                  <a:noFill/>
-                </a:ln>
-                <a:solidFill>
-                  <a:srgbClr val="A9B7C6"/>
-                </a:solidFill>
-                <a:effectLst/>
-                <a:latin typeface="JetBrains Mono"/>
-              </a:rPr>
-            </a:br>
-            <a:r>
-              <a:rPr kumimoji="0" lang="en-US" altLang="en-US" sz="2000" b="0" i="0" u="none" strike="noStrike" cap="none" normalizeH="0" baseline="0" dirty="0" smtClean="0">
-                <a:ln>
-                  <a:noFill/>
-                </a:ln>
-                <a:solidFill>
-                  <a:srgbClr val="A9B7C6"/>
-                </a:solidFill>
-                <a:effectLst/>
-                <a:latin typeface="JetBrains Mono"/>
-              </a:rPr>
-              <a:t>        </a:t>
-            </a:r>
-            <a:r>
-              <a:rPr kumimoji="0" lang="en-US" altLang="en-US" sz="2000" b="0" i="0" u="none" strike="noStrike" cap="none" normalizeH="0" baseline="0" dirty="0" smtClean="0">
-                <a:ln>
-                  <a:noFill/>
-                </a:ln>
-                <a:solidFill>
-                  <a:srgbClr val="808080"/>
-                </a:solidFill>
-                <a:effectLst/>
-                <a:latin typeface="JetBrains Mono"/>
-              </a:rPr>
-              <a:t>//or some other operations with the instance</a:t>
-            </a:r>
-            <a:br>
-              <a:rPr kumimoji="0" lang="en-US" altLang="en-US" sz="2000" b="0" i="0" u="none" strike="noStrike" cap="none" normalizeH="0" baseline="0" dirty="0" smtClean="0">
-                <a:ln>
-                  <a:noFill/>
-                </a:ln>
-                <a:solidFill>
-                  <a:srgbClr val="808080"/>
-                </a:solidFill>
-                <a:effectLst/>
-                <a:latin typeface="JetBrains Mono"/>
-              </a:rPr>
-            </a:br>
-            <a:r>
-              <a:rPr kumimoji="0" lang="en-US" altLang="en-US" sz="2000" b="0" i="0" u="none" strike="noStrike" cap="none" normalizeH="0" baseline="0" dirty="0" smtClean="0">
-                <a:ln>
-                  <a:noFill/>
-                </a:ln>
-                <a:solidFill>
-                  <a:srgbClr val="808080"/>
-                </a:solidFill>
-                <a:effectLst/>
-                <a:latin typeface="JetBrains Mono"/>
-              </a:rPr>
-              <a:t>        //</a:t>
-            </a:r>
-            <a:r>
-              <a:rPr kumimoji="0" lang="en-US" altLang="en-US" sz="2000" b="0" i="0" u="none" strike="noStrike" cap="none" normalizeH="0" baseline="0" dirty="0" err="1" smtClean="0">
-                <a:ln>
-                  <a:noFill/>
-                </a:ln>
-                <a:solidFill>
-                  <a:srgbClr val="808080"/>
-                </a:solidFill>
-                <a:effectLst/>
-                <a:latin typeface="JetBrains Mono"/>
-              </a:rPr>
-              <a:t>можно</a:t>
-            </a:r>
-            <a:r>
-              <a:rPr kumimoji="0" lang="en-US" altLang="en-US" sz="2000" b="0" i="0" u="none" strike="noStrike" cap="none" normalizeH="0" baseline="0" dirty="0" smtClean="0">
-                <a:ln>
-                  <a:noFill/>
-                </a:ln>
-                <a:solidFill>
-                  <a:srgbClr val="808080"/>
-                </a:solidFill>
-                <a:effectLst/>
-                <a:latin typeface="JetBrains Mono"/>
-              </a:rPr>
-              <a:t> </a:t>
-            </a:r>
-            <a:r>
-              <a:rPr kumimoji="0" lang="en-US" altLang="en-US" sz="2000" b="0" i="0" u="none" strike="noStrike" cap="none" normalizeH="0" baseline="0" dirty="0" err="1" smtClean="0">
-                <a:ln>
-                  <a:noFill/>
-                </a:ln>
-                <a:solidFill>
-                  <a:srgbClr val="808080"/>
-                </a:solidFill>
-                <a:effectLst/>
-                <a:latin typeface="JetBrains Mono"/>
-              </a:rPr>
-              <a:t>добавить</a:t>
-            </a:r>
-            <a:r>
-              <a:rPr kumimoji="0" lang="en-US" altLang="en-US" sz="2000" b="0" i="0" u="none" strike="noStrike" cap="none" normalizeH="0" baseline="0" dirty="0" smtClean="0">
-                <a:ln>
-                  <a:noFill/>
-                </a:ln>
-                <a:solidFill>
-                  <a:srgbClr val="808080"/>
-                </a:solidFill>
-                <a:effectLst/>
-                <a:latin typeface="JetBrains Mono"/>
-              </a:rPr>
-              <a:t> </a:t>
-            </a:r>
-            <a:r>
-              <a:rPr kumimoji="0" lang="en-US" altLang="en-US" sz="2000" b="0" i="0" u="none" strike="noStrike" cap="none" normalizeH="0" baseline="0" dirty="0" err="1" smtClean="0">
-                <a:ln>
-                  <a:noFill/>
-                </a:ln>
-                <a:solidFill>
-                  <a:srgbClr val="808080"/>
-                </a:solidFill>
-                <a:effectLst/>
-                <a:latin typeface="JetBrains Mono"/>
-              </a:rPr>
-              <a:t>другие</a:t>
-            </a:r>
-            <a:r>
-              <a:rPr kumimoji="0" lang="en-US" altLang="en-US" sz="2000" b="0" i="0" u="none" strike="noStrike" cap="none" normalizeH="0" baseline="0" dirty="0" smtClean="0">
-                <a:ln>
-                  <a:noFill/>
-                </a:ln>
-                <a:solidFill>
-                  <a:srgbClr val="808080"/>
-                </a:solidFill>
-                <a:effectLst/>
-                <a:latin typeface="JetBrains Mono"/>
-              </a:rPr>
-              <a:t> </a:t>
-            </a:r>
-            <a:r>
-              <a:rPr kumimoji="0" lang="en-US" altLang="en-US" sz="2000" b="0" i="0" u="none" strike="noStrike" cap="none" normalizeH="0" baseline="0" dirty="0" err="1" smtClean="0">
-                <a:ln>
-                  <a:noFill/>
-                </a:ln>
-                <a:solidFill>
-                  <a:srgbClr val="808080"/>
-                </a:solidFill>
-                <a:effectLst/>
-                <a:latin typeface="JetBrains Mono"/>
-              </a:rPr>
-              <a:t>операции</a:t>
-            </a:r>
-            <a:r>
-              <a:rPr kumimoji="0" lang="en-US" altLang="en-US" sz="2000" b="0" i="0" u="none" strike="noStrike" cap="none" normalizeH="0" baseline="0" dirty="0" smtClean="0">
-                <a:ln>
-                  <a:noFill/>
-                </a:ln>
-                <a:solidFill>
-                  <a:srgbClr val="808080"/>
-                </a:solidFill>
-                <a:effectLst/>
-                <a:latin typeface="JetBrains Mono"/>
-              </a:rPr>
-              <a:t> </a:t>
-            </a:r>
-            <a:r>
-              <a:rPr kumimoji="0" lang="en-US" altLang="en-US" sz="2000" b="0" i="0" u="none" strike="noStrike" cap="none" normalizeH="0" baseline="0" dirty="0" err="1" smtClean="0">
-                <a:ln>
-                  <a:noFill/>
-                </a:ln>
-                <a:solidFill>
-                  <a:srgbClr val="808080"/>
-                </a:solidFill>
-                <a:effectLst/>
-                <a:latin typeface="JetBrains Mono"/>
-              </a:rPr>
-              <a:t>над</a:t>
-            </a:r>
-            <a:r>
-              <a:rPr kumimoji="0" lang="en-US" altLang="en-US" sz="2000" b="0" i="0" u="none" strike="noStrike" cap="none" normalizeH="0" baseline="0" dirty="0" smtClean="0">
-                <a:ln>
-                  <a:noFill/>
-                </a:ln>
-                <a:solidFill>
-                  <a:srgbClr val="808080"/>
-                </a:solidFill>
-                <a:effectLst/>
-                <a:latin typeface="JetBrains Mono"/>
-              </a:rPr>
-              <a:t> </a:t>
-            </a:r>
-            <a:r>
-              <a:rPr kumimoji="0" lang="en-US" altLang="en-US" sz="2000" b="0" i="0" u="none" strike="noStrike" cap="none" normalizeH="0" baseline="0" dirty="0" err="1" smtClean="0">
-                <a:ln>
-                  <a:noFill/>
-                </a:ln>
-                <a:solidFill>
-                  <a:srgbClr val="808080"/>
-                </a:solidFill>
-                <a:effectLst/>
-                <a:latin typeface="JetBrains Mono"/>
-              </a:rPr>
-              <a:t>объектом</a:t>
-            </a:r>
-            <a:r>
-              <a:rPr kumimoji="0" lang="en-US" altLang="en-US" sz="2000" b="0" i="0" u="none" strike="noStrike" cap="none" normalizeH="0" baseline="0" dirty="0" smtClean="0">
-                <a:ln>
-                  <a:noFill/>
-                </a:ln>
-                <a:solidFill>
-                  <a:srgbClr val="808080"/>
-                </a:solidFill>
-                <a:effectLst/>
-                <a:latin typeface="JetBrains Mono"/>
-              </a:rPr>
-              <a:t>.</a:t>
-            </a:r>
-            <a:br>
-              <a:rPr kumimoji="0" lang="en-US" altLang="en-US" sz="2000" b="0" i="0" u="none" strike="noStrike" cap="none" normalizeH="0" baseline="0" dirty="0" smtClean="0">
-                <a:ln>
-                  <a:noFill/>
-                </a:ln>
-                <a:solidFill>
-                  <a:srgbClr val="808080"/>
-                </a:solidFill>
-                <a:effectLst/>
-                <a:latin typeface="JetBrains Mono"/>
-              </a:rPr>
-            </a:br>
-            <a:r>
-              <a:rPr kumimoji="0" lang="en-US" altLang="en-US" sz="2000" b="0" i="0" u="none" strike="noStrike" cap="none" normalizeH="0" baseline="0" dirty="0" smtClean="0">
-                <a:ln>
-                  <a:noFill/>
-                </a:ln>
-                <a:solidFill>
-                  <a:srgbClr val="808080"/>
-                </a:solidFill>
-                <a:effectLst/>
-                <a:latin typeface="JetBrains Mono"/>
-              </a:rPr>
-              <a:t>        </a:t>
-            </a:r>
-            <a:r>
-              <a:rPr kumimoji="0" lang="en-US" altLang="en-US" sz="2000" b="0" i="0" u="none" strike="noStrike" cap="none" normalizeH="0" baseline="0" dirty="0" smtClean="0">
-                <a:ln>
-                  <a:noFill/>
-                </a:ln>
-                <a:solidFill>
-                  <a:srgbClr val="CC7832"/>
-                </a:solidFill>
-                <a:effectLst/>
-                <a:latin typeface="JetBrains Mono"/>
-              </a:rPr>
-              <a:t>return </a:t>
-            </a:r>
-            <a:r>
-              <a:rPr kumimoji="0" lang="en-US" altLang="en-US" sz="2000" b="0" i="0" u="none" strike="noStrike" cap="none" normalizeH="0" baseline="0" dirty="0" smtClean="0">
-                <a:ln>
-                  <a:noFill/>
-                </a:ln>
-                <a:solidFill>
-                  <a:srgbClr val="A9B7C6"/>
-                </a:solidFill>
-                <a:effectLst/>
-                <a:latin typeface="JetBrains Mono"/>
-              </a:rPr>
-              <a:t>person</a:t>
-            </a:r>
-            <a:r>
-              <a:rPr kumimoji="0" lang="en-US" altLang="en-US" sz="2000" b="0" i="0" u="none" strike="noStrike" cap="none" normalizeH="0" baseline="0" dirty="0" smtClean="0">
-                <a:ln>
-                  <a:noFill/>
-                </a:ln>
-                <a:solidFill>
-                  <a:srgbClr val="CC7832"/>
-                </a:solidFill>
-                <a:effectLst/>
-                <a:latin typeface="JetBrains Mono"/>
-              </a:rPr>
-              <a:t>;</a:t>
-            </a:r>
-            <a:br>
-              <a:rPr kumimoji="0" lang="en-US" altLang="en-US" sz="2000" b="0" i="0" u="none" strike="noStrike" cap="none" normalizeH="0" baseline="0" dirty="0" smtClean="0">
-                <a:ln>
-                  <a:noFill/>
-                </a:ln>
-                <a:solidFill>
-                  <a:srgbClr val="CC7832"/>
-                </a:solidFill>
-                <a:effectLst/>
-                <a:latin typeface="JetBrains Mono"/>
-              </a:rPr>
-            </a:br>
-            <a:r>
-              <a:rPr kumimoji="0" lang="en-US" altLang="en-US" sz="2000" b="0" i="0" u="none" strike="noStrike" cap="none" normalizeH="0" baseline="0" dirty="0" smtClean="0">
-                <a:ln>
-                  <a:noFill/>
-                </a:ln>
-                <a:solidFill>
-                  <a:srgbClr val="CC7832"/>
-                </a:solidFill>
-                <a:effectLst/>
-                <a:latin typeface="JetBrains Mono"/>
-              </a:rPr>
-              <a:t>    </a:t>
-            </a:r>
-            <a:r>
-              <a:rPr kumimoji="0" lang="en-US" altLang="en-US" sz="2000" b="0" i="0" u="none" strike="noStrike" cap="none" normalizeH="0" baseline="0" dirty="0" smtClean="0">
-                <a:ln>
-                  <a:noFill/>
-                </a:ln>
-                <a:solidFill>
-                  <a:srgbClr val="A9B7C6"/>
-                </a:solidFill>
-                <a:effectLst/>
-                <a:latin typeface="JetBrains Mono"/>
-              </a:rPr>
-              <a:t>}</a:t>
-            </a:r>
-            <a:br>
-              <a:rPr kumimoji="0" lang="en-US" altLang="en-US" sz="2000" b="0" i="0" u="none" strike="noStrike" cap="none" normalizeH="0" baseline="0" dirty="0" smtClean="0">
-                <a:ln>
-                  <a:noFill/>
-                </a:ln>
-                <a:solidFill>
-                  <a:srgbClr val="A9B7C6"/>
-                </a:solidFill>
-                <a:effectLst/>
-                <a:latin typeface="JetBrains Mono"/>
-              </a:rPr>
-            </a:br>
-            <a:r>
-              <a:rPr kumimoji="0" lang="en-US" altLang="en-US" sz="2000" b="0" i="0" u="none" strike="noStrike" cap="none" normalizeH="0" baseline="0" dirty="0" smtClean="0">
-                <a:ln>
-                  <a:noFill/>
-                </a:ln>
-                <a:solidFill>
-                  <a:srgbClr val="A9B7C6"/>
-                </a:solidFill>
-                <a:effectLst/>
-                <a:latin typeface="JetBrains Mono"/>
-              </a:rPr>
-              <a:t>}</a:t>
-            </a:r>
-            <a:endParaRPr kumimoji="0" lang="en-US" altLang="en-US" sz="2000" b="0" i="0" u="none" strike="noStrike" cap="none" normalizeH="0" baseline="0" dirty="0" smtClean="0">
+            <a:endParaRPr kumimoji="0" lang="en-US" altLang="en-US" sz="2000" b="0" i="0" u="none" strike="noStrike" cap="none" normalizeH="0" baseline="0" dirty="0">
               <a:ln>
                 <a:noFill/>
               </a:ln>
@@ -4070,7 +4028,7 @@
           <a:lstStyle/>
           <a:p>
             <a:r>
-              <a:rPr lang="ru-RU" dirty="0" smtClean="0"/>
+              <a:rPr lang="ru-RU" dirty="0"/>
               <a:t>Определяем соответствующий бин</a:t>
             </a:r>
           </a:p>
@@ -4078,30 +4036,42 @@
             <a:endParaRPr lang="ru-RU" dirty="0"/>
           </a:p>
           <a:p>
-            <a:endParaRPr lang="ru-RU" dirty="0" smtClean="0"/>
-          </a:p>
-          <a:p>
-            <a:r>
-              <a:rPr lang="ru-RU" dirty="0" smtClean="0"/>
+            <a:endParaRPr lang="ru-RU" dirty="0"/>
+          </a:p>
+          <a:p>
+            <a:r>
+              <a:rPr lang="ru-RU" dirty="0"/>
               <a:t>Устанавливаем наш метод </a:t>
             </a:r>
             <a:r>
-              <a:rPr lang="en-US" dirty="0" err="1" smtClean="0"/>
+              <a:rPr lang="en-US" dirty="0" err="1"/>
               <a:t>createInstance</a:t>
             </a:r>
             <a:r>
-              <a:rPr lang="en-US" dirty="0" smtClean="0"/>
+              <a:rPr lang="en-US" dirty="0"/>
               <a:t> </a:t>
             </a:r>
             <a:r>
-              <a:rPr lang="ru-RU" dirty="0" smtClean="0"/>
+              <a:rPr lang="ru-RU" dirty="0"/>
               <a:t>Как </a:t>
             </a:r>
             <a:r>
-              <a:rPr lang="en-US" dirty="0" smtClean="0"/>
+              <a:rPr lang="en-US" dirty="0"/>
               <a:t>factory-method</a:t>
             </a:r>
-            <a:endParaRPr lang="en-US" dirty="0"/>
+            <a:endParaRPr lang="ru-RU" dirty="0"/>
+          </a:p>
+          <a:p>
+            <a:endParaRPr lang="ru-RU" dirty="0"/>
+          </a:p>
+          <a:p>
+            <a:endParaRPr lang="ru-RU" dirty="0"/>
+          </a:p>
+          <a:p>
+            <a:endParaRPr lang="ru-RU" dirty="0"/>
+          </a:p>
+          <a:p>
+            <a:endParaRPr lang="ru-RU" dirty="0"/>
           </a:p>
         </p:txBody>
       </p:sp>
@@ -4176,7 +4146,7 @@
               <a:tabLst/>
             </a:pPr>
             <a:r>
-              <a:rPr kumimoji="0" lang="en-US" altLang="en-US" sz="2000" b="0" i="0" u="none" strike="noStrike" cap="none" normalizeH="0" baseline="0" dirty="0" smtClean="0">
+              <a:rPr kumimoji="0" lang="en-US" altLang="en-US" sz="2000" b="0" i="0" u="none" strike="noStrike" cap="none" normalizeH="0" baseline="0" dirty="0">
                 <a:ln>
                   <a:noFill/>
                 </a:ln>
@@ -4189,7 +4159,7 @@
               <a:t>&lt;bean </a:t>
             </a:r>
             <a:r>
-              <a:rPr kumimoji="0" lang="en-US" altLang="en-US" sz="2000" b="0" i="0" u="none" strike="noStrike" cap="none" normalizeH="0" baseline="0" dirty="0" smtClean="0">
+              <a:rPr kumimoji="0" lang="en-US" altLang="en-US" sz="2000" b="0" i="0" u="none" strike="noStrike" cap="none" normalizeH="0" baseline="0" dirty="0">
                 <a:ln>
                   <a:noFill/>
                 </a:ln>
@@ -4202,7 +4172,7 @@
               <a:t>name</a:t>
             </a:r>
             <a:r>
-              <a:rPr kumimoji="0" lang="en-US" altLang="en-US" sz="2000" b="0" i="0" u="none" strike="noStrike" cap="none" normalizeH="0" baseline="0" dirty="0" smtClean="0">
+              <a:rPr kumimoji="0" lang="en-US" altLang="en-US" sz="2000" b="0" i="0" u="none" strike="noStrike" cap="none" normalizeH="0" baseline="0" dirty="0">
                 <a:ln>
                   <a:noFill/>
                 </a:ln>
@@ -4215,7 +4185,7 @@
               <a:t>="</a:t>
             </a:r>
             <a:r>
-              <a:rPr kumimoji="0" lang="en-US" altLang="en-US" sz="2000" b="0" i="0" u="none" strike="noStrike" cap="none" normalizeH="0" baseline="0" dirty="0" err="1" smtClean="0">
+              <a:rPr kumimoji="0" lang="en-US" altLang="en-US" sz="2000" b="0" i="0" u="none" strike="noStrike" cap="none" normalizeH="0" baseline="0" dirty="0" err="1">
                 <a:ln>
                   <a:noFill/>
                 </a:ln>
@@ -4228,7 +4198,7 @@
               <a:t>personFactory</a:t>
             </a:r>
             <a:r>
-              <a:rPr kumimoji="0" lang="en-US" altLang="en-US" sz="2000" b="0" i="0" u="none" strike="noStrike" cap="none" normalizeH="0" baseline="0" dirty="0" smtClean="0">
+              <a:rPr kumimoji="0" lang="en-US" altLang="en-US" sz="2000" b="0" i="0" u="none" strike="noStrike" cap="none" normalizeH="0" baseline="0" dirty="0">
                 <a:ln>
                   <a:noFill/>
                 </a:ln>
@@ -4241,7 +4211,7 @@
               <a:t>" </a:t>
             </a:r>
             <a:r>
-              <a:rPr kumimoji="0" lang="en-US" altLang="en-US" sz="2000" b="0" i="0" u="none" strike="noStrike" cap="none" normalizeH="0" baseline="0" dirty="0" smtClean="0">
+              <a:rPr kumimoji="0" lang="en-US" altLang="en-US" sz="2000" b="0" i="0" u="none" strike="noStrike" cap="none" normalizeH="0" baseline="0" dirty="0">
                 <a:ln>
                   <a:noFill/>
                 </a:ln>
@@ -4254,7 +4224,7 @@
               <a:t>class</a:t>
             </a:r>
             <a:r>
-              <a:rPr kumimoji="0" lang="en-US" altLang="en-US" sz="2000" b="0" i="0" u="none" strike="noStrike" cap="none" normalizeH="0" baseline="0" dirty="0" smtClean="0">
+              <a:rPr kumimoji="0" lang="en-US" altLang="en-US" sz="2000" b="0" i="0" u="none" strike="noStrike" cap="none" normalizeH="0" baseline="0" dirty="0">
                 <a:ln>
                   <a:noFill/>
                 </a:ln>
@@ -4267,7 +4237,7 @@
               <a:t>="com.volkov.IoC.example5.PersonFactory"</a:t>
             </a:r>
             <a:r>
-              <a:rPr kumimoji="0" lang="en-US" altLang="en-US" sz="2000" b="0" i="0" u="none" strike="noStrike" cap="none" normalizeH="0" baseline="0" dirty="0" smtClean="0">
+              <a:rPr kumimoji="0" lang="en-US" altLang="en-US" sz="2000" b="0" i="0" u="none" strike="noStrike" cap="none" normalizeH="0" baseline="0" dirty="0">
                 <a:ln>
                   <a:noFill/>
                 </a:ln>
@@ -4279,7 +4249,7 @@
               </a:rPr>
               <a:t>/&gt;</a:t>
             </a:r>
-            <a:endParaRPr kumimoji="0" lang="en-US" altLang="en-US" sz="2000" b="0" i="0" u="none" strike="noStrike" cap="none" normalizeH="0" baseline="0" dirty="0" smtClean="0">
+            <a:endParaRPr kumimoji="0" lang="en-US" altLang="en-US" sz="2000" b="0" i="0" u="none" strike="noStrike" cap="none" normalizeH="0" baseline="0" dirty="0">
               <a:ln>
                 <a:noFill/>
               </a:ln>
@@ -4363,7 +4333,7 @@
               <a:tabLst/>
             </a:pPr>
             <a:r>
-              <a:rPr kumimoji="0" lang="en-US" altLang="en-US" sz="2000" b="0" i="0" u="none" strike="noStrike" cap="none" normalizeH="0" baseline="0" dirty="0" smtClean="0">
+              <a:rPr kumimoji="0" lang="en-US" altLang="en-US" sz="2000" b="0" i="0" u="none" strike="noStrike" cap="none" normalizeH="0" baseline="0" dirty="0">
                 <a:ln>
                   <a:noFill/>
                 </a:ln>
@@ -4376,7 +4346,7 @@
               <a:t>&lt;bean </a:t>
             </a:r>
             <a:r>
-              <a:rPr kumimoji="0" lang="en-US" altLang="en-US" sz="2000" b="0" i="0" u="none" strike="noStrike" cap="none" normalizeH="0" baseline="0" dirty="0" smtClean="0">
+              <a:rPr kumimoji="0" lang="en-US" altLang="en-US" sz="2000" b="0" i="0" u="none" strike="noStrike" cap="none" normalizeH="0" baseline="0" dirty="0">
                 <a:ln>
                   <a:noFill/>
                 </a:ln>
@@ -4389,7 +4359,7 @@
               <a:t>name</a:t>
             </a:r>
             <a:r>
-              <a:rPr kumimoji="0" lang="en-US" altLang="en-US" sz="2000" b="0" i="0" u="none" strike="noStrike" cap="none" normalizeH="0" baseline="0" dirty="0" smtClean="0">
+              <a:rPr kumimoji="0" lang="en-US" altLang="en-US" sz="2000" b="0" i="0" u="none" strike="noStrike" cap="none" normalizeH="0" baseline="0" dirty="0">
                 <a:ln>
                   <a:noFill/>
                 </a:ln>
@@ -4402,7 +4372,7 @@
               <a:t>="person" </a:t>
             </a:r>
             <a:r>
-              <a:rPr kumimoji="0" lang="en-US" altLang="en-US" sz="2000" b="0" i="0" u="none" strike="noStrike" cap="none" normalizeH="0" baseline="0" dirty="0" smtClean="0">
+              <a:rPr kumimoji="0" lang="en-US" altLang="en-US" sz="2000" b="0" i="0" u="none" strike="noStrike" cap="none" normalizeH="0" baseline="0" dirty="0">
                 <a:ln>
                   <a:noFill/>
                 </a:ln>
@@ -4415,7 +4385,7 @@
               <a:t>factory-bean</a:t>
             </a:r>
             <a:r>
-              <a:rPr kumimoji="0" lang="en-US" altLang="en-US" sz="2000" b="0" i="0" u="none" strike="noStrike" cap="none" normalizeH="0" baseline="0" dirty="0" smtClean="0">
+              <a:rPr kumimoji="0" lang="en-US" altLang="en-US" sz="2000" b="0" i="0" u="none" strike="noStrike" cap="none" normalizeH="0" baseline="0" dirty="0">
                 <a:ln>
                   <a:noFill/>
                 </a:ln>
@@ -4428,7 +4398,7 @@
               <a:t>="</a:t>
             </a:r>
             <a:r>
-              <a:rPr kumimoji="0" lang="en-US" altLang="en-US" sz="2000" b="0" i="0" u="none" strike="noStrike" cap="none" normalizeH="0" baseline="0" dirty="0" err="1" smtClean="0">
+              <a:rPr kumimoji="0" lang="en-US" altLang="en-US" sz="2000" b="0" i="0" u="none" strike="noStrike" cap="none" normalizeH="0" baseline="0" dirty="0" err="1">
                 <a:ln>
                   <a:noFill/>
                 </a:ln>
@@ -4441,7 +4411,7 @@
               <a:t>personFactory</a:t>
             </a:r>
             <a:r>
-              <a:rPr kumimoji="0" lang="en-US" altLang="en-US" sz="2000" b="0" i="0" u="none" strike="noStrike" cap="none" normalizeH="0" baseline="0" dirty="0" smtClean="0">
+              <a:rPr kumimoji="0" lang="en-US" altLang="en-US" sz="2000" b="0" i="0" u="none" strike="noStrike" cap="none" normalizeH="0" baseline="0" dirty="0">
                 <a:ln>
                   <a:noFill/>
                 </a:ln>
@@ -4454,7 +4424,7 @@
               <a:t>" </a:t>
             </a:r>
             <a:r>
-              <a:rPr kumimoji="0" lang="en-US" altLang="en-US" sz="2000" b="0" i="0" u="none" strike="noStrike" cap="none" normalizeH="0" baseline="0" dirty="0" smtClean="0">
+              <a:rPr kumimoji="0" lang="en-US" altLang="en-US" sz="2000" b="0" i="0" u="none" strike="noStrike" cap="none" normalizeH="0" baseline="0" dirty="0">
                 <a:ln>
                   <a:noFill/>
                 </a:ln>
@@ -4467,7 +4437,7 @@
               <a:t>factory-method</a:t>
             </a:r>
             <a:r>
-              <a:rPr kumimoji="0" lang="en-US" altLang="en-US" sz="2000" b="0" i="0" u="none" strike="noStrike" cap="none" normalizeH="0" baseline="0" dirty="0" smtClean="0">
+              <a:rPr kumimoji="0" lang="en-US" altLang="en-US" sz="2000" b="0" i="0" u="none" strike="noStrike" cap="none" normalizeH="0" baseline="0" dirty="0">
                 <a:ln>
                   <a:noFill/>
                 </a:ln>
@@ -4480,7 +4450,7 @@
               <a:t>="</a:t>
             </a:r>
             <a:r>
-              <a:rPr kumimoji="0" lang="en-US" altLang="en-US" sz="2000" b="0" i="0" u="none" strike="noStrike" cap="none" normalizeH="0" baseline="0" dirty="0" err="1" smtClean="0">
+              <a:rPr kumimoji="0" lang="en-US" altLang="en-US" sz="2000" b="0" i="0" u="none" strike="noStrike" cap="none" normalizeH="0" baseline="0" dirty="0" err="1">
                 <a:ln>
                   <a:noFill/>
                 </a:ln>
@@ -4493,7 +4463,7 @@
               <a:t>createInstance</a:t>
             </a:r>
             <a:r>
-              <a:rPr kumimoji="0" lang="en-US" altLang="en-US" sz="2000" b="0" i="0" u="none" strike="noStrike" cap="none" normalizeH="0" baseline="0" dirty="0" smtClean="0">
+              <a:rPr kumimoji="0" lang="en-US" altLang="en-US" sz="2000" b="0" i="0" u="none" strike="noStrike" cap="none" normalizeH="0" baseline="0" dirty="0">
                 <a:ln>
                   <a:noFill/>
                 </a:ln>
@@ -4506,7 +4476,7 @@
               <a:t>"</a:t>
             </a:r>
             <a:r>
-              <a:rPr kumimoji="0" lang="en-US" altLang="en-US" sz="2000" b="0" i="0" u="none" strike="noStrike" cap="none" normalizeH="0" baseline="0" dirty="0" smtClean="0">
+              <a:rPr kumimoji="0" lang="en-US" altLang="en-US" sz="2000" b="0" i="0" u="none" strike="noStrike" cap="none" normalizeH="0" baseline="0" dirty="0">
                 <a:ln>
                   <a:noFill/>
                 </a:ln>
@@ -4519,7 +4489,7 @@
               <a:t>&gt;</a:t>
             </a:r>
             <a:br>
-              <a:rPr kumimoji="0" lang="en-US" altLang="en-US" sz="2000" b="0" i="0" u="none" strike="noStrike" cap="none" normalizeH="0" baseline="0" dirty="0" smtClean="0">
+              <a:rPr kumimoji="0" lang="en-US" altLang="en-US" sz="2000" b="0" i="0" u="none" strike="noStrike" cap="none" normalizeH="0" baseline="0" dirty="0">
                 <a:ln>
                   <a:noFill/>
                 </a:ln>
@@ -4531,7 +4501,7 @@
               </a:rPr>
             </a:br>
             <a:r>
-              <a:rPr kumimoji="0" lang="en-US" altLang="en-US" sz="2000" b="0" i="0" u="none" strike="noStrike" cap="none" normalizeH="0" baseline="0" dirty="0" smtClean="0">
+              <a:rPr kumimoji="0" lang="en-US" altLang="en-US" sz="2000" b="0" i="0" u="none" strike="noStrike" cap="none" normalizeH="0" baseline="0" dirty="0">
                 <a:ln>
                   <a:noFill/>
                 </a:ln>
@@ -4544,7 +4514,7 @@
               <a:t>    &lt;constructor-</a:t>
             </a:r>
             <a:r>
-              <a:rPr kumimoji="0" lang="en-US" altLang="en-US" sz="2000" b="0" i="0" u="none" strike="noStrike" cap="none" normalizeH="0" baseline="0" dirty="0" err="1" smtClean="0">
+              <a:rPr kumimoji="0" lang="en-US" altLang="en-US" sz="2000" b="0" i="0" u="none" strike="noStrike" cap="none" normalizeH="0" baseline="0" dirty="0" err="1">
                 <a:ln>
                   <a:noFill/>
                 </a:ln>
@@ -4557,7 +4527,7 @@
               <a:t>arg</a:t>
             </a:r>
             <a:r>
-              <a:rPr kumimoji="0" lang="en-US" altLang="en-US" sz="2000" b="0" i="0" u="none" strike="noStrike" cap="none" normalizeH="0" baseline="0" dirty="0" smtClean="0">
+              <a:rPr kumimoji="0" lang="en-US" altLang="en-US" sz="2000" b="0" i="0" u="none" strike="noStrike" cap="none" normalizeH="0" baseline="0" dirty="0">
                 <a:ln>
                   <a:noFill/>
                 </a:ln>
@@ -4570,7 +4540,7 @@
               <a:t> </a:t>
             </a:r>
             <a:r>
-              <a:rPr kumimoji="0" lang="en-US" altLang="en-US" sz="2000" b="0" i="0" u="none" strike="noStrike" cap="none" normalizeH="0" baseline="0" dirty="0" smtClean="0">
+              <a:rPr kumimoji="0" lang="en-US" altLang="en-US" sz="2000" b="0" i="0" u="none" strike="noStrike" cap="none" normalizeH="0" baseline="0" dirty="0">
                 <a:ln>
                   <a:noFill/>
                 </a:ln>
@@ -4583,7 +4553,7 @@
               <a:t>name</a:t>
             </a:r>
             <a:r>
-              <a:rPr kumimoji="0" lang="en-US" altLang="en-US" sz="2000" b="0" i="0" u="none" strike="noStrike" cap="none" normalizeH="0" baseline="0" dirty="0" smtClean="0">
+              <a:rPr kumimoji="0" lang="en-US" altLang="en-US" sz="2000" b="0" i="0" u="none" strike="noStrike" cap="none" normalizeH="0" baseline="0" dirty="0">
                 <a:ln>
                   <a:noFill/>
                 </a:ln>
@@ -4596,7 +4566,7 @@
               <a:t>="name" </a:t>
             </a:r>
             <a:r>
-              <a:rPr kumimoji="0" lang="en-US" altLang="en-US" sz="2000" b="0" i="0" u="none" strike="noStrike" cap="none" normalizeH="0" baseline="0" dirty="0" smtClean="0">
+              <a:rPr kumimoji="0" lang="en-US" altLang="en-US" sz="2000" b="0" i="0" u="none" strike="noStrike" cap="none" normalizeH="0" baseline="0" dirty="0">
                 <a:ln>
                   <a:noFill/>
                 </a:ln>
@@ -4609,7 +4579,7 @@
               <a:t>value</a:t>
             </a:r>
             <a:r>
-              <a:rPr kumimoji="0" lang="en-US" altLang="en-US" sz="2000" b="0" i="0" u="none" strike="noStrike" cap="none" normalizeH="0" baseline="0" dirty="0" smtClean="0">
+              <a:rPr kumimoji="0" lang="en-US" altLang="en-US" sz="2000" b="0" i="0" u="none" strike="noStrike" cap="none" normalizeH="0" baseline="0" dirty="0">
                 <a:ln>
                   <a:noFill/>
                 </a:ln>
@@ -4622,7 +4592,7 @@
               <a:t>="Ivan"</a:t>
             </a:r>
             <a:r>
-              <a:rPr kumimoji="0" lang="en-US" altLang="en-US" sz="2000" b="0" i="0" u="none" strike="noStrike" cap="none" normalizeH="0" baseline="0" dirty="0" smtClean="0">
+              <a:rPr kumimoji="0" lang="en-US" altLang="en-US" sz="2000" b="0" i="0" u="none" strike="noStrike" cap="none" normalizeH="0" baseline="0" dirty="0">
                 <a:ln>
                   <a:noFill/>
                 </a:ln>
@@ -4635,7 +4605,7 @@
               <a:t>/&gt;</a:t>
             </a:r>
             <a:br>
-              <a:rPr kumimoji="0" lang="en-US" altLang="en-US" sz="2000" b="0" i="0" u="none" strike="noStrike" cap="none" normalizeH="0" baseline="0" dirty="0" smtClean="0">
+              <a:rPr kumimoji="0" lang="en-US" altLang="en-US" sz="2000" b="0" i="0" u="none" strike="noStrike" cap="none" normalizeH="0" baseline="0" dirty="0">
                 <a:ln>
                   <a:noFill/>
                 </a:ln>
@@ -4647,7 +4617,7 @@
               </a:rPr>
             </a:br>
             <a:r>
-              <a:rPr kumimoji="0" lang="en-US" altLang="en-US" sz="2000" b="0" i="0" u="none" strike="noStrike" cap="none" normalizeH="0" baseline="0" dirty="0" smtClean="0">
+              <a:rPr kumimoji="0" lang="en-US" altLang="en-US" sz="2000" b="0" i="0" u="none" strike="noStrike" cap="none" normalizeH="0" baseline="0" dirty="0">
                 <a:ln>
                   <a:noFill/>
                 </a:ln>
@@ -4660,7 +4630,7 @@
               <a:t>    &lt;constructor-</a:t>
             </a:r>
             <a:r>
-              <a:rPr kumimoji="0" lang="en-US" altLang="en-US" sz="2000" b="0" i="0" u="none" strike="noStrike" cap="none" normalizeH="0" baseline="0" dirty="0" err="1" smtClean="0">
+              <a:rPr kumimoji="0" lang="en-US" altLang="en-US" sz="2000" b="0" i="0" u="none" strike="noStrike" cap="none" normalizeH="0" baseline="0" dirty="0" err="1">
                 <a:ln>
                   <a:noFill/>
                 </a:ln>
@@ -4673,7 +4643,7 @@
               <a:t>arg</a:t>
             </a:r>
             <a:r>
-              <a:rPr kumimoji="0" lang="en-US" altLang="en-US" sz="2000" b="0" i="0" u="none" strike="noStrike" cap="none" normalizeH="0" baseline="0" dirty="0" smtClean="0">
+              <a:rPr kumimoji="0" lang="en-US" altLang="en-US" sz="2000" b="0" i="0" u="none" strike="noStrike" cap="none" normalizeH="0" baseline="0" dirty="0">
                 <a:ln>
                   <a:noFill/>
                 </a:ln>
@@ -4686,7 +4656,7 @@
               <a:t> </a:t>
             </a:r>
             <a:r>
-              <a:rPr kumimoji="0" lang="en-US" altLang="en-US" sz="2000" b="0" i="0" u="none" strike="noStrike" cap="none" normalizeH="0" baseline="0" dirty="0" smtClean="0">
+              <a:rPr kumimoji="0" lang="en-US" altLang="en-US" sz="2000" b="0" i="0" u="none" strike="noStrike" cap="none" normalizeH="0" baseline="0" dirty="0">
                 <a:ln>
                   <a:noFill/>
                 </a:ln>
@@ -4699,7 +4669,7 @@
               <a:t>name</a:t>
             </a:r>
             <a:r>
-              <a:rPr kumimoji="0" lang="en-US" altLang="en-US" sz="2000" b="0" i="0" u="none" strike="noStrike" cap="none" normalizeH="0" baseline="0" dirty="0" smtClean="0">
+              <a:rPr kumimoji="0" lang="en-US" altLang="en-US" sz="2000" b="0" i="0" u="none" strike="noStrike" cap="none" normalizeH="0" baseline="0" dirty="0">
                 <a:ln>
                   <a:noFill/>
                 </a:ln>
@@ -4712,7 +4682,7 @@
               <a:t>="age" </a:t>
             </a:r>
             <a:r>
-              <a:rPr kumimoji="0" lang="en-US" altLang="en-US" sz="2000" b="0" i="0" u="none" strike="noStrike" cap="none" normalizeH="0" baseline="0" dirty="0" smtClean="0">
+              <a:rPr kumimoji="0" lang="en-US" altLang="en-US" sz="2000" b="0" i="0" u="none" strike="noStrike" cap="none" normalizeH="0" baseline="0" dirty="0">
                 <a:ln>
                   <a:noFill/>
                 </a:ln>
@@ -4725,7 +4695,7 @@
               <a:t>value</a:t>
             </a:r>
             <a:r>
-              <a:rPr kumimoji="0" lang="en-US" altLang="en-US" sz="2000" b="0" i="0" u="none" strike="noStrike" cap="none" normalizeH="0" baseline="0" dirty="0" smtClean="0">
+              <a:rPr kumimoji="0" lang="en-US" altLang="en-US" sz="2000" b="0" i="0" u="none" strike="noStrike" cap="none" normalizeH="0" baseline="0" dirty="0">
                 <a:ln>
                   <a:noFill/>
                 </a:ln>
@@ -4738,7 +4708,7 @@
               <a:t>="29"</a:t>
             </a:r>
             <a:r>
-              <a:rPr kumimoji="0" lang="en-US" altLang="en-US" sz="2000" b="0" i="0" u="none" strike="noStrike" cap="none" normalizeH="0" baseline="0" dirty="0" smtClean="0">
+              <a:rPr kumimoji="0" lang="en-US" altLang="en-US" sz="2000" b="0" i="0" u="none" strike="noStrike" cap="none" normalizeH="0" baseline="0" dirty="0">
                 <a:ln>
                   <a:noFill/>
                 </a:ln>
@@ -4751,7 +4721,7 @@
               <a:t>/&gt;</a:t>
             </a:r>
             <a:br>
-              <a:rPr kumimoji="0" lang="en-US" altLang="en-US" sz="2000" b="0" i="0" u="none" strike="noStrike" cap="none" normalizeH="0" baseline="0" dirty="0" smtClean="0">
+              <a:rPr kumimoji="0" lang="en-US" altLang="en-US" sz="2000" b="0" i="0" u="none" strike="noStrike" cap="none" normalizeH="0" baseline="0" dirty="0">
                 <a:ln>
                   <a:noFill/>
                 </a:ln>
@@ -4763,7 +4733,7 @@
               </a:rPr>
             </a:br>
             <a:r>
-              <a:rPr kumimoji="0" lang="en-US" altLang="en-US" sz="2000" b="0" i="0" u="none" strike="noStrike" cap="none" normalizeH="0" baseline="0" dirty="0" smtClean="0">
+              <a:rPr kumimoji="0" lang="en-US" altLang="en-US" sz="2000" b="0" i="0" u="none" strike="noStrike" cap="none" normalizeH="0" baseline="0" dirty="0">
                 <a:ln>
                   <a:noFill/>
                 </a:ln>
@@ -4775,7 +4745,7 @@
               </a:rPr>
               <a:t>&lt;/bean&gt;</a:t>
             </a:r>
-            <a:endParaRPr kumimoji="0" lang="en-US" altLang="en-US" sz="2000" b="0" i="0" u="none" strike="noStrike" cap="none" normalizeH="0" baseline="0" dirty="0" smtClean="0">
+            <a:endParaRPr kumimoji="0" lang="en-US" altLang="en-US" sz="2000" b="0" i="0" u="none" strike="noStrike" cap="none" normalizeH="0" baseline="0" dirty="0">
               <a:ln>
                 <a:noFill/>
               </a:ln>

--- a/presentations/example5.pptx
+++ b/presentations/example5.pptx
@@ -7,6 +7,7 @@
   <p:sldIdLst>
     <p:sldId id="257" r:id="rId2"/>
     <p:sldId id="258" r:id="rId3"/>
+    <p:sldId id="259" r:id="rId4"/>
   </p:sldIdLst>
   <p:sldSz cx="12192000" cy="6858000"/>
   <p:notesSz cx="6858000" cy="9144000"/>
@@ -240,7 +241,7 @@
           <a:bodyPr/>
           <a:lstStyle/>
           <a:p>
-            <a:fld id="{B7EDD163-DA35-4C14-A217-D02D7B4FBA42}" type="datetimeFigureOut">
+            <a:fld id="{2A0A4212-B79C-4FEA-9CE5-23D9BD6897E2}" type="datetimeFigureOut">
               <a:rPr lang="en-US" smtClean="0"/>
               <a:t>5/8/2021</a:t>
             </a:fld>
@@ -282,7 +283,7 @@
           <a:bodyPr/>
           <a:lstStyle/>
           <a:p>
-            <a:fld id="{66045598-DC07-490B-A43E-45F6C7FD5040}" type="slidenum">
+            <a:fld id="{2F0268F6-00CE-4352-8398-A9D96D9F1344}" type="slidenum">
               <a:rPr lang="en-US" smtClean="0"/>
               <a:t>‹#›</a:t>
             </a:fld>
@@ -293,7 +294,7 @@
     </p:spTree>
     <p:extLst>
       <p:ext uri="{BB962C8B-B14F-4D97-AF65-F5344CB8AC3E}">
-        <p14:creationId xmlns:p14="http://schemas.microsoft.com/office/powerpoint/2010/main" val="3247113243"/>
+        <p14:creationId xmlns:p14="http://schemas.microsoft.com/office/powerpoint/2010/main" val="3561194038"/>
       </p:ext>
     </p:extLst>
   </p:cSld>
@@ -408,7 +409,7 @@
           <a:bodyPr/>
           <a:lstStyle/>
           <a:p>
-            <a:fld id="{B7EDD163-DA35-4C14-A217-D02D7B4FBA42}" type="datetimeFigureOut">
+            <a:fld id="{2A0A4212-B79C-4FEA-9CE5-23D9BD6897E2}" type="datetimeFigureOut">
               <a:rPr lang="en-US" smtClean="0"/>
               <a:t>5/8/2021</a:t>
             </a:fld>
@@ -450,7 +451,7 @@
           <a:bodyPr/>
           <a:lstStyle/>
           <a:p>
-            <a:fld id="{66045598-DC07-490B-A43E-45F6C7FD5040}" type="slidenum">
+            <a:fld id="{2F0268F6-00CE-4352-8398-A9D96D9F1344}" type="slidenum">
               <a:rPr lang="en-US" smtClean="0"/>
               <a:t>‹#›</a:t>
             </a:fld>
@@ -461,7 +462,7 @@
     </p:spTree>
     <p:extLst>
       <p:ext uri="{BB962C8B-B14F-4D97-AF65-F5344CB8AC3E}">
-        <p14:creationId xmlns:p14="http://schemas.microsoft.com/office/powerpoint/2010/main" val="2333547239"/>
+        <p14:creationId xmlns:p14="http://schemas.microsoft.com/office/powerpoint/2010/main" val="4107960809"/>
       </p:ext>
     </p:extLst>
   </p:cSld>
@@ -586,7 +587,7 @@
           <a:bodyPr/>
           <a:lstStyle/>
           <a:p>
-            <a:fld id="{B7EDD163-DA35-4C14-A217-D02D7B4FBA42}" type="datetimeFigureOut">
+            <a:fld id="{2A0A4212-B79C-4FEA-9CE5-23D9BD6897E2}" type="datetimeFigureOut">
               <a:rPr lang="en-US" smtClean="0"/>
               <a:t>5/8/2021</a:t>
             </a:fld>
@@ -628,7 +629,7 @@
           <a:bodyPr/>
           <a:lstStyle/>
           <a:p>
-            <a:fld id="{66045598-DC07-490B-A43E-45F6C7FD5040}" type="slidenum">
+            <a:fld id="{2F0268F6-00CE-4352-8398-A9D96D9F1344}" type="slidenum">
               <a:rPr lang="en-US" smtClean="0"/>
               <a:t>‹#›</a:t>
             </a:fld>
@@ -639,7 +640,7 @@
     </p:spTree>
     <p:extLst>
       <p:ext uri="{BB962C8B-B14F-4D97-AF65-F5344CB8AC3E}">
-        <p14:creationId xmlns:p14="http://schemas.microsoft.com/office/powerpoint/2010/main" val="949832628"/>
+        <p14:creationId xmlns:p14="http://schemas.microsoft.com/office/powerpoint/2010/main" val="270030663"/>
       </p:ext>
     </p:extLst>
   </p:cSld>
@@ -754,7 +755,7 @@
           <a:bodyPr/>
           <a:lstStyle/>
           <a:p>
-            <a:fld id="{B7EDD163-DA35-4C14-A217-D02D7B4FBA42}" type="datetimeFigureOut">
+            <a:fld id="{2A0A4212-B79C-4FEA-9CE5-23D9BD6897E2}" type="datetimeFigureOut">
               <a:rPr lang="en-US" smtClean="0"/>
               <a:t>5/8/2021</a:t>
             </a:fld>
@@ -796,7 +797,7 @@
           <a:bodyPr/>
           <a:lstStyle/>
           <a:p>
-            <a:fld id="{66045598-DC07-490B-A43E-45F6C7FD5040}" type="slidenum">
+            <a:fld id="{2F0268F6-00CE-4352-8398-A9D96D9F1344}" type="slidenum">
               <a:rPr lang="en-US" smtClean="0"/>
               <a:t>‹#›</a:t>
             </a:fld>
@@ -807,7 +808,7 @@
     </p:spTree>
     <p:extLst>
       <p:ext uri="{BB962C8B-B14F-4D97-AF65-F5344CB8AC3E}">
-        <p14:creationId xmlns:p14="http://schemas.microsoft.com/office/powerpoint/2010/main" val="1983367895"/>
+        <p14:creationId xmlns:p14="http://schemas.microsoft.com/office/powerpoint/2010/main" val="3695097825"/>
       </p:ext>
     </p:extLst>
   </p:cSld>
@@ -999,7 +1000,7 @@
           <a:bodyPr/>
           <a:lstStyle/>
           <a:p>
-            <a:fld id="{B7EDD163-DA35-4C14-A217-D02D7B4FBA42}" type="datetimeFigureOut">
+            <a:fld id="{2A0A4212-B79C-4FEA-9CE5-23D9BD6897E2}" type="datetimeFigureOut">
               <a:rPr lang="en-US" smtClean="0"/>
               <a:t>5/8/2021</a:t>
             </a:fld>
@@ -1041,7 +1042,7 @@
           <a:bodyPr/>
           <a:lstStyle/>
           <a:p>
-            <a:fld id="{66045598-DC07-490B-A43E-45F6C7FD5040}" type="slidenum">
+            <a:fld id="{2F0268F6-00CE-4352-8398-A9D96D9F1344}" type="slidenum">
               <a:rPr lang="en-US" smtClean="0"/>
               <a:t>‹#›</a:t>
             </a:fld>
@@ -1052,7 +1053,7 @@
     </p:spTree>
     <p:extLst>
       <p:ext uri="{BB962C8B-B14F-4D97-AF65-F5344CB8AC3E}">
-        <p14:creationId xmlns:p14="http://schemas.microsoft.com/office/powerpoint/2010/main" val="1534115300"/>
+        <p14:creationId xmlns:p14="http://schemas.microsoft.com/office/powerpoint/2010/main" val="2328561139"/>
       </p:ext>
     </p:extLst>
   </p:cSld>
@@ -1228,7 +1229,7 @@
           <a:bodyPr/>
           <a:lstStyle/>
           <a:p>
-            <a:fld id="{B7EDD163-DA35-4C14-A217-D02D7B4FBA42}" type="datetimeFigureOut">
+            <a:fld id="{2A0A4212-B79C-4FEA-9CE5-23D9BD6897E2}" type="datetimeFigureOut">
               <a:rPr lang="en-US" smtClean="0"/>
               <a:t>5/8/2021</a:t>
             </a:fld>
@@ -1270,7 +1271,7 @@
           <a:bodyPr/>
           <a:lstStyle/>
           <a:p>
-            <a:fld id="{66045598-DC07-490B-A43E-45F6C7FD5040}" type="slidenum">
+            <a:fld id="{2F0268F6-00CE-4352-8398-A9D96D9F1344}" type="slidenum">
               <a:rPr lang="en-US" smtClean="0"/>
               <a:t>‹#›</a:t>
             </a:fld>
@@ -1281,7 +1282,7 @@
     </p:spTree>
     <p:extLst>
       <p:ext uri="{BB962C8B-B14F-4D97-AF65-F5344CB8AC3E}">
-        <p14:creationId xmlns:p14="http://schemas.microsoft.com/office/powerpoint/2010/main" val="1111387125"/>
+        <p14:creationId xmlns:p14="http://schemas.microsoft.com/office/powerpoint/2010/main" val="1329816911"/>
       </p:ext>
     </p:extLst>
   </p:cSld>
@@ -1592,7 +1593,7 @@
           <a:bodyPr/>
           <a:lstStyle/>
           <a:p>
-            <a:fld id="{B7EDD163-DA35-4C14-A217-D02D7B4FBA42}" type="datetimeFigureOut">
+            <a:fld id="{2A0A4212-B79C-4FEA-9CE5-23D9BD6897E2}" type="datetimeFigureOut">
               <a:rPr lang="en-US" smtClean="0"/>
               <a:t>5/8/2021</a:t>
             </a:fld>
@@ -1634,7 +1635,7 @@
           <a:bodyPr/>
           <a:lstStyle/>
           <a:p>
-            <a:fld id="{66045598-DC07-490B-A43E-45F6C7FD5040}" type="slidenum">
+            <a:fld id="{2F0268F6-00CE-4352-8398-A9D96D9F1344}" type="slidenum">
               <a:rPr lang="en-US" smtClean="0"/>
               <a:t>‹#›</a:t>
             </a:fld>
@@ -1645,7 +1646,7 @@
     </p:spTree>
     <p:extLst>
       <p:ext uri="{BB962C8B-B14F-4D97-AF65-F5344CB8AC3E}">
-        <p14:creationId xmlns:p14="http://schemas.microsoft.com/office/powerpoint/2010/main" val="513004838"/>
+        <p14:creationId xmlns:p14="http://schemas.microsoft.com/office/powerpoint/2010/main" val="2358168457"/>
       </p:ext>
     </p:extLst>
   </p:cSld>
@@ -1709,7 +1710,7 @@
           <a:bodyPr/>
           <a:lstStyle/>
           <a:p>
-            <a:fld id="{B7EDD163-DA35-4C14-A217-D02D7B4FBA42}" type="datetimeFigureOut">
+            <a:fld id="{2A0A4212-B79C-4FEA-9CE5-23D9BD6897E2}" type="datetimeFigureOut">
               <a:rPr lang="en-US" smtClean="0"/>
               <a:t>5/8/2021</a:t>
             </a:fld>
@@ -1751,7 +1752,7 @@
           <a:bodyPr/>
           <a:lstStyle/>
           <a:p>
-            <a:fld id="{66045598-DC07-490B-A43E-45F6C7FD5040}" type="slidenum">
+            <a:fld id="{2F0268F6-00CE-4352-8398-A9D96D9F1344}" type="slidenum">
               <a:rPr lang="en-US" smtClean="0"/>
               <a:t>‹#›</a:t>
             </a:fld>
@@ -1762,7 +1763,7 @@
     </p:spTree>
     <p:extLst>
       <p:ext uri="{BB962C8B-B14F-4D97-AF65-F5344CB8AC3E}">
-        <p14:creationId xmlns:p14="http://schemas.microsoft.com/office/powerpoint/2010/main" val="689989291"/>
+        <p14:creationId xmlns:p14="http://schemas.microsoft.com/office/powerpoint/2010/main" val="3587636180"/>
       </p:ext>
     </p:extLst>
   </p:cSld>
@@ -1804,7 +1805,7 @@
           <a:bodyPr/>
           <a:lstStyle/>
           <a:p>
-            <a:fld id="{B7EDD163-DA35-4C14-A217-D02D7B4FBA42}" type="datetimeFigureOut">
+            <a:fld id="{2A0A4212-B79C-4FEA-9CE5-23D9BD6897E2}" type="datetimeFigureOut">
               <a:rPr lang="en-US" smtClean="0"/>
               <a:t>5/8/2021</a:t>
             </a:fld>
@@ -1846,7 +1847,7 @@
           <a:bodyPr/>
           <a:lstStyle/>
           <a:p>
-            <a:fld id="{66045598-DC07-490B-A43E-45F6C7FD5040}" type="slidenum">
+            <a:fld id="{2F0268F6-00CE-4352-8398-A9D96D9F1344}" type="slidenum">
               <a:rPr lang="en-US" smtClean="0"/>
               <a:t>‹#›</a:t>
             </a:fld>
@@ -1857,7 +1858,7 @@
     </p:spTree>
     <p:extLst>
       <p:ext uri="{BB962C8B-B14F-4D97-AF65-F5344CB8AC3E}">
-        <p14:creationId xmlns:p14="http://schemas.microsoft.com/office/powerpoint/2010/main" val="3341639705"/>
+        <p14:creationId xmlns:p14="http://schemas.microsoft.com/office/powerpoint/2010/main" val="2413282510"/>
       </p:ext>
     </p:extLst>
   </p:cSld>
@@ -2079,7 +2080,7 @@
           <a:bodyPr/>
           <a:lstStyle/>
           <a:p>
-            <a:fld id="{B7EDD163-DA35-4C14-A217-D02D7B4FBA42}" type="datetimeFigureOut">
+            <a:fld id="{2A0A4212-B79C-4FEA-9CE5-23D9BD6897E2}" type="datetimeFigureOut">
               <a:rPr lang="en-US" smtClean="0"/>
               <a:t>5/8/2021</a:t>
             </a:fld>
@@ -2121,7 +2122,7 @@
           <a:bodyPr/>
           <a:lstStyle/>
           <a:p>
-            <a:fld id="{66045598-DC07-490B-A43E-45F6C7FD5040}" type="slidenum">
+            <a:fld id="{2F0268F6-00CE-4352-8398-A9D96D9F1344}" type="slidenum">
               <a:rPr lang="en-US" smtClean="0"/>
               <a:t>‹#›</a:t>
             </a:fld>
@@ -2132,7 +2133,7 @@
     </p:spTree>
     <p:extLst>
       <p:ext uri="{BB962C8B-B14F-4D97-AF65-F5344CB8AC3E}">
-        <p14:creationId xmlns:p14="http://schemas.microsoft.com/office/powerpoint/2010/main" val="3360187804"/>
+        <p14:creationId xmlns:p14="http://schemas.microsoft.com/office/powerpoint/2010/main" val="3420517481"/>
       </p:ext>
     </p:extLst>
   </p:cSld>
@@ -2331,7 +2332,7 @@
           <a:bodyPr/>
           <a:lstStyle/>
           <a:p>
-            <a:fld id="{B7EDD163-DA35-4C14-A217-D02D7B4FBA42}" type="datetimeFigureOut">
+            <a:fld id="{2A0A4212-B79C-4FEA-9CE5-23D9BD6897E2}" type="datetimeFigureOut">
               <a:rPr lang="en-US" smtClean="0"/>
               <a:t>5/8/2021</a:t>
             </a:fld>
@@ -2373,7 +2374,7 @@
           <a:bodyPr/>
           <a:lstStyle/>
           <a:p>
-            <a:fld id="{66045598-DC07-490B-A43E-45F6C7FD5040}" type="slidenum">
+            <a:fld id="{2F0268F6-00CE-4352-8398-A9D96D9F1344}" type="slidenum">
               <a:rPr lang="en-US" smtClean="0"/>
               <a:t>‹#›</a:t>
             </a:fld>
@@ -2384,7 +2385,7 @@
     </p:spTree>
     <p:extLst>
       <p:ext uri="{BB962C8B-B14F-4D97-AF65-F5344CB8AC3E}">
-        <p14:creationId xmlns:p14="http://schemas.microsoft.com/office/powerpoint/2010/main" val="3548063326"/>
+        <p14:creationId xmlns:p14="http://schemas.microsoft.com/office/powerpoint/2010/main" val="3189045320"/>
       </p:ext>
     </p:extLst>
   </p:cSld>
@@ -2542,7 +2543,7 @@
             </a:lvl1pPr>
           </a:lstStyle>
           <a:p>
-            <a:fld id="{B7EDD163-DA35-4C14-A217-D02D7B4FBA42}" type="datetimeFigureOut">
+            <a:fld id="{2A0A4212-B79C-4FEA-9CE5-23D9BD6897E2}" type="datetimeFigureOut">
               <a:rPr lang="en-US" smtClean="0"/>
               <a:t>5/8/2021</a:t>
             </a:fld>
@@ -2620,7 +2621,7 @@
             </a:lvl1pPr>
           </a:lstStyle>
           <a:p>
-            <a:fld id="{66045598-DC07-490B-A43E-45F6C7FD5040}" type="slidenum">
+            <a:fld id="{2F0268F6-00CE-4352-8398-A9D96D9F1344}" type="slidenum">
               <a:rPr lang="en-US" smtClean="0"/>
               <a:t>‹#›</a:t>
             </a:fld>
@@ -2631,7 +2632,7 @@
     </p:spTree>
     <p:extLst>
       <p:ext uri="{BB962C8B-B14F-4D97-AF65-F5344CB8AC3E}">
-        <p14:creationId xmlns:p14="http://schemas.microsoft.com/office/powerpoint/2010/main" val="2244995006"/>
+        <p14:creationId xmlns:p14="http://schemas.microsoft.com/office/powerpoint/2010/main" val="4102142803"/>
       </p:ext>
     </p:extLst>
   </p:cSld>
@@ -2966,7 +2967,52 @@
           <a:p>
             <a:r>
               <a:rPr lang="ru-RU" dirty="0"/>
-              <a:t>Создание </a:t>
+              <a:t>Ленивая инициализация </a:t>
+            </a:r>
+            <a:r>
+              <a:rPr lang="ru-RU" dirty="0" err="1"/>
+              <a:t>бинов</a:t>
+            </a:r>
+            <a:r>
+              <a:rPr lang="ru-RU" dirty="0"/>
+              <a:t>. </a:t>
+            </a:r>
+            <a:r>
+              <a:rPr lang="en-US" dirty="0"/>
+              <a:t>Lazy-initialization.</a:t>
+            </a:r>
+          </a:p>
+        </p:txBody>
+      </p:sp>
+      <p:sp>
+        <p:nvSpPr>
+          <p:cNvPr id="3" name="Content Placeholder 2"/>
+          <p:cNvSpPr>
+            <a:spLocks noGrp="1"/>
+          </p:cNvSpPr>
+          <p:nvPr>
+            <p:ph idx="1"/>
+          </p:nvPr>
+        </p:nvSpPr>
+        <p:spPr/>
+        <p:txBody>
+          <a:bodyPr/>
+          <a:lstStyle/>
+          <a:p>
+            <a:pPr marL="0" indent="0">
+              <a:buNone/>
+            </a:pPr>
+            <a:r>
+              <a:rPr lang="ru-RU" dirty="0"/>
+              <a:t>Ленивая инициализация </a:t>
+            </a:r>
+            <a:r>
+              <a:rPr lang="ru-RU" dirty="0" err="1"/>
+              <a:t>бинов</a:t>
+            </a:r>
+            <a:r>
+              <a:rPr lang="ru-RU" dirty="0"/>
+              <a:t> используется для отсрочки создания </a:t>
             </a:r>
             <a:r>
               <a:rPr lang="ru-RU" dirty="0" err="1"/>
@@ -2974,1013 +3020,77 @@
             </a:r>
             <a:r>
               <a:rPr lang="ru-RU" dirty="0"/>
-              <a:t> через нестатический фабричный метод(</a:t>
-            </a:r>
-            <a:r>
-              <a:rPr lang="en-US" dirty="0"/>
-              <a:t>factory method</a:t>
-            </a:r>
+              <a:t> до времени первого обращения к нему.</a:t>
+            </a:r>
+          </a:p>
+          <a:p>
+            <a:pPr marL="0" indent="0">
+              <a:buNone/>
+            </a:pPr>
             <a:r>
               <a:rPr lang="ru-RU" dirty="0"/>
-              <a:t>)</a:t>
-            </a:r>
-            <a:r>
-              <a:rPr lang="en-US" dirty="0"/>
-              <a:t>.</a:t>
-            </a:r>
-          </a:p>
-        </p:txBody>
-      </p:sp>
-      <p:sp>
-        <p:nvSpPr>
-          <p:cNvPr id="3" name="Content Placeholder 2"/>
-          <p:cNvSpPr>
-            <a:spLocks noGrp="1"/>
-          </p:cNvSpPr>
-          <p:nvPr>
-            <p:ph idx="1"/>
-          </p:nvPr>
-        </p:nvSpPr>
-        <p:spPr/>
-        <p:txBody>
-          <a:bodyPr/>
-          <a:lstStyle/>
+              <a:t>При обычной инициализация бин существует на всём протяжении времени работы программы: от старта до конца работы. При ленивой - от первого обращения к нему </a:t>
+            </a:r>
+            <a:r>
+              <a:rPr lang="ru-RU" dirty="0" err="1"/>
+              <a:t>getBean</a:t>
+            </a:r>
+            <a:r>
+              <a:rPr lang="ru-RU" dirty="0"/>
+              <a:t>().</a:t>
+            </a:r>
+          </a:p>
           <a:p>
             <a:pPr marL="0" indent="0">
               <a:buNone/>
             </a:pPr>
-            <a:r>
-              <a:rPr lang="ru-RU" dirty="0"/>
-              <a:t>Для использования нестатического </a:t>
-            </a:r>
-            <a:r>
-              <a:rPr lang="en-US" dirty="0"/>
-              <a:t>factory </a:t>
-            </a:r>
-            <a:r>
-              <a:rPr lang="en-US" dirty="0" err="1"/>
-              <a:t>method’a</a:t>
-            </a:r>
-            <a:endParaRPr lang="ru-RU" dirty="0"/>
-          </a:p>
-          <a:p>
-            <a:r>
-              <a:rPr lang="ru-RU" dirty="0"/>
-              <a:t>Создаём отдельный класс с этим методом</a:t>
-            </a:r>
-          </a:p>
-          <a:p>
             <a:endParaRPr lang="en-US" dirty="0"/>
           </a:p>
         </p:txBody>
       </p:sp>
       <p:sp>
         <p:nvSpPr>
-          <p:cNvPr id="5" name="Rectangle 2"/>
-          <p:cNvSpPr>
-            <a:spLocks noChangeArrowheads="1"/>
+          <p:cNvPr id="4" name="AutoShape 2" descr="en-cache://tokenKey%3D%22AuthToken%3AUser%3A225804705%22+01529294-3a4e-5196-8480-5355da7d5ccc+77a739240cdae43c3c63905706351c23+https:/www.evernote.com/shard/s729/res/755d5bad-f5cf-5cf4-56f2-7b9392868a0a"/>
+          <p:cNvSpPr>
+            <a:spLocks noChangeAspect="1" noChangeArrowheads="1"/>
           </p:cNvSpPr>
           <p:nvPr/>
         </p:nvSpPr>
         <p:spPr bwMode="auto">
           <a:xfrm>
-            <a:off x="904875" y="2879199"/>
-            <a:ext cx="9315450" cy="3785652"/>
+            <a:off x="2016459" y="4700253"/>
+            <a:ext cx="7849436" cy="7849462"/>
           </a:xfrm>
           <a:prstGeom prst="rect">
             <a:avLst/>
           </a:prstGeom>
-          <a:solidFill>
-            <a:srgbClr val="2B2B2B"/>
-          </a:solidFill>
-          <a:ln>
-            <a:noFill/>
-          </a:ln>
-          <a:effectLst/>
+          <a:noFill/>
           <a:extLst>
-            <a:ext uri="{91240B29-F687-4F45-9708-019B960494DF}">
-              <a14:hiddenLine xmlns:a14="http://schemas.microsoft.com/office/drawing/2010/main" w="9525">
-                <a:solidFill>
-                  <a:schemeClr val="tx1"/>
-                </a:solidFill>
-                <a:miter lim="800000"/>
-                <a:headEnd/>
-                <a:tailEnd/>
-              </a14:hiddenLine>
-            </a:ext>
-            <a:ext uri="{AF507438-7753-43E0-B8FC-AC1667EBCBE1}">
-              <a14:hiddenEffects xmlns:a14="http://schemas.microsoft.com/office/drawing/2010/main">
-                <a:effectLst>
-                  <a:outerShdw dist="35921" dir="2700000" algn="ctr" rotWithShape="0">
-                    <a:schemeClr val="bg2"/>
-                  </a:outerShdw>
-                </a:effectLst>
-              </a14:hiddenEffects>
+            <a:ext uri="{909E8E84-426E-40DD-AFC4-6F175D3DCCD1}">
+              <a14:hiddenFill xmlns:a14="http://schemas.microsoft.com/office/drawing/2010/main">
+                <a:solidFill>
+                  <a:srgbClr val="FFFFFF"/>
+                </a:solidFill>
+              </a14:hiddenFill>
             </a:ext>
           </a:extLst>
         </p:spPr>
         <p:txBody>
-          <a:bodyPr vert="horz" wrap="square" lIns="91440" tIns="45720" rIns="91440" bIns="45720" numCol="1" anchor="ctr" anchorCtr="0" compatLnSpc="1">
+          <a:bodyPr vert="horz" wrap="square" lIns="91440" tIns="45720" rIns="91440" bIns="45720" numCol="1" anchor="t" anchorCtr="0" compatLnSpc="1">
             <a:prstTxWarp prst="textNoShape">
               <a:avLst/>
             </a:prstTxWarp>
-            <a:spAutoFit/>
           </a:bodyPr>
           <a:lstStyle/>
           <a:p>
-            <a:pPr marL="0" marR="0" lvl="0" indent="0" algn="l" defTabSz="914400" rtl="0" eaLnBrk="0" fontAlgn="base" latinLnBrk="0" hangingPunct="0">
-              <a:lnSpc>
-                <a:spcPct val="100000"/>
-              </a:lnSpc>
-              <a:spcBef>
-                <a:spcPct val="0"/>
-              </a:spcBef>
-              <a:spcAft>
-                <a:spcPct val="0"/>
-              </a:spcAft>
-              <a:buClrTx/>
-              <a:buSzTx/>
-              <a:buFontTx/>
-              <a:buNone/>
-              <a:tabLst/>
-            </a:pPr>
-            <a:r>
-              <a:rPr kumimoji="0" lang="en-US" altLang="en-US" sz="2000" b="0" i="0" u="none" strike="noStrike" cap="none" normalizeH="0" baseline="0" dirty="0">
-                <a:ln>
-                  <a:noFill/>
-                </a:ln>
-                <a:solidFill>
-                  <a:srgbClr val="CC7832"/>
-                </a:solidFill>
-                <a:effectLst/>
-                <a:latin typeface="JetBrains Mono"/>
-              </a:rPr>
-              <a:t>public class </a:t>
-            </a:r>
-            <a:r>
-              <a:rPr kumimoji="0" lang="en-US" altLang="en-US" sz="2000" b="0" i="0" u="none" strike="noStrike" cap="none" normalizeH="0" baseline="0" dirty="0" err="1">
-                <a:ln>
-                  <a:noFill/>
-                </a:ln>
-                <a:solidFill>
-                  <a:srgbClr val="A9B7C6"/>
-                </a:solidFill>
-                <a:effectLst/>
-                <a:latin typeface="JetBrains Mono"/>
-              </a:rPr>
-              <a:t>PersonFactory</a:t>
-            </a:r>
-            <a:r>
-              <a:rPr kumimoji="0" lang="en-US" altLang="en-US" sz="2000" b="0" i="0" u="none" strike="noStrike" cap="none" normalizeH="0" baseline="0" dirty="0">
-                <a:ln>
-                  <a:noFill/>
-                </a:ln>
-                <a:solidFill>
-                  <a:srgbClr val="A9B7C6"/>
-                </a:solidFill>
-                <a:effectLst/>
-                <a:latin typeface="JetBrains Mono"/>
-              </a:rPr>
-              <a:t> {</a:t>
-            </a:r>
-            <a:br>
-              <a:rPr kumimoji="0" lang="en-US" altLang="en-US" sz="2000" b="0" i="0" u="none" strike="noStrike" cap="none" normalizeH="0" baseline="0" dirty="0">
-                <a:ln>
-                  <a:noFill/>
-                </a:ln>
-                <a:solidFill>
-                  <a:srgbClr val="A9B7C6"/>
-                </a:solidFill>
-                <a:effectLst/>
-                <a:latin typeface="JetBrains Mono"/>
-              </a:rPr>
-            </a:br>
-            <a:br>
-              <a:rPr kumimoji="0" lang="en-US" altLang="en-US" sz="2000" b="0" i="0" u="none" strike="noStrike" cap="none" normalizeH="0" baseline="0" dirty="0">
-                <a:ln>
-                  <a:noFill/>
-                </a:ln>
-                <a:solidFill>
-                  <a:srgbClr val="A9B7C6"/>
-                </a:solidFill>
-                <a:effectLst/>
-                <a:latin typeface="JetBrains Mono"/>
-              </a:rPr>
-            </a:br>
-            <a:r>
-              <a:rPr kumimoji="0" lang="en-US" altLang="en-US" sz="2000" b="0" i="0" u="none" strike="noStrike" cap="none" normalizeH="0" baseline="0" dirty="0">
-                <a:ln>
-                  <a:noFill/>
-                </a:ln>
-                <a:solidFill>
-                  <a:srgbClr val="A9B7C6"/>
-                </a:solidFill>
-                <a:effectLst/>
-                <a:latin typeface="JetBrains Mono"/>
-              </a:rPr>
-              <a:t>    </a:t>
-            </a:r>
-            <a:r>
-              <a:rPr kumimoji="0" lang="en-US" altLang="en-US" sz="2000" b="0" i="0" u="none" strike="noStrike" cap="none" normalizeH="0" baseline="0" dirty="0">
-                <a:ln>
-                  <a:noFill/>
-                </a:ln>
-                <a:solidFill>
-                  <a:srgbClr val="CC7832"/>
-                </a:solidFill>
-                <a:effectLst/>
-                <a:latin typeface="JetBrains Mono"/>
-              </a:rPr>
-              <a:t>public </a:t>
-            </a:r>
-            <a:r>
-              <a:rPr kumimoji="0" lang="en-US" altLang="en-US" sz="2000" b="0" i="0" u="none" strike="noStrike" cap="none" normalizeH="0" baseline="0" dirty="0">
-                <a:ln>
-                  <a:noFill/>
-                </a:ln>
-                <a:solidFill>
-                  <a:srgbClr val="A9B7C6"/>
-                </a:solidFill>
-                <a:effectLst/>
-                <a:latin typeface="JetBrains Mono"/>
-              </a:rPr>
-              <a:t>Person </a:t>
-            </a:r>
-            <a:r>
-              <a:rPr kumimoji="0" lang="en-US" altLang="en-US" sz="2000" b="0" i="0" u="none" strike="noStrike" cap="none" normalizeH="0" baseline="0" dirty="0" err="1">
-                <a:ln>
-                  <a:noFill/>
-                </a:ln>
-                <a:solidFill>
-                  <a:srgbClr val="FFC66D"/>
-                </a:solidFill>
-                <a:effectLst/>
-                <a:latin typeface="JetBrains Mono"/>
-              </a:rPr>
-              <a:t>createInstance</a:t>
-            </a:r>
-            <a:r>
-              <a:rPr kumimoji="0" lang="en-US" altLang="en-US" sz="2000" b="0" i="0" u="none" strike="noStrike" cap="none" normalizeH="0" baseline="0" dirty="0">
-                <a:ln>
-                  <a:noFill/>
-                </a:ln>
-                <a:solidFill>
-                  <a:srgbClr val="A9B7C6"/>
-                </a:solidFill>
-                <a:effectLst/>
-                <a:latin typeface="JetBrains Mono"/>
-              </a:rPr>
-              <a:t>(String name</a:t>
-            </a:r>
-            <a:r>
-              <a:rPr kumimoji="0" lang="en-US" altLang="en-US" sz="2000" b="0" i="0" u="none" strike="noStrike" cap="none" normalizeH="0" baseline="0" dirty="0">
-                <a:ln>
-                  <a:noFill/>
-                </a:ln>
-                <a:solidFill>
-                  <a:srgbClr val="CC7832"/>
-                </a:solidFill>
-                <a:effectLst/>
-                <a:latin typeface="JetBrains Mono"/>
-              </a:rPr>
-              <a:t>, </a:t>
-            </a:r>
-            <a:r>
-              <a:rPr kumimoji="0" lang="en-US" altLang="en-US" sz="2000" b="0" i="0" u="none" strike="noStrike" cap="none" normalizeH="0" baseline="0" dirty="0" err="1">
-                <a:ln>
-                  <a:noFill/>
-                </a:ln>
-                <a:solidFill>
-                  <a:srgbClr val="CC7832"/>
-                </a:solidFill>
-                <a:effectLst/>
-                <a:latin typeface="JetBrains Mono"/>
-              </a:rPr>
-              <a:t>int</a:t>
-            </a:r>
-            <a:r>
-              <a:rPr kumimoji="0" lang="en-US" altLang="en-US" sz="2000" b="0" i="0" u="none" strike="noStrike" cap="none" normalizeH="0" baseline="0" dirty="0">
-                <a:ln>
-                  <a:noFill/>
-                </a:ln>
-                <a:solidFill>
-                  <a:srgbClr val="CC7832"/>
-                </a:solidFill>
-                <a:effectLst/>
-                <a:latin typeface="JetBrains Mono"/>
-              </a:rPr>
-              <a:t> </a:t>
-            </a:r>
-            <a:r>
-              <a:rPr kumimoji="0" lang="en-US" altLang="en-US" sz="2000" b="0" i="0" u="none" strike="noStrike" cap="none" normalizeH="0" baseline="0" dirty="0">
-                <a:ln>
-                  <a:noFill/>
-                </a:ln>
-                <a:solidFill>
-                  <a:srgbClr val="A9B7C6"/>
-                </a:solidFill>
-                <a:effectLst/>
-                <a:latin typeface="JetBrains Mono"/>
-              </a:rPr>
-              <a:t>age){</a:t>
-            </a:r>
-            <a:br>
-              <a:rPr kumimoji="0" lang="en-US" altLang="en-US" sz="2000" b="0" i="0" u="none" strike="noStrike" cap="none" normalizeH="0" baseline="0" dirty="0">
-                <a:ln>
-                  <a:noFill/>
-                </a:ln>
-                <a:solidFill>
-                  <a:srgbClr val="A9B7C6"/>
-                </a:solidFill>
-                <a:effectLst/>
-                <a:latin typeface="JetBrains Mono"/>
-              </a:rPr>
-            </a:br>
-            <a:r>
-              <a:rPr kumimoji="0" lang="en-US" altLang="en-US" sz="2000" b="0" i="0" u="none" strike="noStrike" cap="none" normalizeH="0" baseline="0" dirty="0">
-                <a:ln>
-                  <a:noFill/>
-                </a:ln>
-                <a:solidFill>
-                  <a:srgbClr val="A9B7C6"/>
-                </a:solidFill>
-                <a:effectLst/>
-                <a:latin typeface="JetBrains Mono"/>
-              </a:rPr>
-              <a:t>        Person </a:t>
-            </a:r>
-            <a:r>
-              <a:rPr kumimoji="0" lang="en-US" altLang="en-US" sz="2000" b="0" i="0" u="none" strike="noStrike" cap="none" normalizeH="0" baseline="0" dirty="0" err="1">
-                <a:ln>
-                  <a:noFill/>
-                </a:ln>
-                <a:solidFill>
-                  <a:srgbClr val="A9B7C6"/>
-                </a:solidFill>
-                <a:effectLst/>
-                <a:latin typeface="JetBrains Mono"/>
-              </a:rPr>
-              <a:t>person</a:t>
-            </a:r>
-            <a:r>
-              <a:rPr kumimoji="0" lang="en-US" altLang="en-US" sz="2000" b="0" i="0" u="none" strike="noStrike" cap="none" normalizeH="0" baseline="0" dirty="0">
-                <a:ln>
-                  <a:noFill/>
-                </a:ln>
-                <a:solidFill>
-                  <a:srgbClr val="A9B7C6"/>
-                </a:solidFill>
-                <a:effectLst/>
-                <a:latin typeface="JetBrains Mono"/>
-              </a:rPr>
-              <a:t> = </a:t>
-            </a:r>
-            <a:r>
-              <a:rPr kumimoji="0" lang="en-US" altLang="en-US" sz="2000" b="0" i="0" u="none" strike="noStrike" cap="none" normalizeH="0" baseline="0" dirty="0">
-                <a:ln>
-                  <a:noFill/>
-                </a:ln>
-                <a:solidFill>
-                  <a:srgbClr val="CC7832"/>
-                </a:solidFill>
-                <a:effectLst/>
-                <a:latin typeface="JetBrains Mono"/>
-              </a:rPr>
-              <a:t>new </a:t>
-            </a:r>
-            <a:r>
-              <a:rPr kumimoji="0" lang="en-US" altLang="en-US" sz="2000" b="0" i="0" u="none" strike="noStrike" cap="none" normalizeH="0" baseline="0" dirty="0">
-                <a:ln>
-                  <a:noFill/>
-                </a:ln>
-                <a:solidFill>
-                  <a:srgbClr val="A9B7C6"/>
-                </a:solidFill>
-                <a:effectLst/>
-                <a:latin typeface="JetBrains Mono"/>
-              </a:rPr>
-              <a:t>Person(name</a:t>
-            </a:r>
-            <a:r>
-              <a:rPr kumimoji="0" lang="en-US" altLang="en-US" sz="2000" b="0" i="0" u="none" strike="noStrike" cap="none" normalizeH="0" baseline="0" dirty="0">
-                <a:ln>
-                  <a:noFill/>
-                </a:ln>
-                <a:solidFill>
-                  <a:srgbClr val="CC7832"/>
-                </a:solidFill>
-                <a:effectLst/>
-                <a:latin typeface="JetBrains Mono"/>
-              </a:rPr>
-              <a:t>, </a:t>
-            </a:r>
-            <a:r>
-              <a:rPr kumimoji="0" lang="en-US" altLang="en-US" sz="2000" b="0" i="0" u="none" strike="noStrike" cap="none" normalizeH="0" baseline="0" dirty="0">
-                <a:ln>
-                  <a:noFill/>
-                </a:ln>
-                <a:solidFill>
-                  <a:srgbClr val="A9B7C6"/>
-                </a:solidFill>
-                <a:effectLst/>
-                <a:latin typeface="JetBrains Mono"/>
-              </a:rPr>
-              <a:t>age)</a:t>
-            </a:r>
-            <a:r>
-              <a:rPr kumimoji="0" lang="en-US" altLang="en-US" sz="2000" b="0" i="0" u="none" strike="noStrike" cap="none" normalizeH="0" baseline="0" dirty="0">
-                <a:ln>
-                  <a:noFill/>
-                </a:ln>
-                <a:solidFill>
-                  <a:srgbClr val="CC7832"/>
-                </a:solidFill>
-                <a:effectLst/>
-                <a:latin typeface="JetBrains Mono"/>
-              </a:rPr>
-              <a:t>;</a:t>
-            </a:r>
-            <a:br>
-              <a:rPr kumimoji="0" lang="en-US" altLang="en-US" sz="2000" b="0" i="0" u="none" strike="noStrike" cap="none" normalizeH="0" baseline="0" dirty="0">
-                <a:ln>
-                  <a:noFill/>
-                </a:ln>
-                <a:solidFill>
-                  <a:srgbClr val="CC7832"/>
-                </a:solidFill>
-                <a:effectLst/>
-                <a:latin typeface="JetBrains Mono"/>
-              </a:rPr>
-            </a:br>
-            <a:r>
-              <a:rPr kumimoji="0" lang="en-US" altLang="en-US" sz="2000" b="0" i="0" u="none" strike="noStrike" cap="none" normalizeH="0" baseline="0" dirty="0">
-                <a:ln>
-                  <a:noFill/>
-                </a:ln>
-                <a:solidFill>
-                  <a:srgbClr val="CC7832"/>
-                </a:solidFill>
-                <a:effectLst/>
-                <a:latin typeface="JetBrains Mono"/>
-              </a:rPr>
-              <a:t>        if</a:t>
-            </a:r>
-            <a:r>
-              <a:rPr kumimoji="0" lang="en-US" altLang="en-US" sz="2000" b="0" i="0" u="none" strike="noStrike" cap="none" normalizeH="0" baseline="0" dirty="0">
-                <a:ln>
-                  <a:noFill/>
-                </a:ln>
-                <a:solidFill>
-                  <a:srgbClr val="A9B7C6"/>
-                </a:solidFill>
-                <a:effectLst/>
-                <a:latin typeface="JetBrains Mono"/>
-              </a:rPr>
-              <a:t>(</a:t>
-            </a:r>
-            <a:r>
-              <a:rPr kumimoji="0" lang="en-US" altLang="en-US" sz="2000" b="0" i="0" u="none" strike="noStrike" cap="none" normalizeH="0" baseline="0" dirty="0" err="1">
-                <a:ln>
-                  <a:noFill/>
-                </a:ln>
-                <a:solidFill>
-                  <a:srgbClr val="A9B7C6"/>
-                </a:solidFill>
-                <a:effectLst/>
-                <a:latin typeface="JetBrains Mono"/>
-              </a:rPr>
-              <a:t>person.getAge</a:t>
-            </a:r>
-            <a:r>
-              <a:rPr kumimoji="0" lang="en-US" altLang="en-US" sz="2000" b="0" i="0" u="none" strike="noStrike" cap="none" normalizeH="0" baseline="0" dirty="0">
-                <a:ln>
-                  <a:noFill/>
-                </a:ln>
-                <a:solidFill>
-                  <a:srgbClr val="A9B7C6"/>
-                </a:solidFill>
-                <a:effectLst/>
-                <a:latin typeface="JetBrains Mono"/>
-              </a:rPr>
-              <a:t>() &gt;= </a:t>
-            </a:r>
-            <a:r>
-              <a:rPr kumimoji="0" lang="en-US" altLang="en-US" sz="2000" b="0" i="0" u="none" strike="noStrike" cap="none" normalizeH="0" baseline="0" dirty="0">
-                <a:ln>
-                  <a:noFill/>
-                </a:ln>
-                <a:solidFill>
-                  <a:srgbClr val="6897BB"/>
-                </a:solidFill>
-                <a:effectLst/>
-                <a:latin typeface="JetBrains Mono"/>
-              </a:rPr>
-              <a:t>18</a:t>
-            </a:r>
-            <a:r>
-              <a:rPr kumimoji="0" lang="en-US" altLang="en-US" sz="2000" b="0" i="0" u="none" strike="noStrike" cap="none" normalizeH="0" baseline="0" dirty="0">
-                <a:ln>
-                  <a:noFill/>
-                </a:ln>
-                <a:solidFill>
-                  <a:srgbClr val="A9B7C6"/>
-                </a:solidFill>
-                <a:effectLst/>
-                <a:latin typeface="JetBrains Mono"/>
-              </a:rPr>
-              <a:t>){</a:t>
-            </a:r>
-            <a:br>
-              <a:rPr kumimoji="0" lang="en-US" altLang="en-US" sz="2000" b="0" i="0" u="none" strike="noStrike" cap="none" normalizeH="0" baseline="0" dirty="0">
-                <a:ln>
-                  <a:noFill/>
-                </a:ln>
-                <a:solidFill>
-                  <a:srgbClr val="A9B7C6"/>
-                </a:solidFill>
-                <a:effectLst/>
-                <a:latin typeface="JetBrains Mono"/>
-              </a:rPr>
-            </a:br>
-            <a:r>
-              <a:rPr kumimoji="0" lang="en-US" altLang="en-US" sz="2000" b="0" i="0" u="none" strike="noStrike" cap="none" normalizeH="0" baseline="0" dirty="0">
-                <a:ln>
-                  <a:noFill/>
-                </a:ln>
-                <a:solidFill>
-                  <a:srgbClr val="A9B7C6"/>
-                </a:solidFill>
-                <a:effectLst/>
-                <a:latin typeface="JetBrains Mono"/>
-              </a:rPr>
-              <a:t>            </a:t>
-            </a:r>
-            <a:r>
-              <a:rPr kumimoji="0" lang="en-US" altLang="en-US" sz="2000" b="0" i="0" u="none" strike="noStrike" cap="none" normalizeH="0" baseline="0" dirty="0" err="1">
-                <a:ln>
-                  <a:noFill/>
-                </a:ln>
-                <a:solidFill>
-                  <a:srgbClr val="A9B7C6"/>
-                </a:solidFill>
-                <a:effectLst/>
-                <a:latin typeface="JetBrains Mono"/>
-              </a:rPr>
-              <a:t>person.setAdult</a:t>
-            </a:r>
-            <a:r>
-              <a:rPr kumimoji="0" lang="en-US" altLang="en-US" sz="2000" b="0" i="0" u="none" strike="noStrike" cap="none" normalizeH="0" baseline="0" dirty="0">
-                <a:ln>
-                  <a:noFill/>
-                </a:ln>
-                <a:solidFill>
-                  <a:srgbClr val="A9B7C6"/>
-                </a:solidFill>
-                <a:effectLst/>
-                <a:latin typeface="JetBrains Mono"/>
-              </a:rPr>
-              <a:t>(</a:t>
-            </a:r>
-            <a:r>
-              <a:rPr kumimoji="0" lang="en-US" altLang="en-US" sz="2000" b="0" i="0" u="none" strike="noStrike" cap="none" normalizeH="0" baseline="0" dirty="0">
-                <a:ln>
-                  <a:noFill/>
-                </a:ln>
-                <a:solidFill>
-                  <a:srgbClr val="CC7832"/>
-                </a:solidFill>
-                <a:effectLst/>
-                <a:latin typeface="JetBrains Mono"/>
-              </a:rPr>
-              <a:t>true</a:t>
-            </a:r>
-            <a:r>
-              <a:rPr kumimoji="0" lang="en-US" altLang="en-US" sz="2000" b="0" i="0" u="none" strike="noStrike" cap="none" normalizeH="0" baseline="0" dirty="0">
-                <a:ln>
-                  <a:noFill/>
-                </a:ln>
-                <a:solidFill>
-                  <a:srgbClr val="A9B7C6"/>
-                </a:solidFill>
-                <a:effectLst/>
-                <a:latin typeface="JetBrains Mono"/>
-              </a:rPr>
-              <a:t>)</a:t>
-            </a:r>
-            <a:r>
-              <a:rPr kumimoji="0" lang="en-US" altLang="en-US" sz="2000" b="0" i="0" u="none" strike="noStrike" cap="none" normalizeH="0" baseline="0" dirty="0">
-                <a:ln>
-                  <a:noFill/>
-                </a:ln>
-                <a:solidFill>
-                  <a:srgbClr val="CC7832"/>
-                </a:solidFill>
-                <a:effectLst/>
-                <a:latin typeface="JetBrains Mono"/>
-              </a:rPr>
-              <a:t>;</a:t>
-            </a:r>
-            <a:br>
-              <a:rPr kumimoji="0" lang="en-US" altLang="en-US" sz="2000" b="0" i="0" u="none" strike="noStrike" cap="none" normalizeH="0" baseline="0" dirty="0">
-                <a:ln>
-                  <a:noFill/>
-                </a:ln>
-                <a:solidFill>
-                  <a:srgbClr val="CC7832"/>
-                </a:solidFill>
-                <a:effectLst/>
-                <a:latin typeface="JetBrains Mono"/>
-              </a:rPr>
-            </a:br>
-            <a:r>
-              <a:rPr kumimoji="0" lang="en-US" altLang="en-US" sz="2000" b="0" i="0" u="none" strike="noStrike" cap="none" normalizeH="0" baseline="0" dirty="0">
-                <a:ln>
-                  <a:noFill/>
-                </a:ln>
-                <a:solidFill>
-                  <a:srgbClr val="CC7832"/>
-                </a:solidFill>
-                <a:effectLst/>
-                <a:latin typeface="JetBrains Mono"/>
-              </a:rPr>
-              <a:t>        </a:t>
-            </a:r>
-            <a:r>
-              <a:rPr kumimoji="0" lang="en-US" altLang="en-US" sz="2000" b="0" i="0" u="none" strike="noStrike" cap="none" normalizeH="0" baseline="0" dirty="0">
-                <a:ln>
-                  <a:noFill/>
-                </a:ln>
-                <a:solidFill>
-                  <a:srgbClr val="A9B7C6"/>
-                </a:solidFill>
-                <a:effectLst/>
-                <a:latin typeface="JetBrains Mono"/>
-              </a:rPr>
-              <a:t>}</a:t>
-            </a:r>
-            <a:br>
-              <a:rPr kumimoji="0" lang="en-US" altLang="en-US" sz="2000" b="0" i="0" u="none" strike="noStrike" cap="none" normalizeH="0" baseline="0" dirty="0">
-                <a:ln>
-                  <a:noFill/>
-                </a:ln>
-                <a:solidFill>
-                  <a:srgbClr val="A9B7C6"/>
-                </a:solidFill>
-                <a:effectLst/>
-                <a:latin typeface="JetBrains Mono"/>
-              </a:rPr>
-            </a:br>
-            <a:r>
-              <a:rPr kumimoji="0" lang="en-US" altLang="en-US" sz="2000" b="0" i="0" u="none" strike="noStrike" cap="none" normalizeH="0" baseline="0" dirty="0">
-                <a:ln>
-                  <a:noFill/>
-                </a:ln>
-                <a:solidFill>
-                  <a:srgbClr val="A9B7C6"/>
-                </a:solidFill>
-                <a:effectLst/>
-                <a:latin typeface="JetBrains Mono"/>
-              </a:rPr>
-              <a:t>        </a:t>
-            </a:r>
-            <a:r>
-              <a:rPr kumimoji="0" lang="en-US" altLang="en-US" sz="2000" b="0" i="0" u="none" strike="noStrike" cap="none" normalizeH="0" baseline="0" dirty="0">
-                <a:ln>
-                  <a:noFill/>
-                </a:ln>
-                <a:solidFill>
-                  <a:srgbClr val="808080"/>
-                </a:solidFill>
-                <a:effectLst/>
-                <a:latin typeface="JetBrains Mono"/>
-              </a:rPr>
-              <a:t>//or some other operations with the instance</a:t>
-            </a:r>
-            <a:br>
-              <a:rPr kumimoji="0" lang="en-US" altLang="en-US" sz="2000" b="0" i="0" u="none" strike="noStrike" cap="none" normalizeH="0" baseline="0" dirty="0">
-                <a:ln>
-                  <a:noFill/>
-                </a:ln>
-                <a:solidFill>
-                  <a:srgbClr val="808080"/>
-                </a:solidFill>
-                <a:effectLst/>
-                <a:latin typeface="JetBrains Mono"/>
-              </a:rPr>
-            </a:br>
-            <a:r>
-              <a:rPr kumimoji="0" lang="en-US" altLang="en-US" sz="2000" b="0" i="0" u="none" strike="noStrike" cap="none" normalizeH="0" baseline="0" dirty="0">
-                <a:ln>
-                  <a:noFill/>
-                </a:ln>
-                <a:solidFill>
-                  <a:srgbClr val="808080"/>
-                </a:solidFill>
-                <a:effectLst/>
-                <a:latin typeface="JetBrains Mono"/>
-              </a:rPr>
-              <a:t>        //</a:t>
-            </a:r>
-            <a:r>
-              <a:rPr kumimoji="0" lang="en-US" altLang="en-US" sz="2000" b="0" i="0" u="none" strike="noStrike" cap="none" normalizeH="0" baseline="0" dirty="0" err="1">
-                <a:ln>
-                  <a:noFill/>
-                </a:ln>
-                <a:solidFill>
-                  <a:srgbClr val="808080"/>
-                </a:solidFill>
-                <a:effectLst/>
-                <a:latin typeface="JetBrains Mono"/>
-              </a:rPr>
-              <a:t>можно</a:t>
-            </a:r>
-            <a:r>
-              <a:rPr kumimoji="0" lang="en-US" altLang="en-US" sz="2000" b="0" i="0" u="none" strike="noStrike" cap="none" normalizeH="0" baseline="0" dirty="0">
-                <a:ln>
-                  <a:noFill/>
-                </a:ln>
-                <a:solidFill>
-                  <a:srgbClr val="808080"/>
-                </a:solidFill>
-                <a:effectLst/>
-                <a:latin typeface="JetBrains Mono"/>
-              </a:rPr>
-              <a:t> </a:t>
-            </a:r>
-            <a:r>
-              <a:rPr kumimoji="0" lang="en-US" altLang="en-US" sz="2000" b="0" i="0" u="none" strike="noStrike" cap="none" normalizeH="0" baseline="0" dirty="0" err="1">
-                <a:ln>
-                  <a:noFill/>
-                </a:ln>
-                <a:solidFill>
-                  <a:srgbClr val="808080"/>
-                </a:solidFill>
-                <a:effectLst/>
-                <a:latin typeface="JetBrains Mono"/>
-              </a:rPr>
-              <a:t>добавить</a:t>
-            </a:r>
-            <a:r>
-              <a:rPr kumimoji="0" lang="en-US" altLang="en-US" sz="2000" b="0" i="0" u="none" strike="noStrike" cap="none" normalizeH="0" baseline="0" dirty="0">
-                <a:ln>
-                  <a:noFill/>
-                </a:ln>
-                <a:solidFill>
-                  <a:srgbClr val="808080"/>
-                </a:solidFill>
-                <a:effectLst/>
-                <a:latin typeface="JetBrains Mono"/>
-              </a:rPr>
-              <a:t> </a:t>
-            </a:r>
-            <a:r>
-              <a:rPr kumimoji="0" lang="en-US" altLang="en-US" sz="2000" b="0" i="0" u="none" strike="noStrike" cap="none" normalizeH="0" baseline="0" dirty="0" err="1">
-                <a:ln>
-                  <a:noFill/>
-                </a:ln>
-                <a:solidFill>
-                  <a:srgbClr val="808080"/>
-                </a:solidFill>
-                <a:effectLst/>
-                <a:latin typeface="JetBrains Mono"/>
-              </a:rPr>
-              <a:t>другие</a:t>
-            </a:r>
-            <a:r>
-              <a:rPr kumimoji="0" lang="en-US" altLang="en-US" sz="2000" b="0" i="0" u="none" strike="noStrike" cap="none" normalizeH="0" baseline="0" dirty="0">
-                <a:ln>
-                  <a:noFill/>
-                </a:ln>
-                <a:solidFill>
-                  <a:srgbClr val="808080"/>
-                </a:solidFill>
-                <a:effectLst/>
-                <a:latin typeface="JetBrains Mono"/>
-              </a:rPr>
-              <a:t> </a:t>
-            </a:r>
-            <a:r>
-              <a:rPr kumimoji="0" lang="en-US" altLang="en-US" sz="2000" b="0" i="0" u="none" strike="noStrike" cap="none" normalizeH="0" baseline="0" dirty="0" err="1">
-                <a:ln>
-                  <a:noFill/>
-                </a:ln>
-                <a:solidFill>
-                  <a:srgbClr val="808080"/>
-                </a:solidFill>
-                <a:effectLst/>
-                <a:latin typeface="JetBrains Mono"/>
-              </a:rPr>
-              <a:t>операции</a:t>
-            </a:r>
-            <a:r>
-              <a:rPr kumimoji="0" lang="en-US" altLang="en-US" sz="2000" b="0" i="0" u="none" strike="noStrike" cap="none" normalizeH="0" baseline="0" dirty="0">
-                <a:ln>
-                  <a:noFill/>
-                </a:ln>
-                <a:solidFill>
-                  <a:srgbClr val="808080"/>
-                </a:solidFill>
-                <a:effectLst/>
-                <a:latin typeface="JetBrains Mono"/>
-              </a:rPr>
-              <a:t> </a:t>
-            </a:r>
-            <a:r>
-              <a:rPr kumimoji="0" lang="en-US" altLang="en-US" sz="2000" b="0" i="0" u="none" strike="noStrike" cap="none" normalizeH="0" baseline="0" dirty="0" err="1">
-                <a:ln>
-                  <a:noFill/>
-                </a:ln>
-                <a:solidFill>
-                  <a:srgbClr val="808080"/>
-                </a:solidFill>
-                <a:effectLst/>
-                <a:latin typeface="JetBrains Mono"/>
-              </a:rPr>
-              <a:t>над</a:t>
-            </a:r>
-            <a:r>
-              <a:rPr kumimoji="0" lang="en-US" altLang="en-US" sz="2000" b="0" i="0" u="none" strike="noStrike" cap="none" normalizeH="0" baseline="0" dirty="0">
-                <a:ln>
-                  <a:noFill/>
-                </a:ln>
-                <a:solidFill>
-                  <a:srgbClr val="808080"/>
-                </a:solidFill>
-                <a:effectLst/>
-                <a:latin typeface="JetBrains Mono"/>
-              </a:rPr>
-              <a:t> </a:t>
-            </a:r>
-            <a:r>
-              <a:rPr kumimoji="0" lang="en-US" altLang="en-US" sz="2000" b="0" i="0" u="none" strike="noStrike" cap="none" normalizeH="0" baseline="0" dirty="0" err="1">
-                <a:ln>
-                  <a:noFill/>
-                </a:ln>
-                <a:solidFill>
-                  <a:srgbClr val="808080"/>
-                </a:solidFill>
-                <a:effectLst/>
-                <a:latin typeface="JetBrains Mono"/>
-              </a:rPr>
-              <a:t>объектом</a:t>
-            </a:r>
-            <a:r>
-              <a:rPr kumimoji="0" lang="en-US" altLang="en-US" sz="2000" b="0" i="0" u="none" strike="noStrike" cap="none" normalizeH="0" baseline="0" dirty="0">
-                <a:ln>
-                  <a:noFill/>
-                </a:ln>
-                <a:solidFill>
-                  <a:srgbClr val="808080"/>
-                </a:solidFill>
-                <a:effectLst/>
-                <a:latin typeface="JetBrains Mono"/>
-              </a:rPr>
-              <a:t>.</a:t>
-            </a:r>
-            <a:br>
-              <a:rPr kumimoji="0" lang="en-US" altLang="en-US" sz="2000" b="0" i="0" u="none" strike="noStrike" cap="none" normalizeH="0" baseline="0" dirty="0">
-                <a:ln>
-                  <a:noFill/>
-                </a:ln>
-                <a:solidFill>
-                  <a:srgbClr val="808080"/>
-                </a:solidFill>
-                <a:effectLst/>
-                <a:latin typeface="JetBrains Mono"/>
-              </a:rPr>
-            </a:br>
-            <a:r>
-              <a:rPr kumimoji="0" lang="en-US" altLang="en-US" sz="2000" b="0" i="0" u="none" strike="noStrike" cap="none" normalizeH="0" baseline="0" dirty="0">
-                <a:ln>
-                  <a:noFill/>
-                </a:ln>
-                <a:solidFill>
-                  <a:srgbClr val="808080"/>
-                </a:solidFill>
-                <a:effectLst/>
-                <a:latin typeface="JetBrains Mono"/>
-              </a:rPr>
-              <a:t>        </a:t>
-            </a:r>
-            <a:r>
-              <a:rPr kumimoji="0" lang="en-US" altLang="en-US" sz="2000" b="0" i="0" u="none" strike="noStrike" cap="none" normalizeH="0" baseline="0" dirty="0">
-                <a:ln>
-                  <a:noFill/>
-                </a:ln>
-                <a:solidFill>
-                  <a:srgbClr val="CC7832"/>
-                </a:solidFill>
-                <a:effectLst/>
-                <a:latin typeface="JetBrains Mono"/>
-              </a:rPr>
-              <a:t>return </a:t>
-            </a:r>
-            <a:r>
-              <a:rPr kumimoji="0" lang="en-US" altLang="en-US" sz="2000" b="0" i="0" u="none" strike="noStrike" cap="none" normalizeH="0" baseline="0" dirty="0">
-                <a:ln>
-                  <a:noFill/>
-                </a:ln>
-                <a:solidFill>
-                  <a:srgbClr val="A9B7C6"/>
-                </a:solidFill>
-                <a:effectLst/>
-                <a:latin typeface="JetBrains Mono"/>
-              </a:rPr>
-              <a:t>person</a:t>
-            </a:r>
-            <a:r>
-              <a:rPr kumimoji="0" lang="en-US" altLang="en-US" sz="2000" b="0" i="0" u="none" strike="noStrike" cap="none" normalizeH="0" baseline="0" dirty="0">
-                <a:ln>
-                  <a:noFill/>
-                </a:ln>
-                <a:solidFill>
-                  <a:srgbClr val="CC7832"/>
-                </a:solidFill>
-                <a:effectLst/>
-                <a:latin typeface="JetBrains Mono"/>
-              </a:rPr>
-              <a:t>;</a:t>
-            </a:r>
-            <a:br>
-              <a:rPr kumimoji="0" lang="en-US" altLang="en-US" sz="2000" b="0" i="0" u="none" strike="noStrike" cap="none" normalizeH="0" baseline="0" dirty="0">
-                <a:ln>
-                  <a:noFill/>
-                </a:ln>
-                <a:solidFill>
-                  <a:srgbClr val="CC7832"/>
-                </a:solidFill>
-                <a:effectLst/>
-                <a:latin typeface="JetBrains Mono"/>
-              </a:rPr>
-            </a:br>
-            <a:r>
-              <a:rPr kumimoji="0" lang="en-US" altLang="en-US" sz="2000" b="0" i="0" u="none" strike="noStrike" cap="none" normalizeH="0" baseline="0" dirty="0">
-                <a:ln>
-                  <a:noFill/>
-                </a:ln>
-                <a:solidFill>
-                  <a:srgbClr val="CC7832"/>
-                </a:solidFill>
-                <a:effectLst/>
-                <a:latin typeface="JetBrains Mono"/>
-              </a:rPr>
-              <a:t>    </a:t>
-            </a:r>
-            <a:r>
-              <a:rPr kumimoji="0" lang="en-US" altLang="en-US" sz="2000" b="0" i="0" u="none" strike="noStrike" cap="none" normalizeH="0" baseline="0" dirty="0">
-                <a:ln>
-                  <a:noFill/>
-                </a:ln>
-                <a:solidFill>
-                  <a:srgbClr val="A9B7C6"/>
-                </a:solidFill>
-                <a:effectLst/>
-                <a:latin typeface="JetBrains Mono"/>
-              </a:rPr>
-              <a:t>}</a:t>
-            </a:r>
-            <a:br>
-              <a:rPr kumimoji="0" lang="en-US" altLang="en-US" sz="2000" b="0" i="0" u="none" strike="noStrike" cap="none" normalizeH="0" baseline="0" dirty="0">
-                <a:ln>
-                  <a:noFill/>
-                </a:ln>
-                <a:solidFill>
-                  <a:srgbClr val="A9B7C6"/>
-                </a:solidFill>
-                <a:effectLst/>
-                <a:latin typeface="JetBrains Mono"/>
-              </a:rPr>
-            </a:br>
-            <a:r>
-              <a:rPr kumimoji="0" lang="en-US" altLang="en-US" sz="2000" b="0" i="0" u="none" strike="noStrike" cap="none" normalizeH="0" baseline="0" dirty="0">
-                <a:ln>
-                  <a:noFill/>
-                </a:ln>
-                <a:solidFill>
-                  <a:srgbClr val="A9B7C6"/>
-                </a:solidFill>
-                <a:effectLst/>
-                <a:latin typeface="JetBrains Mono"/>
-              </a:rPr>
-              <a:t>}</a:t>
-            </a:r>
-            <a:endParaRPr kumimoji="0" lang="en-US" altLang="en-US" sz="2000" b="0" i="0" u="none" strike="noStrike" cap="none" normalizeH="0" baseline="0" dirty="0">
-              <a:ln>
-                <a:noFill/>
-              </a:ln>
-              <a:solidFill>
-                <a:schemeClr val="tx1"/>
-              </a:solidFill>
-              <a:effectLst/>
-              <a:latin typeface="Arial" panose="020B0604020202020204" pitchFamily="34" charset="0"/>
-            </a:endParaRPr>
+            <a:endParaRPr lang="en-US"/>
           </a:p>
         </p:txBody>
       </p:sp>
     </p:spTree>
     <p:extLst>
       <p:ext uri="{BB962C8B-B14F-4D97-AF65-F5344CB8AC3E}">
-        <p14:creationId xmlns:p14="http://schemas.microsoft.com/office/powerpoint/2010/main" val="4258432431"/>
+        <p14:creationId xmlns:p14="http://schemas.microsoft.com/office/powerpoint/2010/main" val="3701813692"/>
       </p:ext>
     </p:extLst>
   </p:cSld>
@@ -4009,27 +3119,113 @@
       </p:grpSpPr>
       <p:sp>
         <p:nvSpPr>
-          <p:cNvPr id="3" name="Content Placeholder 2"/>
-          <p:cNvSpPr>
-            <a:spLocks noGrp="1"/>
-          </p:cNvSpPr>
+          <p:cNvPr id="2" name="Title 1"/>
+          <p:cNvSpPr>
+            <a:spLocks noGrp="1"/>
+          </p:cNvSpPr>
+          <p:nvPr>
+            <p:ph type="title"/>
+          </p:nvPr>
+        </p:nvSpPr>
+        <p:spPr/>
+        <p:txBody>
+          <a:bodyPr/>
+          <a:lstStyle/>
+          <a:p>
+            <a:endParaRPr lang="en-US"/>
+          </a:p>
+        </p:txBody>
+      </p:sp>
+      <p:pic>
+        <p:nvPicPr>
+          <p:cNvPr id="4" name="Content Placeholder 3"/>
+          <p:cNvPicPr>
+            <a:picLocks noGrp="1" noChangeAspect="1"/>
+          </p:cNvPicPr>
           <p:nvPr>
             <p:ph idx="1"/>
           </p:nvPr>
-        </p:nvSpPr>
+        </p:nvPicPr>
+        <p:blipFill>
+          <a:blip r:embed="rId2">
+            <a:extLst>
+              <a:ext uri="{28A0092B-C50C-407E-A947-70E740481C1C}">
+                <a14:useLocalDpi xmlns:a14="http://schemas.microsoft.com/office/drawing/2010/main" val="0"/>
+              </a:ext>
+            </a:extLst>
+          </a:blip>
+          <a:stretch>
+            <a:fillRect/>
+          </a:stretch>
+        </p:blipFill>
         <p:spPr>
           <a:xfrm>
-            <a:off x="838200" y="409575"/>
-            <a:ext cx="10515600" cy="5795963"/>
+            <a:off x="677779" y="1690688"/>
+            <a:ext cx="10515600" cy="3956271"/>
           </a:xfrm>
         </p:spPr>
+      </p:pic>
+    </p:spTree>
+    <p:extLst>
+      <p:ext uri="{BB962C8B-B14F-4D97-AF65-F5344CB8AC3E}">
+        <p14:creationId xmlns:p14="http://schemas.microsoft.com/office/powerpoint/2010/main" val="2465351124"/>
+      </p:ext>
+    </p:extLst>
+  </p:cSld>
+  <p:clrMapOvr>
+    <a:masterClrMapping/>
+  </p:clrMapOvr>
+</p:sld>
+</file>
+
+<file path=ppt/slides/slide3.xml><?xml version="1.0" encoding="utf-8"?>
+<p:sld xmlns:a="http://schemas.openxmlformats.org/drawingml/2006/main" xmlns:r="http://schemas.openxmlformats.org/officeDocument/2006/relationships" xmlns:p="http://schemas.openxmlformats.org/presentationml/2006/main">
+  <p:cSld>
+    <p:spTree>
+      <p:nvGrpSpPr>
+        <p:cNvPr id="1" name=""/>
+        <p:cNvGrpSpPr/>
+        <p:nvPr/>
+      </p:nvGrpSpPr>
+      <p:grpSpPr>
+        <a:xfrm>
+          <a:off x="0" y="0"/>
+          <a:ext cx="0" cy="0"/>
+          <a:chOff x="0" y="0"/>
+          <a:chExt cx="0" cy="0"/>
+        </a:xfrm>
+      </p:grpSpPr>
+      <p:sp>
+        <p:nvSpPr>
+          <p:cNvPr id="3" name="Content Placeholder 2"/>
+          <p:cNvSpPr>
+            <a:spLocks noGrp="1"/>
+          </p:cNvSpPr>
+          <p:nvPr>
+            <p:ph idx="1"/>
+          </p:nvPr>
+        </p:nvSpPr>
+        <p:spPr>
+          <a:xfrm>
+            <a:off x="838200" y="647700"/>
+            <a:ext cx="10515600" cy="5529263"/>
+          </a:xfrm>
+        </p:spPr>
         <p:txBody>
           <a:bodyPr/>
           <a:lstStyle/>
           <a:p>
             <a:r>
               <a:rPr lang="ru-RU" dirty="0"/>
-              <a:t>Определяем соответствующий бин</a:t>
+              <a:t>Устанавливается в </a:t>
+            </a:r>
+            <a:r>
+              <a:rPr lang="ru-RU" dirty="0" err="1"/>
+              <a:t>бине</a:t>
+            </a:r>
+            <a:r>
+              <a:rPr lang="ru-RU" dirty="0"/>
+              <a:t> следующим образом:</a:t>
             </a:r>
           </a:p>
           <a:p>
@@ -4039,45 +3235,43 @@
             <a:endParaRPr lang="ru-RU" dirty="0"/>
           </a:p>
           <a:p>
+            <a:endParaRPr lang="ru-RU" dirty="0"/>
+          </a:p>
+          <a:p>
+            <a:endParaRPr lang="ru-RU" dirty="0"/>
+          </a:p>
+          <a:p>
+            <a:endParaRPr lang="ru-RU" dirty="0"/>
+          </a:p>
+          <a:p>
+            <a:endParaRPr lang="ru-RU" dirty="0"/>
+          </a:p>
+          <a:p>
+            <a:endParaRPr lang="ru-RU" dirty="0"/>
+          </a:p>
+          <a:p>
             <a:r>
               <a:rPr lang="ru-RU" dirty="0"/>
-              <a:t>Устанавливаем наш метод </a:t>
-            </a:r>
-            <a:r>
-              <a:rPr lang="en-US" dirty="0" err="1"/>
-              <a:t>createInstance</a:t>
+              <a:t>По умолчанию </a:t>
+            </a:r>
+            <a:r>
+              <a:rPr lang="ru-RU"/>
+              <a:t>равна </a:t>
+            </a:r>
+            <a:r>
+              <a:rPr lang="en-US"/>
+              <a:t>false</a:t>
             </a:r>
             <a:r>
               <a:rPr lang="en-US" dirty="0"/>
-              <a:t> </a:t>
-            </a:r>
-            <a:r>
-              <a:rPr lang="ru-RU" dirty="0"/>
-              <a:t>Как </a:t>
-            </a:r>
-            <a:r>
-              <a:rPr lang="en-US" dirty="0"/>
-              <a:t>factory-method</a:t>
-            </a:r>
-            <a:endParaRPr lang="ru-RU" dirty="0"/>
-          </a:p>
-          <a:p>
-            <a:endParaRPr lang="ru-RU" dirty="0"/>
-          </a:p>
-          <a:p>
-            <a:endParaRPr lang="ru-RU" dirty="0"/>
-          </a:p>
-          <a:p>
-            <a:endParaRPr lang="ru-RU" dirty="0"/>
-          </a:p>
-          <a:p>
-            <a:endParaRPr lang="ru-RU" dirty="0"/>
-          </a:p>
-        </p:txBody>
-      </p:sp>
-      <p:sp>
-        <p:nvSpPr>
-          <p:cNvPr id="5" name="Rectangle 2"/>
+              <a:t>.</a:t>
+            </a:r>
+          </a:p>
+        </p:txBody>
+      </p:sp>
+      <p:sp>
+        <p:nvSpPr>
+          <p:cNvPr id="4" name="Rectangle 1"/>
           <p:cNvSpPr>
             <a:spLocks noChangeArrowheads="1"/>
           </p:cNvSpPr>
@@ -4085,8 +3279,8 @@
         </p:nvSpPr>
         <p:spPr bwMode="auto">
           <a:xfrm>
-            <a:off x="838200" y="993843"/>
-            <a:ext cx="6848475" cy="707886"/>
+            <a:off x="838199" y="1918364"/>
+            <a:ext cx="9115425" cy="2554545"/>
           </a:xfrm>
           <a:prstGeom prst="rect">
             <a:avLst/>
@@ -4182,7 +3376,136 @@
                 <a:effectLst/>
                 <a:latin typeface="JetBrains Mono"/>
               </a:rPr>
-              <a:t>="</a:t>
+              <a:t>="exampleBean1" </a:t>
+            </a:r>
+            <a:r>
+              <a:rPr kumimoji="0" lang="en-US" altLang="en-US" sz="2000" b="0" i="0" u="none" strike="noStrike" cap="none" normalizeH="0" baseline="0" dirty="0">
+                <a:ln>
+                  <a:noFill/>
+                </a:ln>
+                <a:solidFill>
+                  <a:srgbClr val="BABABA"/>
+                </a:solidFill>
+                <a:effectLst/>
+                <a:latin typeface="JetBrains Mono"/>
+              </a:rPr>
+              <a:t>class</a:t>
+            </a:r>
+            <a:r>
+              <a:rPr kumimoji="0" lang="en-US" altLang="en-US" sz="2000" b="0" i="0" u="none" strike="noStrike" cap="none" normalizeH="0" baseline="0" dirty="0">
+                <a:ln>
+                  <a:noFill/>
+                </a:ln>
+                <a:solidFill>
+                  <a:srgbClr val="6A8759"/>
+                </a:solidFill>
+                <a:effectLst/>
+                <a:latin typeface="JetBrains Mono"/>
+              </a:rPr>
+              <a:t>="com.volkov.IoC.example6.ExampleBean1"</a:t>
+            </a:r>
+            <a:r>
+              <a:rPr kumimoji="0" lang="en-US" altLang="en-US" sz="2000" b="0" i="0" u="none" strike="noStrike" cap="none" normalizeH="0" baseline="0" dirty="0">
+                <a:ln>
+                  <a:noFill/>
+                </a:ln>
+                <a:solidFill>
+                  <a:srgbClr val="E8BF6A"/>
+                </a:solidFill>
+                <a:effectLst/>
+                <a:latin typeface="JetBrains Mono"/>
+              </a:rPr>
+              <a:t>/&gt;</a:t>
+            </a:r>
+            <a:br>
+              <a:rPr kumimoji="0" lang="en-US" altLang="en-US" sz="2000" b="0" i="0" u="none" strike="noStrike" cap="none" normalizeH="0" baseline="0" dirty="0">
+                <a:ln>
+                  <a:noFill/>
+                </a:ln>
+                <a:solidFill>
+                  <a:srgbClr val="E8BF6A"/>
+                </a:solidFill>
+                <a:effectLst/>
+                <a:latin typeface="JetBrains Mono"/>
+              </a:rPr>
+            </a:br>
+            <a:r>
+              <a:rPr kumimoji="0" lang="en-US" altLang="en-US" sz="2000" b="0" i="0" u="none" strike="noStrike" cap="none" normalizeH="0" baseline="0" dirty="0">
+                <a:ln>
+                  <a:noFill/>
+                </a:ln>
+                <a:solidFill>
+                  <a:srgbClr val="E8BF6A"/>
+                </a:solidFill>
+                <a:effectLst/>
+                <a:latin typeface="JetBrains Mono"/>
+              </a:rPr>
+              <a:t>&lt;bean </a:t>
+            </a:r>
+            <a:r>
+              <a:rPr kumimoji="0" lang="en-US" altLang="en-US" sz="2000" b="0" i="0" u="none" strike="noStrike" cap="none" normalizeH="0" baseline="0" dirty="0">
+                <a:ln>
+                  <a:noFill/>
+                </a:ln>
+                <a:solidFill>
+                  <a:srgbClr val="BABABA"/>
+                </a:solidFill>
+                <a:effectLst/>
+                <a:latin typeface="JetBrains Mono"/>
+              </a:rPr>
+              <a:t>name</a:t>
+            </a:r>
+            <a:r>
+              <a:rPr kumimoji="0" lang="en-US" altLang="en-US" sz="2000" b="0" i="0" u="none" strike="noStrike" cap="none" normalizeH="0" baseline="0" dirty="0">
+                <a:ln>
+                  <a:noFill/>
+                </a:ln>
+                <a:solidFill>
+                  <a:srgbClr val="6A8759"/>
+                </a:solidFill>
+                <a:effectLst/>
+                <a:latin typeface="JetBrains Mono"/>
+              </a:rPr>
+              <a:t>="exampleBean2" </a:t>
+            </a:r>
+            <a:r>
+              <a:rPr kumimoji="0" lang="en-US" altLang="en-US" sz="2000" b="0" i="0" u="none" strike="noStrike" cap="none" normalizeH="0" baseline="0" dirty="0">
+                <a:ln>
+                  <a:noFill/>
+                </a:ln>
+                <a:solidFill>
+                  <a:srgbClr val="BABABA"/>
+                </a:solidFill>
+                <a:effectLst/>
+                <a:latin typeface="JetBrains Mono"/>
+              </a:rPr>
+              <a:t>class</a:t>
+            </a:r>
+            <a:r>
+              <a:rPr kumimoji="0" lang="en-US" altLang="en-US" sz="2000" b="0" i="0" u="none" strike="noStrike" cap="none" normalizeH="0" baseline="0" dirty="0">
+                <a:ln>
+                  <a:noFill/>
+                </a:ln>
+                <a:solidFill>
+                  <a:srgbClr val="6A8759"/>
+                </a:solidFill>
+                <a:effectLst/>
+                <a:latin typeface="JetBrains Mono"/>
+              </a:rPr>
+              <a:t>="com.volkov.IoC.example6.ExampleBean2" </a:t>
+            </a:r>
+            <a:r>
+              <a:rPr kumimoji="0" lang="en-US" altLang="en-US" sz="2000" b="0" i="0" u="none" strike="noStrike" cap="none" normalizeH="0" baseline="0" dirty="0">
+                <a:ln>
+                  <a:noFill/>
+                </a:ln>
+                <a:solidFill>
+                  <a:srgbClr val="BABABA"/>
+                </a:solidFill>
+                <a:effectLst/>
+                <a:latin typeface="JetBrains Mono"/>
+              </a:rPr>
+              <a:t>lazy-</a:t>
             </a:r>
             <a:r>
               <a:rPr kumimoji="0" lang="en-US" altLang="en-US" sz="2000" b="0" i="0" u="none" strike="noStrike" cap="none" normalizeH="0" baseline="0" dirty="0" err="1">
@@ -4190,12 +3513,12 @@
                   <a:noFill/>
                 </a:ln>
                 <a:solidFill>
-                  <a:srgbClr val="6A8759"/>
+                  <a:srgbClr val="BABABA"/>
                 </a:solidFill>
                 <a:effectLst/>
                 <a:latin typeface="JetBrains Mono"/>
               </a:rPr>
-              <a:t>personFactory</a:t>
+              <a:t>init</a:t>
             </a:r>
             <a:r>
               <a:rPr kumimoji="0" lang="en-US" altLang="en-US" sz="2000" b="0" i="0" u="none" strike="noStrike" cap="none" normalizeH="0" baseline="0" dirty="0">
@@ -4208,7 +3531,7 @@
                 <a:effectLst/>
                 <a:latin typeface="JetBrains Mono"/>
               </a:rPr>
-              <a:t>" </a:t>
+              <a:t>="default"</a:t>
             </a:r>
             <a:r>
               <a:rPr kumimoji="0" lang="en-US" altLang="en-US" sz="2000" b="0" i="0" u="none" strike="noStrike" cap="none" normalizeH="0" baseline="0" dirty="0">
@@ -4216,6 +3539,70 @@
                   <a:noFill/>
                 </a:ln>
                 <a:solidFill>
+                  <a:srgbClr val="E8BF6A"/>
+                </a:solidFill>
+                <a:effectLst/>
+                <a:latin typeface="JetBrains Mono"/>
+              </a:rPr>
+              <a:t>/&gt;</a:t>
+            </a:r>
+            <a:br>
+              <a:rPr kumimoji="0" lang="en-US" altLang="en-US" sz="2000" b="0" i="0" u="none" strike="noStrike" cap="none" normalizeH="0" baseline="0" dirty="0">
+                <a:ln>
+                  <a:noFill/>
+                </a:ln>
+                <a:solidFill>
+                  <a:srgbClr val="E8BF6A"/>
+                </a:solidFill>
+                <a:effectLst/>
+                <a:latin typeface="JetBrains Mono"/>
+              </a:rPr>
+            </a:br>
+            <a:r>
+              <a:rPr kumimoji="0" lang="en-US" altLang="en-US" sz="2000" b="0" i="0" u="none" strike="noStrike" cap="none" normalizeH="0" baseline="0" dirty="0">
+                <a:ln>
+                  <a:noFill/>
+                </a:ln>
+                <a:solidFill>
+                  <a:srgbClr val="E8BF6A"/>
+                </a:solidFill>
+                <a:effectLst/>
+                <a:latin typeface="JetBrains Mono"/>
+              </a:rPr>
+              <a:t>&lt;bean </a:t>
+            </a:r>
+            <a:r>
+              <a:rPr kumimoji="0" lang="en-US" altLang="en-US" sz="2000" b="0" i="0" u="none" strike="noStrike" cap="none" normalizeH="0" baseline="0" dirty="0">
+                <a:ln>
+                  <a:noFill/>
+                </a:ln>
+                <a:solidFill>
+                  <a:srgbClr val="BABABA"/>
+                </a:solidFill>
+                <a:effectLst/>
+                <a:latin typeface="JetBrains Mono"/>
+              </a:rPr>
+              <a:t>name</a:t>
+            </a:r>
+            <a:r>
+              <a:rPr kumimoji="0" lang="en-US" altLang="en-US" sz="2000" b="0" i="0" u="none" strike="noStrike" cap="none" normalizeH="0" baseline="0" dirty="0">
+                <a:ln>
+                  <a:noFill/>
+                </a:ln>
+                <a:solidFill>
+                  <a:srgbClr val="6A8759"/>
+                </a:solidFill>
+                <a:effectLst/>
+                <a:latin typeface="JetBrains Mono"/>
+              </a:rPr>
+              <a:t>="exampleBean3" </a:t>
+            </a:r>
+            <a:r>
+              <a:rPr kumimoji="0" lang="en-US" altLang="en-US" sz="2000" b="0" i="0" u="none" strike="noStrike" cap="none" normalizeH="0" baseline="0" dirty="0">
+                <a:ln>
+                  <a:noFill/>
+                </a:ln>
+                <a:solidFill>
                   <a:srgbClr val="BABABA"/>
                 </a:solidFill>
                 <a:effectLst/>
@@ -4234,7 +3621,175 @@
                 <a:effectLst/>
                 <a:latin typeface="JetBrains Mono"/>
               </a:rPr>
-              <a:t>="com.volkov.IoC.example5.PersonFactory"</a:t>
+              <a:t>="com.volkov.IoC.example6.ExampleBean3" </a:t>
+            </a:r>
+            <a:r>
+              <a:rPr kumimoji="0" lang="en-US" altLang="en-US" sz="2000" b="0" i="0" u="none" strike="noStrike" cap="none" normalizeH="0" baseline="0" dirty="0">
+                <a:ln>
+                  <a:noFill/>
+                </a:ln>
+                <a:solidFill>
+                  <a:srgbClr val="BABABA"/>
+                </a:solidFill>
+                <a:effectLst/>
+                <a:latin typeface="JetBrains Mono"/>
+              </a:rPr>
+              <a:t>lazy-</a:t>
+            </a:r>
+            <a:r>
+              <a:rPr kumimoji="0" lang="en-US" altLang="en-US" sz="2000" b="0" i="0" u="none" strike="noStrike" cap="none" normalizeH="0" baseline="0" dirty="0" err="1">
+                <a:ln>
+                  <a:noFill/>
+                </a:ln>
+                <a:solidFill>
+                  <a:srgbClr val="BABABA"/>
+                </a:solidFill>
+                <a:effectLst/>
+                <a:latin typeface="JetBrains Mono"/>
+              </a:rPr>
+              <a:t>init</a:t>
+            </a:r>
+            <a:r>
+              <a:rPr kumimoji="0" lang="en-US" altLang="en-US" sz="2000" b="0" i="0" u="none" strike="noStrike" cap="none" normalizeH="0" baseline="0" dirty="0">
+                <a:ln>
+                  <a:noFill/>
+                </a:ln>
+                <a:solidFill>
+                  <a:srgbClr val="6A8759"/>
+                </a:solidFill>
+                <a:effectLst/>
+                <a:latin typeface="JetBrains Mono"/>
+              </a:rPr>
+              <a:t>="false"</a:t>
+            </a:r>
+            <a:r>
+              <a:rPr kumimoji="0" lang="en-US" altLang="en-US" sz="2000" b="0" i="0" u="none" strike="noStrike" cap="none" normalizeH="0" baseline="0" dirty="0">
+                <a:ln>
+                  <a:noFill/>
+                </a:ln>
+                <a:solidFill>
+                  <a:srgbClr val="E8BF6A"/>
+                </a:solidFill>
+                <a:effectLst/>
+                <a:latin typeface="JetBrains Mono"/>
+              </a:rPr>
+              <a:t>/&gt;</a:t>
+            </a:r>
+            <a:br>
+              <a:rPr kumimoji="0" lang="en-US" altLang="en-US" sz="2000" b="0" i="0" u="none" strike="noStrike" cap="none" normalizeH="0" baseline="0" dirty="0">
+                <a:ln>
+                  <a:noFill/>
+                </a:ln>
+                <a:solidFill>
+                  <a:srgbClr val="E8BF6A"/>
+                </a:solidFill>
+                <a:effectLst/>
+                <a:latin typeface="JetBrains Mono"/>
+              </a:rPr>
+            </a:br>
+            <a:r>
+              <a:rPr kumimoji="0" lang="en-US" altLang="en-US" sz="2000" b="0" i="0" u="none" strike="noStrike" cap="none" normalizeH="0" baseline="0" dirty="0">
+                <a:ln>
+                  <a:noFill/>
+                </a:ln>
+                <a:solidFill>
+                  <a:srgbClr val="E8BF6A"/>
+                </a:solidFill>
+                <a:effectLst/>
+                <a:latin typeface="JetBrains Mono"/>
+              </a:rPr>
+              <a:t>&lt;bean </a:t>
+            </a:r>
+            <a:r>
+              <a:rPr kumimoji="0" lang="en-US" altLang="en-US" sz="2000" b="0" i="0" u="none" strike="noStrike" cap="none" normalizeH="0" baseline="0" dirty="0">
+                <a:ln>
+                  <a:noFill/>
+                </a:ln>
+                <a:solidFill>
+                  <a:srgbClr val="BABABA"/>
+                </a:solidFill>
+                <a:effectLst/>
+                <a:latin typeface="JetBrains Mono"/>
+              </a:rPr>
+              <a:t>name</a:t>
+            </a:r>
+            <a:r>
+              <a:rPr kumimoji="0" lang="en-US" altLang="en-US" sz="2000" b="0" i="0" u="none" strike="noStrike" cap="none" normalizeH="0" baseline="0" dirty="0">
+                <a:ln>
+                  <a:noFill/>
+                </a:ln>
+                <a:solidFill>
+                  <a:srgbClr val="6A8759"/>
+                </a:solidFill>
+                <a:effectLst/>
+                <a:latin typeface="JetBrains Mono"/>
+              </a:rPr>
+              <a:t>="exampleBean4" </a:t>
+            </a:r>
+            <a:r>
+              <a:rPr kumimoji="0" lang="en-US" altLang="en-US" sz="2000" b="0" i="0" u="none" strike="noStrike" cap="none" normalizeH="0" baseline="0" dirty="0">
+                <a:ln>
+                  <a:noFill/>
+                </a:ln>
+                <a:solidFill>
+                  <a:srgbClr val="BABABA"/>
+                </a:solidFill>
+                <a:effectLst/>
+                <a:latin typeface="JetBrains Mono"/>
+              </a:rPr>
+              <a:t>class</a:t>
+            </a:r>
+            <a:r>
+              <a:rPr kumimoji="0" lang="en-US" altLang="en-US" sz="2000" b="0" i="0" u="none" strike="noStrike" cap="none" normalizeH="0" baseline="0" dirty="0">
+                <a:ln>
+                  <a:noFill/>
+                </a:ln>
+                <a:solidFill>
+                  <a:srgbClr val="6A8759"/>
+                </a:solidFill>
+                <a:effectLst/>
+                <a:latin typeface="JetBrains Mono"/>
+              </a:rPr>
+              <a:t>="com.volkov.IoC.example6.ExampleBean4" </a:t>
+            </a:r>
+            <a:r>
+              <a:rPr kumimoji="0" lang="en-US" altLang="en-US" sz="2000" b="0" i="0" u="none" strike="noStrike" cap="none" normalizeH="0" baseline="0" dirty="0">
+                <a:ln>
+                  <a:noFill/>
+                </a:ln>
+                <a:solidFill>
+                  <a:srgbClr val="BABABA"/>
+                </a:solidFill>
+                <a:effectLst/>
+                <a:latin typeface="JetBrains Mono"/>
+              </a:rPr>
+              <a:t>lazy-</a:t>
+            </a:r>
+            <a:r>
+              <a:rPr kumimoji="0" lang="en-US" altLang="en-US" sz="2000" b="0" i="0" u="none" strike="noStrike" cap="none" normalizeH="0" baseline="0" dirty="0" err="1">
+                <a:ln>
+                  <a:noFill/>
+                </a:ln>
+                <a:solidFill>
+                  <a:srgbClr val="BABABA"/>
+                </a:solidFill>
+                <a:effectLst/>
+                <a:latin typeface="JetBrains Mono"/>
+              </a:rPr>
+              <a:t>init</a:t>
+            </a:r>
+            <a:r>
+              <a:rPr kumimoji="0" lang="en-US" altLang="en-US" sz="2000" b="0" i="0" u="none" strike="noStrike" cap="none" normalizeH="0" baseline="0" dirty="0">
+                <a:ln>
+                  <a:noFill/>
+                </a:ln>
+                <a:solidFill>
+                  <a:srgbClr val="6A8759"/>
+                </a:solidFill>
+                <a:effectLst/>
+                <a:latin typeface="JetBrains Mono"/>
+              </a:rPr>
+              <a:t>="true"</a:t>
             </a:r>
             <a:r>
               <a:rPr kumimoji="0" lang="en-US" altLang="en-US" sz="2000" b="0" i="0" u="none" strike="noStrike" cap="none" normalizeH="0" baseline="0" dirty="0">
@@ -4262,506 +3817,10 @@
           </a:p>
         </p:txBody>
       </p:sp>
-      <p:sp>
-        <p:nvSpPr>
-          <p:cNvPr id="6" name="Rectangle 3"/>
-          <p:cNvSpPr>
-            <a:spLocks noChangeArrowheads="1"/>
-          </p:cNvSpPr>
-          <p:nvPr/>
-        </p:nvSpPr>
-        <p:spPr bwMode="auto">
-          <a:xfrm>
-            <a:off x="933450" y="2491948"/>
-            <a:ext cx="6172200" cy="1631216"/>
-          </a:xfrm>
-          <a:prstGeom prst="rect">
-            <a:avLst/>
-          </a:prstGeom>
-          <a:solidFill>
-            <a:srgbClr val="2B2B2B"/>
-          </a:solidFill>
-          <a:ln>
-            <a:noFill/>
-          </a:ln>
-          <a:effectLst/>
-          <a:extLst>
-            <a:ext uri="{91240B29-F687-4F45-9708-019B960494DF}">
-              <a14:hiddenLine xmlns:a14="http://schemas.microsoft.com/office/drawing/2010/main" w="9525">
-                <a:solidFill>
-                  <a:schemeClr val="tx1"/>
-                </a:solidFill>
-                <a:miter lim="800000"/>
-                <a:headEnd/>
-                <a:tailEnd/>
-              </a14:hiddenLine>
-            </a:ext>
-            <a:ext uri="{AF507438-7753-43E0-B8FC-AC1667EBCBE1}">
-              <a14:hiddenEffects xmlns:a14="http://schemas.microsoft.com/office/drawing/2010/main">
-                <a:effectLst>
-                  <a:outerShdw dist="35921" dir="2700000" algn="ctr" rotWithShape="0">
-                    <a:schemeClr val="bg2"/>
-                  </a:outerShdw>
-                </a:effectLst>
-              </a14:hiddenEffects>
-            </a:ext>
-          </a:extLst>
-        </p:spPr>
-        <p:txBody>
-          <a:bodyPr vert="horz" wrap="square" lIns="91440" tIns="45720" rIns="91440" bIns="45720" numCol="1" anchor="ctr" anchorCtr="0" compatLnSpc="1">
-            <a:prstTxWarp prst="textNoShape">
-              <a:avLst/>
-            </a:prstTxWarp>
-            <a:spAutoFit/>
-          </a:bodyPr>
-          <a:lstStyle/>
-          <a:p>
-            <a:pPr marL="0" marR="0" lvl="0" indent="0" algn="l" defTabSz="914400" rtl="0" eaLnBrk="0" fontAlgn="base" latinLnBrk="0" hangingPunct="0">
-              <a:lnSpc>
-                <a:spcPct val="100000"/>
-              </a:lnSpc>
-              <a:spcBef>
-                <a:spcPct val="0"/>
-              </a:spcBef>
-              <a:spcAft>
-                <a:spcPct val="0"/>
-              </a:spcAft>
-              <a:buClrTx/>
-              <a:buSzTx/>
-              <a:buFontTx/>
-              <a:buNone/>
-              <a:tabLst/>
-            </a:pPr>
-            <a:r>
-              <a:rPr kumimoji="0" lang="en-US" altLang="en-US" sz="2000" b="0" i="0" u="none" strike="noStrike" cap="none" normalizeH="0" baseline="0" dirty="0">
-                <a:ln>
-                  <a:noFill/>
-                </a:ln>
-                <a:solidFill>
-                  <a:srgbClr val="E8BF6A"/>
-                </a:solidFill>
-                <a:effectLst/>
-                <a:latin typeface="JetBrains Mono"/>
-              </a:rPr>
-              <a:t>&lt;bean </a:t>
-            </a:r>
-            <a:r>
-              <a:rPr kumimoji="0" lang="en-US" altLang="en-US" sz="2000" b="0" i="0" u="none" strike="noStrike" cap="none" normalizeH="0" baseline="0" dirty="0">
-                <a:ln>
-                  <a:noFill/>
-                </a:ln>
-                <a:solidFill>
-                  <a:srgbClr val="BABABA"/>
-                </a:solidFill>
-                <a:effectLst/>
-                <a:latin typeface="JetBrains Mono"/>
-              </a:rPr>
-              <a:t>name</a:t>
-            </a:r>
-            <a:r>
-              <a:rPr kumimoji="0" lang="en-US" altLang="en-US" sz="2000" b="0" i="0" u="none" strike="noStrike" cap="none" normalizeH="0" baseline="0" dirty="0">
-                <a:ln>
-                  <a:noFill/>
-                </a:ln>
-                <a:solidFill>
-                  <a:srgbClr val="6A8759"/>
-                </a:solidFill>
-                <a:effectLst/>
-                <a:latin typeface="JetBrains Mono"/>
-              </a:rPr>
-              <a:t>="person" </a:t>
-            </a:r>
-            <a:r>
-              <a:rPr kumimoji="0" lang="en-US" altLang="en-US" sz="2000" b="0" i="0" u="none" strike="noStrike" cap="none" normalizeH="0" baseline="0" dirty="0">
-                <a:ln>
-                  <a:noFill/>
-                </a:ln>
-                <a:solidFill>
-                  <a:srgbClr val="BABABA"/>
-                </a:solidFill>
-                <a:effectLst/>
-                <a:latin typeface="JetBrains Mono"/>
-              </a:rPr>
-              <a:t>factory-bean</a:t>
-            </a:r>
-            <a:r>
-              <a:rPr kumimoji="0" lang="en-US" altLang="en-US" sz="2000" b="0" i="0" u="none" strike="noStrike" cap="none" normalizeH="0" baseline="0" dirty="0">
-                <a:ln>
-                  <a:noFill/>
-                </a:ln>
-                <a:solidFill>
-                  <a:srgbClr val="6A8759"/>
-                </a:solidFill>
-                <a:effectLst/>
-                <a:latin typeface="JetBrains Mono"/>
-              </a:rPr>
-              <a:t>="</a:t>
-            </a:r>
-            <a:r>
-              <a:rPr kumimoji="0" lang="en-US" altLang="en-US" sz="2000" b="0" i="0" u="none" strike="noStrike" cap="none" normalizeH="0" baseline="0" dirty="0" err="1">
-                <a:ln>
-                  <a:noFill/>
-                </a:ln>
-                <a:solidFill>
-                  <a:srgbClr val="6A8759"/>
-                </a:solidFill>
-                <a:effectLst/>
-                <a:latin typeface="JetBrains Mono"/>
-              </a:rPr>
-              <a:t>personFactory</a:t>
-            </a:r>
-            <a:r>
-              <a:rPr kumimoji="0" lang="en-US" altLang="en-US" sz="2000" b="0" i="0" u="none" strike="noStrike" cap="none" normalizeH="0" baseline="0" dirty="0">
-                <a:ln>
-                  <a:noFill/>
-                </a:ln>
-                <a:solidFill>
-                  <a:srgbClr val="6A8759"/>
-                </a:solidFill>
-                <a:effectLst/>
-                <a:latin typeface="JetBrains Mono"/>
-              </a:rPr>
-              <a:t>" </a:t>
-            </a:r>
-            <a:r>
-              <a:rPr kumimoji="0" lang="en-US" altLang="en-US" sz="2000" b="0" i="0" u="none" strike="noStrike" cap="none" normalizeH="0" baseline="0" dirty="0">
-                <a:ln>
-                  <a:noFill/>
-                </a:ln>
-                <a:solidFill>
-                  <a:srgbClr val="BABABA"/>
-                </a:solidFill>
-                <a:effectLst/>
-                <a:latin typeface="JetBrains Mono"/>
-              </a:rPr>
-              <a:t>factory-method</a:t>
-            </a:r>
-            <a:r>
-              <a:rPr kumimoji="0" lang="en-US" altLang="en-US" sz="2000" b="0" i="0" u="none" strike="noStrike" cap="none" normalizeH="0" baseline="0" dirty="0">
-                <a:ln>
-                  <a:noFill/>
-                </a:ln>
-                <a:solidFill>
-                  <a:srgbClr val="6A8759"/>
-                </a:solidFill>
-                <a:effectLst/>
-                <a:latin typeface="JetBrains Mono"/>
-              </a:rPr>
-              <a:t>="</a:t>
-            </a:r>
-            <a:r>
-              <a:rPr kumimoji="0" lang="en-US" altLang="en-US" sz="2000" b="0" i="0" u="none" strike="noStrike" cap="none" normalizeH="0" baseline="0" dirty="0" err="1">
-                <a:ln>
-                  <a:noFill/>
-                </a:ln>
-                <a:solidFill>
-                  <a:srgbClr val="6A8759"/>
-                </a:solidFill>
-                <a:effectLst/>
-                <a:latin typeface="JetBrains Mono"/>
-              </a:rPr>
-              <a:t>createInstance</a:t>
-            </a:r>
-            <a:r>
-              <a:rPr kumimoji="0" lang="en-US" altLang="en-US" sz="2000" b="0" i="0" u="none" strike="noStrike" cap="none" normalizeH="0" baseline="0" dirty="0">
-                <a:ln>
-                  <a:noFill/>
-                </a:ln>
-                <a:solidFill>
-                  <a:srgbClr val="6A8759"/>
-                </a:solidFill>
-                <a:effectLst/>
-                <a:latin typeface="JetBrains Mono"/>
-              </a:rPr>
-              <a:t>"</a:t>
-            </a:r>
-            <a:r>
-              <a:rPr kumimoji="0" lang="en-US" altLang="en-US" sz="2000" b="0" i="0" u="none" strike="noStrike" cap="none" normalizeH="0" baseline="0" dirty="0">
-                <a:ln>
-                  <a:noFill/>
-                </a:ln>
-                <a:solidFill>
-                  <a:srgbClr val="E8BF6A"/>
-                </a:solidFill>
-                <a:effectLst/>
-                <a:latin typeface="JetBrains Mono"/>
-              </a:rPr>
-              <a:t>&gt;</a:t>
-            </a:r>
-            <a:br>
-              <a:rPr kumimoji="0" lang="en-US" altLang="en-US" sz="2000" b="0" i="0" u="none" strike="noStrike" cap="none" normalizeH="0" baseline="0" dirty="0">
-                <a:ln>
-                  <a:noFill/>
-                </a:ln>
-                <a:solidFill>
-                  <a:srgbClr val="E8BF6A"/>
-                </a:solidFill>
-                <a:effectLst/>
-                <a:latin typeface="JetBrains Mono"/>
-              </a:rPr>
-            </a:br>
-            <a:r>
-              <a:rPr kumimoji="0" lang="en-US" altLang="en-US" sz="2000" b="0" i="0" u="none" strike="noStrike" cap="none" normalizeH="0" baseline="0" dirty="0">
-                <a:ln>
-                  <a:noFill/>
-                </a:ln>
-                <a:solidFill>
-                  <a:srgbClr val="E8BF6A"/>
-                </a:solidFill>
-                <a:effectLst/>
-                <a:latin typeface="JetBrains Mono"/>
-              </a:rPr>
-              <a:t>    &lt;constructor-</a:t>
-            </a:r>
-            <a:r>
-              <a:rPr kumimoji="0" lang="en-US" altLang="en-US" sz="2000" b="0" i="0" u="none" strike="noStrike" cap="none" normalizeH="0" baseline="0" dirty="0" err="1">
-                <a:ln>
-                  <a:noFill/>
-                </a:ln>
-                <a:solidFill>
-                  <a:srgbClr val="E8BF6A"/>
-                </a:solidFill>
-                <a:effectLst/>
-                <a:latin typeface="JetBrains Mono"/>
-              </a:rPr>
-              <a:t>arg</a:t>
-            </a:r>
-            <a:r>
-              <a:rPr kumimoji="0" lang="en-US" altLang="en-US" sz="2000" b="0" i="0" u="none" strike="noStrike" cap="none" normalizeH="0" baseline="0" dirty="0">
-                <a:ln>
-                  <a:noFill/>
-                </a:ln>
-                <a:solidFill>
-                  <a:srgbClr val="E8BF6A"/>
-                </a:solidFill>
-                <a:effectLst/>
-                <a:latin typeface="JetBrains Mono"/>
-              </a:rPr>
-              <a:t> </a:t>
-            </a:r>
-            <a:r>
-              <a:rPr kumimoji="0" lang="en-US" altLang="en-US" sz="2000" b="0" i="0" u="none" strike="noStrike" cap="none" normalizeH="0" baseline="0" dirty="0">
-                <a:ln>
-                  <a:noFill/>
-                </a:ln>
-                <a:solidFill>
-                  <a:srgbClr val="BABABA"/>
-                </a:solidFill>
-                <a:effectLst/>
-                <a:latin typeface="JetBrains Mono"/>
-              </a:rPr>
-              <a:t>name</a:t>
-            </a:r>
-            <a:r>
-              <a:rPr kumimoji="0" lang="en-US" altLang="en-US" sz="2000" b="0" i="0" u="none" strike="noStrike" cap="none" normalizeH="0" baseline="0" dirty="0">
-                <a:ln>
-                  <a:noFill/>
-                </a:ln>
-                <a:solidFill>
-                  <a:srgbClr val="6A8759"/>
-                </a:solidFill>
-                <a:effectLst/>
-                <a:latin typeface="JetBrains Mono"/>
-              </a:rPr>
-              <a:t>="name" </a:t>
-            </a:r>
-            <a:r>
-              <a:rPr kumimoji="0" lang="en-US" altLang="en-US" sz="2000" b="0" i="0" u="none" strike="noStrike" cap="none" normalizeH="0" baseline="0" dirty="0">
-                <a:ln>
-                  <a:noFill/>
-                </a:ln>
-                <a:solidFill>
-                  <a:srgbClr val="BABABA"/>
-                </a:solidFill>
-                <a:effectLst/>
-                <a:latin typeface="JetBrains Mono"/>
-              </a:rPr>
-              <a:t>value</a:t>
-            </a:r>
-            <a:r>
-              <a:rPr kumimoji="0" lang="en-US" altLang="en-US" sz="2000" b="0" i="0" u="none" strike="noStrike" cap="none" normalizeH="0" baseline="0" dirty="0">
-                <a:ln>
-                  <a:noFill/>
-                </a:ln>
-                <a:solidFill>
-                  <a:srgbClr val="6A8759"/>
-                </a:solidFill>
-                <a:effectLst/>
-                <a:latin typeface="JetBrains Mono"/>
-              </a:rPr>
-              <a:t>="Ivan"</a:t>
-            </a:r>
-            <a:r>
-              <a:rPr kumimoji="0" lang="en-US" altLang="en-US" sz="2000" b="0" i="0" u="none" strike="noStrike" cap="none" normalizeH="0" baseline="0" dirty="0">
-                <a:ln>
-                  <a:noFill/>
-                </a:ln>
-                <a:solidFill>
-                  <a:srgbClr val="E8BF6A"/>
-                </a:solidFill>
-                <a:effectLst/>
-                <a:latin typeface="JetBrains Mono"/>
-              </a:rPr>
-              <a:t>/&gt;</a:t>
-            </a:r>
-            <a:br>
-              <a:rPr kumimoji="0" lang="en-US" altLang="en-US" sz="2000" b="0" i="0" u="none" strike="noStrike" cap="none" normalizeH="0" baseline="0" dirty="0">
-                <a:ln>
-                  <a:noFill/>
-                </a:ln>
-                <a:solidFill>
-                  <a:srgbClr val="E8BF6A"/>
-                </a:solidFill>
-                <a:effectLst/>
-                <a:latin typeface="JetBrains Mono"/>
-              </a:rPr>
-            </a:br>
-            <a:r>
-              <a:rPr kumimoji="0" lang="en-US" altLang="en-US" sz="2000" b="0" i="0" u="none" strike="noStrike" cap="none" normalizeH="0" baseline="0" dirty="0">
-                <a:ln>
-                  <a:noFill/>
-                </a:ln>
-                <a:solidFill>
-                  <a:srgbClr val="E8BF6A"/>
-                </a:solidFill>
-                <a:effectLst/>
-                <a:latin typeface="JetBrains Mono"/>
-              </a:rPr>
-              <a:t>    &lt;constructor-</a:t>
-            </a:r>
-            <a:r>
-              <a:rPr kumimoji="0" lang="en-US" altLang="en-US" sz="2000" b="0" i="0" u="none" strike="noStrike" cap="none" normalizeH="0" baseline="0" dirty="0" err="1">
-                <a:ln>
-                  <a:noFill/>
-                </a:ln>
-                <a:solidFill>
-                  <a:srgbClr val="E8BF6A"/>
-                </a:solidFill>
-                <a:effectLst/>
-                <a:latin typeface="JetBrains Mono"/>
-              </a:rPr>
-              <a:t>arg</a:t>
-            </a:r>
-            <a:r>
-              <a:rPr kumimoji="0" lang="en-US" altLang="en-US" sz="2000" b="0" i="0" u="none" strike="noStrike" cap="none" normalizeH="0" baseline="0" dirty="0">
-                <a:ln>
-                  <a:noFill/>
-                </a:ln>
-                <a:solidFill>
-                  <a:srgbClr val="E8BF6A"/>
-                </a:solidFill>
-                <a:effectLst/>
-                <a:latin typeface="JetBrains Mono"/>
-              </a:rPr>
-              <a:t> </a:t>
-            </a:r>
-            <a:r>
-              <a:rPr kumimoji="0" lang="en-US" altLang="en-US" sz="2000" b="0" i="0" u="none" strike="noStrike" cap="none" normalizeH="0" baseline="0" dirty="0">
-                <a:ln>
-                  <a:noFill/>
-                </a:ln>
-                <a:solidFill>
-                  <a:srgbClr val="BABABA"/>
-                </a:solidFill>
-                <a:effectLst/>
-                <a:latin typeface="JetBrains Mono"/>
-              </a:rPr>
-              <a:t>name</a:t>
-            </a:r>
-            <a:r>
-              <a:rPr kumimoji="0" lang="en-US" altLang="en-US" sz="2000" b="0" i="0" u="none" strike="noStrike" cap="none" normalizeH="0" baseline="0" dirty="0">
-                <a:ln>
-                  <a:noFill/>
-                </a:ln>
-                <a:solidFill>
-                  <a:srgbClr val="6A8759"/>
-                </a:solidFill>
-                <a:effectLst/>
-                <a:latin typeface="JetBrains Mono"/>
-              </a:rPr>
-              <a:t>="age" </a:t>
-            </a:r>
-            <a:r>
-              <a:rPr kumimoji="0" lang="en-US" altLang="en-US" sz="2000" b="0" i="0" u="none" strike="noStrike" cap="none" normalizeH="0" baseline="0" dirty="0">
-                <a:ln>
-                  <a:noFill/>
-                </a:ln>
-                <a:solidFill>
-                  <a:srgbClr val="BABABA"/>
-                </a:solidFill>
-                <a:effectLst/>
-                <a:latin typeface="JetBrains Mono"/>
-              </a:rPr>
-              <a:t>value</a:t>
-            </a:r>
-            <a:r>
-              <a:rPr kumimoji="0" lang="en-US" altLang="en-US" sz="2000" b="0" i="0" u="none" strike="noStrike" cap="none" normalizeH="0" baseline="0" dirty="0">
-                <a:ln>
-                  <a:noFill/>
-                </a:ln>
-                <a:solidFill>
-                  <a:srgbClr val="6A8759"/>
-                </a:solidFill>
-                <a:effectLst/>
-                <a:latin typeface="JetBrains Mono"/>
-              </a:rPr>
-              <a:t>="29"</a:t>
-            </a:r>
-            <a:r>
-              <a:rPr kumimoji="0" lang="en-US" altLang="en-US" sz="2000" b="0" i="0" u="none" strike="noStrike" cap="none" normalizeH="0" baseline="0" dirty="0">
-                <a:ln>
-                  <a:noFill/>
-                </a:ln>
-                <a:solidFill>
-                  <a:srgbClr val="E8BF6A"/>
-                </a:solidFill>
-                <a:effectLst/>
-                <a:latin typeface="JetBrains Mono"/>
-              </a:rPr>
-              <a:t>/&gt;</a:t>
-            </a:r>
-            <a:br>
-              <a:rPr kumimoji="0" lang="en-US" altLang="en-US" sz="2000" b="0" i="0" u="none" strike="noStrike" cap="none" normalizeH="0" baseline="0" dirty="0">
-                <a:ln>
-                  <a:noFill/>
-                </a:ln>
-                <a:solidFill>
-                  <a:srgbClr val="E8BF6A"/>
-                </a:solidFill>
-                <a:effectLst/>
-                <a:latin typeface="JetBrains Mono"/>
-              </a:rPr>
-            </a:br>
-            <a:r>
-              <a:rPr kumimoji="0" lang="en-US" altLang="en-US" sz="2000" b="0" i="0" u="none" strike="noStrike" cap="none" normalizeH="0" baseline="0" dirty="0">
-                <a:ln>
-                  <a:noFill/>
-                </a:ln>
-                <a:solidFill>
-                  <a:srgbClr val="E8BF6A"/>
-                </a:solidFill>
-                <a:effectLst/>
-                <a:latin typeface="JetBrains Mono"/>
-              </a:rPr>
-              <a:t>&lt;/bean&gt;</a:t>
-            </a:r>
-            <a:endParaRPr kumimoji="0" lang="en-US" altLang="en-US" sz="2000" b="0" i="0" u="none" strike="noStrike" cap="none" normalizeH="0" baseline="0" dirty="0">
-              <a:ln>
-                <a:noFill/>
-              </a:ln>
-              <a:solidFill>
-                <a:schemeClr val="tx1"/>
-              </a:solidFill>
-              <a:effectLst/>
-              <a:latin typeface="Arial" panose="020B0604020202020204" pitchFamily="34" charset="0"/>
-            </a:endParaRPr>
-          </a:p>
-        </p:txBody>
-      </p:sp>
     </p:spTree>
     <p:extLst>
       <p:ext uri="{BB962C8B-B14F-4D97-AF65-F5344CB8AC3E}">
-        <p14:creationId xmlns:p14="http://schemas.microsoft.com/office/powerpoint/2010/main" val="2436549162"/>
+        <p14:creationId xmlns:p14="http://schemas.microsoft.com/office/powerpoint/2010/main" val="2431173732"/>
       </p:ext>
     </p:extLst>
   </p:cSld>
